--- a/recitation8/cs1675_rec8_oct26.pptx
+++ b/recitation8/cs1675_rec8_oct26.pptx
@@ -5585,7 +5585,7 @@
           <p:cNvPr id="2" name="TextBox 1">
             <a:extLst>
               <a:ext uri="{FF2B5EF4-FFF2-40B4-BE49-F238E27FC236}">
-                <a16:creationId xmlns:a16="http://schemas.microsoft.com/office/drawing/2014/main" xmlns="" id="{604FCC24-5774-4D19-AE3C-892BD5CB9036}"/>
+                <a16:creationId xmlns="" xmlns:a16="http://schemas.microsoft.com/office/drawing/2014/main" id="{604FCC24-5774-4D19-AE3C-892BD5CB9036}"/>
               </a:ext>
             </a:extLst>
           </p:cNvPr>
@@ -5623,7 +5623,7 @@
           <p:cNvPr id="4" name="Picture 3">
             <a:extLst>
               <a:ext uri="{FF2B5EF4-FFF2-40B4-BE49-F238E27FC236}">
-                <a16:creationId xmlns:a16="http://schemas.microsoft.com/office/drawing/2014/main" xmlns="" id="{19F477BC-847B-489B-8533-63913948AE7A}"/>
+                <a16:creationId xmlns="" xmlns:a16="http://schemas.microsoft.com/office/drawing/2014/main" id="{19F477BC-847B-489B-8533-63913948AE7A}"/>
               </a:ext>
             </a:extLst>
           </p:cNvPr>
@@ -5653,7 +5653,7 @@
           <p:cNvPr id="7" name="Picture 6">
             <a:extLst>
               <a:ext uri="{FF2B5EF4-FFF2-40B4-BE49-F238E27FC236}">
-                <a16:creationId xmlns:a16="http://schemas.microsoft.com/office/drawing/2014/main" xmlns="" id="{B3A980AB-3E15-4037-A515-354BB7A35442}"/>
+                <a16:creationId xmlns="" xmlns:a16="http://schemas.microsoft.com/office/drawing/2014/main" id="{B3A980AB-3E15-4037-A515-354BB7A35442}"/>
               </a:ext>
             </a:extLst>
           </p:cNvPr>
@@ -5683,7 +5683,7 @@
           <p:cNvPr id="10" name="Straight Arrow Connector 9">
             <a:extLst>
               <a:ext uri="{FF2B5EF4-FFF2-40B4-BE49-F238E27FC236}">
-                <a16:creationId xmlns:a16="http://schemas.microsoft.com/office/drawing/2014/main" xmlns="" id="{5025BDDE-C2B2-4E13-BC98-621C26600BDC}"/>
+                <a16:creationId xmlns="" xmlns:a16="http://schemas.microsoft.com/office/drawing/2014/main" id="{5025BDDE-C2B2-4E13-BC98-621C26600BDC}"/>
               </a:ext>
             </a:extLst>
           </p:cNvPr>
@@ -5722,7 +5722,7 @@
           <p:cNvPr id="12" name="Straight Connector 11">
             <a:extLst>
               <a:ext uri="{FF2B5EF4-FFF2-40B4-BE49-F238E27FC236}">
-                <a16:creationId xmlns:a16="http://schemas.microsoft.com/office/drawing/2014/main" xmlns="" id="{2DBC20C2-6F0C-4D0F-8FD8-0A3B53A05C13}"/>
+                <a16:creationId xmlns="" xmlns:a16="http://schemas.microsoft.com/office/drawing/2014/main" id="{2DBC20C2-6F0C-4D0F-8FD8-0A3B53A05C13}"/>
               </a:ext>
             </a:extLst>
           </p:cNvPr>
@@ -5759,7 +5759,7 @@
           <p:cNvPr id="13" name="Picture 12">
             <a:extLst>
               <a:ext uri="{FF2B5EF4-FFF2-40B4-BE49-F238E27FC236}">
-                <a16:creationId xmlns:a16="http://schemas.microsoft.com/office/drawing/2014/main" xmlns="" id="{907FBEBD-2FFB-43C7-AAFF-D011C8A72F65}"/>
+                <a16:creationId xmlns="" xmlns:a16="http://schemas.microsoft.com/office/drawing/2014/main" id="{907FBEBD-2FFB-43C7-AAFF-D011C8A72F65}"/>
               </a:ext>
             </a:extLst>
           </p:cNvPr>
@@ -5789,7 +5789,7 @@
           <p:cNvPr id="14" name="Picture 13">
             <a:extLst>
               <a:ext uri="{FF2B5EF4-FFF2-40B4-BE49-F238E27FC236}">
-                <a16:creationId xmlns:a16="http://schemas.microsoft.com/office/drawing/2014/main" xmlns="" id="{DF471828-ACCC-48F7-B718-1EB276F84AAF}"/>
+                <a16:creationId xmlns="" xmlns:a16="http://schemas.microsoft.com/office/drawing/2014/main" id="{DF471828-ACCC-48F7-B718-1EB276F84AAF}"/>
               </a:ext>
             </a:extLst>
           </p:cNvPr>
@@ -5856,7 +5856,7 @@
           <p:cNvPr id="2" name="TextBox 1">
             <a:extLst>
               <a:ext uri="{FF2B5EF4-FFF2-40B4-BE49-F238E27FC236}">
-                <a16:creationId xmlns:a16="http://schemas.microsoft.com/office/drawing/2014/main" xmlns="" id="{604FCC24-5774-4D19-AE3C-892BD5CB9036}"/>
+                <a16:creationId xmlns="" xmlns:a16="http://schemas.microsoft.com/office/drawing/2014/main" id="{604FCC24-5774-4D19-AE3C-892BD5CB9036}"/>
               </a:ext>
             </a:extLst>
           </p:cNvPr>
@@ -5894,7 +5894,7 @@
           <p:cNvPr id="15" name="TextBox 14">
             <a:extLst>
               <a:ext uri="{FF2B5EF4-FFF2-40B4-BE49-F238E27FC236}">
-                <a16:creationId xmlns:a16="http://schemas.microsoft.com/office/drawing/2014/main" xmlns="" id="{4228428F-CF77-4EFA-9B33-812EA60AC0C5}"/>
+                <a16:creationId xmlns="" xmlns:a16="http://schemas.microsoft.com/office/drawing/2014/main" id="{4228428F-CF77-4EFA-9B33-812EA60AC0C5}"/>
               </a:ext>
             </a:extLst>
           </p:cNvPr>
@@ -5929,7 +5929,7 @@
           <p:cNvPr id="5" name="Picture 4">
             <a:extLst>
               <a:ext uri="{FF2B5EF4-FFF2-40B4-BE49-F238E27FC236}">
-                <a16:creationId xmlns:a16="http://schemas.microsoft.com/office/drawing/2014/main" xmlns="" id="{AAD6D550-F844-4C84-9668-24FCF3A4B0FA}"/>
+                <a16:creationId xmlns="" xmlns:a16="http://schemas.microsoft.com/office/drawing/2014/main" id="{AAD6D550-F844-4C84-9668-24FCF3A4B0FA}"/>
               </a:ext>
             </a:extLst>
           </p:cNvPr>
@@ -5959,7 +5959,7 @@
           <p:cNvPr id="20" name="TextBox 19">
             <a:extLst>
               <a:ext uri="{FF2B5EF4-FFF2-40B4-BE49-F238E27FC236}">
-                <a16:creationId xmlns:a16="http://schemas.microsoft.com/office/drawing/2014/main" xmlns="" id="{6DC9716B-DE3F-49B9-BC0F-0928B8B020C2}"/>
+                <a16:creationId xmlns="" xmlns:a16="http://schemas.microsoft.com/office/drawing/2014/main" id="{6DC9716B-DE3F-49B9-BC0F-0928B8B020C2}"/>
               </a:ext>
             </a:extLst>
           </p:cNvPr>
@@ -5994,7 +5994,7 @@
           <p:cNvPr id="6" name="Picture 5">
             <a:extLst>
               <a:ext uri="{FF2B5EF4-FFF2-40B4-BE49-F238E27FC236}">
-                <a16:creationId xmlns:a16="http://schemas.microsoft.com/office/drawing/2014/main" xmlns="" id="{F9CD07E4-C4EB-420B-A892-58B496F23189}"/>
+                <a16:creationId xmlns="" xmlns:a16="http://schemas.microsoft.com/office/drawing/2014/main" id="{F9CD07E4-C4EB-420B-A892-58B496F23189}"/>
               </a:ext>
             </a:extLst>
           </p:cNvPr>
@@ -6024,7 +6024,7 @@
           <p:cNvPr id="22" name="TextBox 21">
             <a:extLst>
               <a:ext uri="{FF2B5EF4-FFF2-40B4-BE49-F238E27FC236}">
-                <a16:creationId xmlns:a16="http://schemas.microsoft.com/office/drawing/2014/main" xmlns="" id="{64B3FB62-2774-4936-8BAF-249F3FED8633}"/>
+                <a16:creationId xmlns="" xmlns:a16="http://schemas.microsoft.com/office/drawing/2014/main" id="{64B3FB62-2774-4936-8BAF-249F3FED8633}"/>
               </a:ext>
             </a:extLst>
           </p:cNvPr>
@@ -6059,7 +6059,7 @@
           <p:cNvPr id="23" name="Picture 22">
             <a:extLst>
               <a:ext uri="{FF2B5EF4-FFF2-40B4-BE49-F238E27FC236}">
-                <a16:creationId xmlns:a16="http://schemas.microsoft.com/office/drawing/2014/main" xmlns="" id="{B54467FF-138F-4F52-9326-A64A1CD597FE}"/>
+                <a16:creationId xmlns="" xmlns:a16="http://schemas.microsoft.com/office/drawing/2014/main" id="{B54467FF-138F-4F52-9326-A64A1CD597FE}"/>
               </a:ext>
             </a:extLst>
           </p:cNvPr>
@@ -6126,7 +6126,7 @@
           <p:cNvPr id="2" name="TextBox 1">
             <a:extLst>
               <a:ext uri="{FF2B5EF4-FFF2-40B4-BE49-F238E27FC236}">
-                <a16:creationId xmlns:a16="http://schemas.microsoft.com/office/drawing/2014/main" xmlns="" id="{604FCC24-5774-4D19-AE3C-892BD5CB9036}"/>
+                <a16:creationId xmlns="" xmlns:a16="http://schemas.microsoft.com/office/drawing/2014/main" id="{604FCC24-5774-4D19-AE3C-892BD5CB9036}"/>
               </a:ext>
             </a:extLst>
           </p:cNvPr>
@@ -6164,7 +6164,7 @@
           <p:cNvPr id="4" name="Picture 3" descr="Quadratic programming - MATLAB quadprog - Mozilla Firefox">
             <a:extLst>
               <a:ext uri="{FF2B5EF4-FFF2-40B4-BE49-F238E27FC236}">
-                <a16:creationId xmlns:a16="http://schemas.microsoft.com/office/drawing/2014/main" xmlns="" id="{D6933887-934C-45A6-8909-FCB9C389EE40}"/>
+                <a16:creationId xmlns="" xmlns:a16="http://schemas.microsoft.com/office/drawing/2014/main" id="{D6933887-934C-45A6-8909-FCB9C389EE40}"/>
               </a:ext>
             </a:extLst>
           </p:cNvPr>
@@ -6199,7 +6199,7 @@
           <p:cNvPr id="9" name="Picture 8" descr="Quadratic programming - MATLAB quadprog - Mozilla Firefox">
             <a:extLst>
               <a:ext uri="{FF2B5EF4-FFF2-40B4-BE49-F238E27FC236}">
-                <a16:creationId xmlns:a16="http://schemas.microsoft.com/office/drawing/2014/main" xmlns="" id="{465700A6-2F56-4830-BF2F-02A9A21A9EEC}"/>
+                <a16:creationId xmlns="" xmlns:a16="http://schemas.microsoft.com/office/drawing/2014/main" id="{465700A6-2F56-4830-BF2F-02A9A21A9EEC}"/>
               </a:ext>
             </a:extLst>
           </p:cNvPr>
@@ -6234,7 +6234,7 @@
           <p:cNvPr id="10" name="TextBox 9">
             <a:extLst>
               <a:ext uri="{FF2B5EF4-FFF2-40B4-BE49-F238E27FC236}">
-                <a16:creationId xmlns:a16="http://schemas.microsoft.com/office/drawing/2014/main" xmlns="" id="{C7BCE5D6-52C8-4C8F-91FE-F7B71DBD88E3}"/>
+                <a16:creationId xmlns="" xmlns:a16="http://schemas.microsoft.com/office/drawing/2014/main" id="{C7BCE5D6-52C8-4C8F-91FE-F7B71DBD88E3}"/>
               </a:ext>
             </a:extLst>
           </p:cNvPr>
@@ -6314,7 +6314,7 @@
           <p:cNvPr id="2" name="TextBox 1">
             <a:extLst>
               <a:ext uri="{FF2B5EF4-FFF2-40B4-BE49-F238E27FC236}">
-                <a16:creationId xmlns:a16="http://schemas.microsoft.com/office/drawing/2014/main" xmlns="" id="{604FCC24-5774-4D19-AE3C-892BD5CB9036}"/>
+                <a16:creationId xmlns="" xmlns:a16="http://schemas.microsoft.com/office/drawing/2014/main" id="{604FCC24-5774-4D19-AE3C-892BD5CB9036}"/>
               </a:ext>
             </a:extLst>
           </p:cNvPr>
@@ -6352,7 +6352,7 @@
           <p:cNvPr id="4" name="Picture 3" descr="Quadratic programming - MATLAB quadprog - Mozilla Firefox">
             <a:extLst>
               <a:ext uri="{FF2B5EF4-FFF2-40B4-BE49-F238E27FC236}">
-                <a16:creationId xmlns:a16="http://schemas.microsoft.com/office/drawing/2014/main" xmlns="" id="{D6933887-934C-45A6-8909-FCB9C389EE40}"/>
+                <a16:creationId xmlns="" xmlns:a16="http://schemas.microsoft.com/office/drawing/2014/main" id="{D6933887-934C-45A6-8909-FCB9C389EE40}"/>
               </a:ext>
             </a:extLst>
           </p:cNvPr>
@@ -6387,7 +6387,7 @@
           <p:cNvPr id="6" name="TextBox 5">
             <a:extLst>
               <a:ext uri="{FF2B5EF4-FFF2-40B4-BE49-F238E27FC236}">
-                <a16:creationId xmlns:a16="http://schemas.microsoft.com/office/drawing/2014/main" xmlns="" id="{B5F07024-7C2B-49C1-AEF9-2F733EE56846}"/>
+                <a16:creationId xmlns="" xmlns:a16="http://schemas.microsoft.com/office/drawing/2014/main" id="{B5F07024-7C2B-49C1-AEF9-2F733EE56846}"/>
               </a:ext>
             </a:extLst>
           </p:cNvPr>
@@ -6426,7 +6426,7 @@
           <p:cNvPr id="7" name="Picture 6">
             <a:extLst>
               <a:ext uri="{FF2B5EF4-FFF2-40B4-BE49-F238E27FC236}">
-                <a16:creationId xmlns:a16="http://schemas.microsoft.com/office/drawing/2014/main" xmlns="" id="{7C3A7A6C-979C-48E1-90FB-467803E42F0B}"/>
+                <a16:creationId xmlns="" xmlns:a16="http://schemas.microsoft.com/office/drawing/2014/main" id="{7C3A7A6C-979C-48E1-90FB-467803E42F0B}"/>
               </a:ext>
             </a:extLst>
           </p:cNvPr>
@@ -6456,7 +6456,7 @@
           <p:cNvPr id="8" name="TextBox 7">
             <a:extLst>
               <a:ext uri="{FF2B5EF4-FFF2-40B4-BE49-F238E27FC236}">
-                <a16:creationId xmlns:a16="http://schemas.microsoft.com/office/drawing/2014/main" xmlns="" id="{262D770D-EE0E-43A1-B95D-9581657CF997}"/>
+                <a16:creationId xmlns="" xmlns:a16="http://schemas.microsoft.com/office/drawing/2014/main" id="{262D770D-EE0E-43A1-B95D-9581657CF997}"/>
               </a:ext>
             </a:extLst>
           </p:cNvPr>
@@ -6499,7 +6499,7 @@
           <p:cNvPr id="5" name="Straight Connector 4">
             <a:extLst>
               <a:ext uri="{FF2B5EF4-FFF2-40B4-BE49-F238E27FC236}">
-                <a16:creationId xmlns:a16="http://schemas.microsoft.com/office/drawing/2014/main" xmlns="" id="{A5FCD1CA-5F54-4C1A-B050-285AB0B52B00}"/>
+                <a16:creationId xmlns="" xmlns:a16="http://schemas.microsoft.com/office/drawing/2014/main" id="{A5FCD1CA-5F54-4C1A-B050-285AB0B52B00}"/>
               </a:ext>
             </a:extLst>
           </p:cNvPr>
@@ -6573,7 +6573,7 @@
           <p:cNvPr id="2" name="TextBox 1">
             <a:extLst>
               <a:ext uri="{FF2B5EF4-FFF2-40B4-BE49-F238E27FC236}">
-                <a16:creationId xmlns:a16="http://schemas.microsoft.com/office/drawing/2014/main" xmlns="" id="{604FCC24-5774-4D19-AE3C-892BD5CB9036}"/>
+                <a16:creationId xmlns="" xmlns:a16="http://schemas.microsoft.com/office/drawing/2014/main" id="{604FCC24-5774-4D19-AE3C-892BD5CB9036}"/>
               </a:ext>
             </a:extLst>
           </p:cNvPr>
@@ -6611,7 +6611,7 @@
           <p:cNvPr id="4" name="Picture 3" descr="Quadratic programming - MATLAB quadprog - Mozilla Firefox">
             <a:extLst>
               <a:ext uri="{FF2B5EF4-FFF2-40B4-BE49-F238E27FC236}">
-                <a16:creationId xmlns:a16="http://schemas.microsoft.com/office/drawing/2014/main" xmlns="" id="{D6933887-934C-45A6-8909-FCB9C389EE40}"/>
+                <a16:creationId xmlns="" xmlns:a16="http://schemas.microsoft.com/office/drawing/2014/main" id="{D6933887-934C-45A6-8909-FCB9C389EE40}"/>
               </a:ext>
             </a:extLst>
           </p:cNvPr>
@@ -6646,7 +6646,7 @@
           <p:cNvPr id="7" name="Picture 6">
             <a:extLst>
               <a:ext uri="{FF2B5EF4-FFF2-40B4-BE49-F238E27FC236}">
-                <a16:creationId xmlns:a16="http://schemas.microsoft.com/office/drawing/2014/main" xmlns="" id="{7C3A7A6C-979C-48E1-90FB-467803E42F0B}"/>
+                <a16:creationId xmlns="" xmlns:a16="http://schemas.microsoft.com/office/drawing/2014/main" id="{7C3A7A6C-979C-48E1-90FB-467803E42F0B}"/>
               </a:ext>
             </a:extLst>
           </p:cNvPr>
@@ -6676,7 +6676,7 @@
           <p:cNvPr id="10" name="Straight Connector 9">
             <a:extLst>
               <a:ext uri="{FF2B5EF4-FFF2-40B4-BE49-F238E27FC236}">
-                <a16:creationId xmlns:a16="http://schemas.microsoft.com/office/drawing/2014/main" xmlns="" id="{FB4922F5-9126-4B50-95A7-32041F6F9089}"/>
+                <a16:creationId xmlns="" xmlns:a16="http://schemas.microsoft.com/office/drawing/2014/main" id="{FB4922F5-9126-4B50-95A7-32041F6F9089}"/>
               </a:ext>
             </a:extLst>
           </p:cNvPr>
@@ -6713,7 +6713,7 @@
           <p:cNvPr id="11" name="Straight Connector 10">
             <a:extLst>
               <a:ext uri="{FF2B5EF4-FFF2-40B4-BE49-F238E27FC236}">
-                <a16:creationId xmlns:a16="http://schemas.microsoft.com/office/drawing/2014/main" xmlns="" id="{B55F45A7-6CCE-477D-B83B-27A5F2D8E578}"/>
+                <a16:creationId xmlns="" xmlns:a16="http://schemas.microsoft.com/office/drawing/2014/main" id="{B55F45A7-6CCE-477D-B83B-27A5F2D8E578}"/>
               </a:ext>
             </a:extLst>
           </p:cNvPr>
@@ -6750,7 +6750,7 @@
           <p:cNvPr id="12" name="TextBox 11">
             <a:extLst>
               <a:ext uri="{FF2B5EF4-FFF2-40B4-BE49-F238E27FC236}">
-                <a16:creationId xmlns:a16="http://schemas.microsoft.com/office/drawing/2014/main" xmlns="" id="{A598CF8E-62F6-4CA8-84B2-3117928A8254}"/>
+                <a16:creationId xmlns="" xmlns:a16="http://schemas.microsoft.com/office/drawing/2014/main" id="{A598CF8E-62F6-4CA8-84B2-3117928A8254}"/>
               </a:ext>
             </a:extLst>
           </p:cNvPr>
@@ -6822,7 +6822,7 @@
           <p:cNvPr id="2" name="TextBox 1">
             <a:extLst>
               <a:ext uri="{FF2B5EF4-FFF2-40B4-BE49-F238E27FC236}">
-                <a16:creationId xmlns:a16="http://schemas.microsoft.com/office/drawing/2014/main" xmlns="" id="{604FCC24-5774-4D19-AE3C-892BD5CB9036}"/>
+                <a16:creationId xmlns="" xmlns:a16="http://schemas.microsoft.com/office/drawing/2014/main" id="{604FCC24-5774-4D19-AE3C-892BD5CB9036}"/>
               </a:ext>
             </a:extLst>
           </p:cNvPr>
@@ -6860,7 +6860,7 @@
           <p:cNvPr id="13" name="Picture 12" descr="Quadratic programming - MATLAB quadprog - Mozilla Firefox">
             <a:extLst>
               <a:ext uri="{FF2B5EF4-FFF2-40B4-BE49-F238E27FC236}">
-                <a16:creationId xmlns:a16="http://schemas.microsoft.com/office/drawing/2014/main" xmlns="" id="{DFCFCB19-8F6F-4E99-98F4-0CF452FB970F}"/>
+                <a16:creationId xmlns="" xmlns:a16="http://schemas.microsoft.com/office/drawing/2014/main" id="{DFCFCB19-8F6F-4E99-98F4-0CF452FB970F}"/>
               </a:ext>
             </a:extLst>
           </p:cNvPr>
@@ -6895,7 +6895,7 @@
           <p:cNvPr id="14" name="Picture 13">
             <a:extLst>
               <a:ext uri="{FF2B5EF4-FFF2-40B4-BE49-F238E27FC236}">
-                <a16:creationId xmlns:a16="http://schemas.microsoft.com/office/drawing/2014/main" xmlns="" id="{B4690353-54B4-4EC6-8BA0-5757DA82DA17}"/>
+                <a16:creationId xmlns="" xmlns:a16="http://schemas.microsoft.com/office/drawing/2014/main" id="{B4690353-54B4-4EC6-8BA0-5757DA82DA17}"/>
               </a:ext>
             </a:extLst>
           </p:cNvPr>
@@ -6925,7 +6925,7 @@
           <p:cNvPr id="6" name="Rectangle 5">
             <a:extLst>
               <a:ext uri="{FF2B5EF4-FFF2-40B4-BE49-F238E27FC236}">
-                <a16:creationId xmlns:a16="http://schemas.microsoft.com/office/drawing/2014/main" xmlns="" id="{3AD3B719-4624-40BC-B4D0-78DD46937BE5}"/>
+                <a16:creationId xmlns="" xmlns:a16="http://schemas.microsoft.com/office/drawing/2014/main" id="{3AD3B719-4624-40BC-B4D0-78DD46937BE5}"/>
               </a:ext>
             </a:extLst>
           </p:cNvPr>
@@ -6973,7 +6973,7 @@
           <p:cNvPr id="15" name="TextBox 14">
             <a:extLst>
               <a:ext uri="{FF2B5EF4-FFF2-40B4-BE49-F238E27FC236}">
-                <a16:creationId xmlns:a16="http://schemas.microsoft.com/office/drawing/2014/main" xmlns="" id="{F57B1E15-7CE9-457A-B1AE-F3D1C8092F40}"/>
+                <a16:creationId xmlns="" xmlns:a16="http://schemas.microsoft.com/office/drawing/2014/main" id="{F57B1E15-7CE9-457A-B1AE-F3D1C8092F40}"/>
               </a:ext>
             </a:extLst>
           </p:cNvPr>
@@ -7053,7 +7053,7 @@
           <p:cNvPr id="2" name="TextBox 1">
             <a:extLst>
               <a:ext uri="{FF2B5EF4-FFF2-40B4-BE49-F238E27FC236}">
-                <a16:creationId xmlns:a16="http://schemas.microsoft.com/office/drawing/2014/main" xmlns="" id="{604FCC24-5774-4D19-AE3C-892BD5CB9036}"/>
+                <a16:creationId xmlns="" xmlns:a16="http://schemas.microsoft.com/office/drawing/2014/main" id="{604FCC24-5774-4D19-AE3C-892BD5CB9036}"/>
               </a:ext>
             </a:extLst>
           </p:cNvPr>
@@ -7123,7 +7123,7 @@
           <p:cNvPr id="13" name="Picture 12" descr="Quadratic programming - MATLAB quadprog - Mozilla Firefox">
             <a:extLst>
               <a:ext uri="{FF2B5EF4-FFF2-40B4-BE49-F238E27FC236}">
-                <a16:creationId xmlns:a16="http://schemas.microsoft.com/office/drawing/2014/main" xmlns="" id="{DFCFCB19-8F6F-4E99-98F4-0CF452FB970F}"/>
+                <a16:creationId xmlns="" xmlns:a16="http://schemas.microsoft.com/office/drawing/2014/main" id="{DFCFCB19-8F6F-4E99-98F4-0CF452FB970F}"/>
               </a:ext>
             </a:extLst>
           </p:cNvPr>
@@ -7158,7 +7158,7 @@
           <p:cNvPr id="7" name="TextBox 6">
             <a:extLst>
               <a:ext uri="{FF2B5EF4-FFF2-40B4-BE49-F238E27FC236}">
-                <a16:creationId xmlns:a16="http://schemas.microsoft.com/office/drawing/2014/main" xmlns="" id="{A00ADC71-C3A6-48E4-90FB-3B178670E246}"/>
+                <a16:creationId xmlns="" xmlns:a16="http://schemas.microsoft.com/office/drawing/2014/main" id="{A00ADC71-C3A6-48E4-90FB-3B178670E246}"/>
               </a:ext>
             </a:extLst>
           </p:cNvPr>
@@ -7193,7 +7193,7 @@
           <p:cNvPr id="8" name="Picture 7">
             <a:extLst>
               <a:ext uri="{FF2B5EF4-FFF2-40B4-BE49-F238E27FC236}">
-                <a16:creationId xmlns:a16="http://schemas.microsoft.com/office/drawing/2014/main" xmlns="" id="{25184AEF-5031-4B66-AA41-2EB73D5D70DA}"/>
+                <a16:creationId xmlns="" xmlns:a16="http://schemas.microsoft.com/office/drawing/2014/main" id="{25184AEF-5031-4B66-AA41-2EB73D5D70DA}"/>
               </a:ext>
             </a:extLst>
           </p:cNvPr>
@@ -7260,7 +7260,7 @@
           <p:cNvPr id="2" name="TextBox 1">
             <a:extLst>
               <a:ext uri="{FF2B5EF4-FFF2-40B4-BE49-F238E27FC236}">
-                <a16:creationId xmlns:a16="http://schemas.microsoft.com/office/drawing/2014/main" xmlns="" id="{604FCC24-5774-4D19-AE3C-892BD5CB9036}"/>
+                <a16:creationId xmlns="" xmlns:a16="http://schemas.microsoft.com/office/drawing/2014/main" id="{604FCC24-5774-4D19-AE3C-892BD5CB9036}"/>
               </a:ext>
             </a:extLst>
           </p:cNvPr>
@@ -7288,7 +7288,15 @@
                   <a:srgbClr val="002060"/>
                 </a:solidFill>
               </a:rPr>
-              <a:t>Hint #6: The input </a:t>
+              <a:t>Hint #6: The </a:t>
+            </a:r>
+            <a:r>
+              <a:rPr lang="en-US" sz="2800" dirty="0" smtClean="0">
+                <a:solidFill>
+                  <a:srgbClr val="002060"/>
+                </a:solidFill>
+              </a:rPr>
+              <a:t>inputs </a:t>
             </a:r>
             <a:r>
               <a:rPr lang="en-US" sz="2800" dirty="0" err="1" smtClean="0">
@@ -7304,6 +7312,22 @@
                   <a:srgbClr val="002060"/>
                 </a:solidFill>
               </a:rPr>
+              <a:t> and </a:t>
+            </a:r>
+            <a:r>
+              <a:rPr lang="en-US" sz="2800" dirty="0" err="1" smtClean="0">
+                <a:solidFill>
+                  <a:srgbClr val="002060"/>
+                </a:solidFill>
+              </a:rPr>
+              <a:t>ub</a:t>
+            </a:r>
+            <a:r>
+              <a:rPr lang="en-US" sz="2800" dirty="0" smtClean="0">
+                <a:solidFill>
+                  <a:srgbClr val="002060"/>
+                </a:solidFill>
+              </a:rPr>
               <a:t> </a:t>
             </a:r>
             <a:endParaRPr lang="en-US" sz="2800" dirty="0">
@@ -7319,7 +7343,7 @@
           <p:cNvPr id="13" name="Picture 12" descr="Quadratic programming - MATLAB quadprog - Mozilla Firefox">
             <a:extLst>
               <a:ext uri="{FF2B5EF4-FFF2-40B4-BE49-F238E27FC236}">
-                <a16:creationId xmlns:a16="http://schemas.microsoft.com/office/drawing/2014/main" xmlns="" id="{DFCFCB19-8F6F-4E99-98F4-0CF452FB970F}"/>
+                <a16:creationId xmlns="" xmlns:a16="http://schemas.microsoft.com/office/drawing/2014/main" id="{DFCFCB19-8F6F-4E99-98F4-0CF452FB970F}"/>
               </a:ext>
             </a:extLst>
           </p:cNvPr>
@@ -7354,7 +7378,7 @@
           <p:cNvPr id="7" name="TextBox 6">
             <a:extLst>
               <a:ext uri="{FF2B5EF4-FFF2-40B4-BE49-F238E27FC236}">
-                <a16:creationId xmlns:a16="http://schemas.microsoft.com/office/drawing/2014/main" xmlns="" id="{A00ADC71-C3A6-48E4-90FB-3B178670E246}"/>
+                <a16:creationId xmlns="" xmlns:a16="http://schemas.microsoft.com/office/drawing/2014/main" id="{A00ADC71-C3A6-48E4-90FB-3B178670E246}"/>
               </a:ext>
             </a:extLst>
           </p:cNvPr>
@@ -7513,7 +7537,7 @@
           <p:cNvPr id="2" name="TextBox 1">
             <a:extLst>
               <a:ext uri="{FF2B5EF4-FFF2-40B4-BE49-F238E27FC236}">
-                <a16:creationId xmlns:a16="http://schemas.microsoft.com/office/drawing/2014/main" xmlns="" id="{604FCC24-5774-4D19-AE3C-892BD5CB9036}"/>
+                <a16:creationId xmlns="" xmlns:a16="http://schemas.microsoft.com/office/drawing/2014/main" id="{604FCC24-5774-4D19-AE3C-892BD5CB9036}"/>
               </a:ext>
             </a:extLst>
           </p:cNvPr>
@@ -7802,7 +7826,7 @@
           <p:cNvPr id="2" name="TextBox 1">
             <a:extLst>
               <a:ext uri="{FF2B5EF4-FFF2-40B4-BE49-F238E27FC236}">
-                <a16:creationId xmlns:a16="http://schemas.microsoft.com/office/drawing/2014/main" xmlns="" id="{604FCC24-5774-4D19-AE3C-892BD5CB9036}"/>
+                <a16:creationId xmlns="" xmlns:a16="http://schemas.microsoft.com/office/drawing/2014/main" id="{604FCC24-5774-4D19-AE3C-892BD5CB9036}"/>
               </a:ext>
             </a:extLst>
           </p:cNvPr>
@@ -7845,7 +7869,7 @@
           <p:cNvPr id="4" name="Picture 3">
             <a:extLst>
               <a:ext uri="{FF2B5EF4-FFF2-40B4-BE49-F238E27FC236}">
-                <a16:creationId xmlns:a16="http://schemas.microsoft.com/office/drawing/2014/main" xmlns="" id="{F0B874BC-5765-4579-8F6F-59B6BDF60DE7}"/>
+                <a16:creationId xmlns="" xmlns:a16="http://schemas.microsoft.com/office/drawing/2014/main" id="{F0B874BC-5765-4579-8F6F-59B6BDF60DE7}"/>
               </a:ext>
             </a:extLst>
           </p:cNvPr>
@@ -7874,7 +7898,7 @@
           <p:cNvPr id="5" name="TextBox 4">
             <a:extLst>
               <a:ext uri="{FF2B5EF4-FFF2-40B4-BE49-F238E27FC236}">
-                <a16:creationId xmlns:a16="http://schemas.microsoft.com/office/drawing/2014/main" xmlns="" id="{DFC2E9E1-A3F6-4AA8-8C9A-9F3695FBB261}"/>
+                <a16:creationId xmlns="" xmlns:a16="http://schemas.microsoft.com/office/drawing/2014/main" id="{DFC2E9E1-A3F6-4AA8-8C9A-9F3695FBB261}"/>
               </a:ext>
             </a:extLst>
           </p:cNvPr>
@@ -7919,7 +7943,7 @@
           <p:cNvPr id="31" name="TextBox 30">
             <a:extLst>
               <a:ext uri="{FF2B5EF4-FFF2-40B4-BE49-F238E27FC236}">
-                <a16:creationId xmlns:a16="http://schemas.microsoft.com/office/drawing/2014/main" xmlns="" id="{07A69552-D889-4FE7-A940-160B95A6EBFB}"/>
+                <a16:creationId xmlns="" xmlns:a16="http://schemas.microsoft.com/office/drawing/2014/main" id="{07A69552-D889-4FE7-A940-160B95A6EBFB}"/>
               </a:ext>
             </a:extLst>
           </p:cNvPr>
@@ -8476,7 +8500,7 @@
           <p:cNvPr id="6" name="TextBox 5">
             <a:extLst>
               <a:ext uri="{FF2B5EF4-FFF2-40B4-BE49-F238E27FC236}">
-                <a16:creationId xmlns:a16="http://schemas.microsoft.com/office/drawing/2014/main" xmlns="" id="{748FAB66-ED3A-4A55-BF7B-7C60EBE78440}"/>
+                <a16:creationId xmlns="" xmlns:a16="http://schemas.microsoft.com/office/drawing/2014/main" id="{748FAB66-ED3A-4A55-BF7B-7C60EBE78440}"/>
               </a:ext>
             </a:extLst>
           </p:cNvPr>
@@ -8547,7 +8571,7 @@
           <p:cNvPr id="3" name="Picture 2">
             <a:extLst>
               <a:ext uri="{FF2B5EF4-FFF2-40B4-BE49-F238E27FC236}">
-                <a16:creationId xmlns:a16="http://schemas.microsoft.com/office/drawing/2014/main" xmlns="" id="{3CA9F015-9E25-47EA-A011-CE1DB4BB0528}"/>
+                <a16:creationId xmlns="" xmlns:a16="http://schemas.microsoft.com/office/drawing/2014/main" id="{3CA9F015-9E25-47EA-A011-CE1DB4BB0528}"/>
               </a:ext>
             </a:extLst>
           </p:cNvPr>
@@ -8577,7 +8601,7 @@
           <p:cNvPr id="8" name="Straight Arrow Connector 7">
             <a:extLst>
               <a:ext uri="{FF2B5EF4-FFF2-40B4-BE49-F238E27FC236}">
-                <a16:creationId xmlns:a16="http://schemas.microsoft.com/office/drawing/2014/main" xmlns="" id="{A4D1B72C-0E2C-410E-B2A7-AA2002CEDCF1}"/>
+                <a16:creationId xmlns="" xmlns:a16="http://schemas.microsoft.com/office/drawing/2014/main" id="{A4D1B72C-0E2C-410E-B2A7-AA2002CEDCF1}"/>
               </a:ext>
             </a:extLst>
           </p:cNvPr>
@@ -8623,7 +8647,7 @@
           <p:cNvPr id="11" name="TextBox 10">
             <a:extLst>
               <a:ext uri="{FF2B5EF4-FFF2-40B4-BE49-F238E27FC236}">
-                <a16:creationId xmlns:a16="http://schemas.microsoft.com/office/drawing/2014/main" xmlns="" id="{C59FCB0E-7FA6-457A-BBE6-FDC74FD05722}"/>
+                <a16:creationId xmlns="" xmlns:a16="http://schemas.microsoft.com/office/drawing/2014/main" id="{C59FCB0E-7FA6-457A-BBE6-FDC74FD05722}"/>
               </a:ext>
             </a:extLst>
           </p:cNvPr>
@@ -8827,7 +8851,7 @@
               <p:cNvPr id="3" name="TextBox 2">
                 <a:extLst>
                   <a:ext uri="{FF2B5EF4-FFF2-40B4-BE49-F238E27FC236}">
-                    <a16:creationId xmlns:a16="http://schemas.microsoft.com/office/drawing/2014/main" xmlns="" id="{AC698642-D6AB-4E7C-A95E-881923E569CB}"/>
+                    <a16:creationId xmlns="" xmlns:a16="http://schemas.microsoft.com/office/drawing/2014/main" id="{AC698642-D6AB-4E7C-A95E-881923E569CB}"/>
                   </a:ext>
                 </a:extLst>
               </p:cNvPr>
@@ -9165,7 +9189,7 @@
           <p:cNvPr id="12" name="Group 11">
             <a:extLst>
               <a:ext uri="{FF2B5EF4-FFF2-40B4-BE49-F238E27FC236}">
-                <a16:creationId xmlns:a16="http://schemas.microsoft.com/office/drawing/2014/main" xmlns="" id="{F537BC08-70E9-4CE3-A62E-D8C4D185496A}"/>
+                <a16:creationId xmlns="" xmlns:a16="http://schemas.microsoft.com/office/drawing/2014/main" id="{F537BC08-70E9-4CE3-A62E-D8C4D185496A}"/>
               </a:ext>
             </a:extLst>
           </p:cNvPr>
@@ -9185,7 +9209,7 @@
             <p:cNvPr id="7" name="TextBox 6">
               <a:extLst>
                 <a:ext uri="{FF2B5EF4-FFF2-40B4-BE49-F238E27FC236}">
-                  <a16:creationId xmlns:a16="http://schemas.microsoft.com/office/drawing/2014/main" xmlns="" id="{7F6615D4-082B-4EA2-9581-47FCA3E54193}"/>
+                  <a16:creationId xmlns="" xmlns:a16="http://schemas.microsoft.com/office/drawing/2014/main" id="{7F6615D4-082B-4EA2-9581-47FCA3E54193}"/>
                 </a:ext>
               </a:extLst>
             </p:cNvPr>
@@ -9227,7 +9251,7 @@
             <p:cNvPr id="6" name="TextBox 5">
               <a:extLst>
                 <a:ext uri="{FF2B5EF4-FFF2-40B4-BE49-F238E27FC236}">
-                  <a16:creationId xmlns:a16="http://schemas.microsoft.com/office/drawing/2014/main" xmlns="" id="{0F34E14E-C3AD-4C36-92CA-633E97AD2DBE}"/>
+                  <a16:creationId xmlns="" xmlns:a16="http://schemas.microsoft.com/office/drawing/2014/main" id="{0F34E14E-C3AD-4C36-92CA-633E97AD2DBE}"/>
                 </a:ext>
               </a:extLst>
             </p:cNvPr>
@@ -9310,7 +9334,7 @@
             <p:cNvPr id="11" name="Picture 10" descr="Transpose - Wikipedia - Mozilla Firefox">
               <a:extLst>
                 <a:ext uri="{FF2B5EF4-FFF2-40B4-BE49-F238E27FC236}">
-                  <a16:creationId xmlns:a16="http://schemas.microsoft.com/office/drawing/2014/main" xmlns="" id="{9FDD314E-8DB3-4D86-9BF5-8DDD5ED2FE61}"/>
+                  <a16:creationId xmlns="" xmlns:a16="http://schemas.microsoft.com/office/drawing/2014/main" id="{9FDD314E-8DB3-4D86-9BF5-8DDD5ED2FE61}"/>
                 </a:ext>
               </a:extLst>
             </p:cNvPr>
@@ -9600,7 +9624,7 @@
           <p:cNvPr id="2" name="Picture 1">
             <a:extLst>
               <a:ext uri="{FF2B5EF4-FFF2-40B4-BE49-F238E27FC236}">
-                <a16:creationId xmlns:a16="http://schemas.microsoft.com/office/drawing/2014/main" xmlns="" id="{EABDA5A3-2103-42B6-85A9-FCB2F1AA100A}"/>
+                <a16:creationId xmlns="" xmlns:a16="http://schemas.microsoft.com/office/drawing/2014/main" id="{EABDA5A3-2103-42B6-85A9-FCB2F1AA100A}"/>
               </a:ext>
             </a:extLst>
           </p:cNvPr>
@@ -9667,7 +9691,7 @@
           <p:cNvPr id="2" name="TextBox 1">
             <a:extLst>
               <a:ext uri="{FF2B5EF4-FFF2-40B4-BE49-F238E27FC236}">
-                <a16:creationId xmlns:a16="http://schemas.microsoft.com/office/drawing/2014/main" xmlns="" id="{604FCC24-5774-4D19-AE3C-892BD5CB9036}"/>
+                <a16:creationId xmlns="" xmlns:a16="http://schemas.microsoft.com/office/drawing/2014/main" id="{604FCC24-5774-4D19-AE3C-892BD5CB9036}"/>
               </a:ext>
             </a:extLst>
           </p:cNvPr>
@@ -9718,7 +9742,7 @@
           <p:cNvPr id="3" name="Group 2">
             <a:extLst>
               <a:ext uri="{FF2B5EF4-FFF2-40B4-BE49-F238E27FC236}">
-                <a16:creationId xmlns:a16="http://schemas.microsoft.com/office/drawing/2014/main" xmlns="" id="{CE464BD9-5310-42F6-A7C4-93F1F61D4D24}"/>
+                <a16:creationId xmlns="" xmlns:a16="http://schemas.microsoft.com/office/drawing/2014/main" id="{CE464BD9-5310-42F6-A7C4-93F1F61D4D24}"/>
               </a:ext>
             </a:extLst>
           </p:cNvPr>
@@ -9738,7 +9762,7 @@
             <p:cNvPr id="21" name="TextBox 20">
               <a:extLst>
                 <a:ext uri="{FF2B5EF4-FFF2-40B4-BE49-F238E27FC236}">
-                  <a16:creationId xmlns:a16="http://schemas.microsoft.com/office/drawing/2014/main" xmlns="" id="{21423D16-E797-416E-8FCF-A743D2F430FE}"/>
+                  <a16:creationId xmlns="" xmlns:a16="http://schemas.microsoft.com/office/drawing/2014/main" id="{21423D16-E797-416E-8FCF-A743D2F430FE}"/>
                 </a:ext>
               </a:extLst>
             </p:cNvPr>
@@ -9774,7 +9798,7 @@
             <p:cNvPr id="31" name="Picture 30">
               <a:extLst>
                 <a:ext uri="{FF2B5EF4-FFF2-40B4-BE49-F238E27FC236}">
-                  <a16:creationId xmlns:a16="http://schemas.microsoft.com/office/drawing/2014/main" xmlns="" id="{541970E9-3BD4-4077-B6F0-CBCE53AD616B}"/>
+                  <a16:creationId xmlns="" xmlns:a16="http://schemas.microsoft.com/office/drawing/2014/main" id="{541970E9-3BD4-4077-B6F0-CBCE53AD616B}"/>
                 </a:ext>
               </a:extLst>
             </p:cNvPr>
@@ -9804,7 +9828,7 @@
           <p:cNvPr id="13" name="Group 12">
             <a:extLst>
               <a:ext uri="{FF2B5EF4-FFF2-40B4-BE49-F238E27FC236}">
-                <a16:creationId xmlns:a16="http://schemas.microsoft.com/office/drawing/2014/main" xmlns="" id="{625C22DD-32D6-405A-BF71-7BFA483AA6D8}"/>
+                <a16:creationId xmlns="" xmlns:a16="http://schemas.microsoft.com/office/drawing/2014/main" id="{625C22DD-32D6-405A-BF71-7BFA483AA6D8}"/>
               </a:ext>
             </a:extLst>
           </p:cNvPr>
@@ -9824,7 +9848,7 @@
             <p:cNvPr id="32" name="TextBox 31">
               <a:extLst>
                 <a:ext uri="{FF2B5EF4-FFF2-40B4-BE49-F238E27FC236}">
-                  <a16:creationId xmlns:a16="http://schemas.microsoft.com/office/drawing/2014/main" xmlns="" id="{AD525247-3C34-442D-86FE-62B6EC5F7910}"/>
+                  <a16:creationId xmlns="" xmlns:a16="http://schemas.microsoft.com/office/drawing/2014/main" id="{AD525247-3C34-442D-86FE-62B6EC5F7910}"/>
                 </a:ext>
               </a:extLst>
             </p:cNvPr>
@@ -9867,7 +9891,7 @@
             <p:cNvPr id="10" name="Picture 9">
               <a:extLst>
                 <a:ext uri="{FF2B5EF4-FFF2-40B4-BE49-F238E27FC236}">
-                  <a16:creationId xmlns:a16="http://schemas.microsoft.com/office/drawing/2014/main" xmlns="" id="{AD2927ED-FCF9-42EC-9C97-CE6279117E5D}"/>
+                  <a16:creationId xmlns="" xmlns:a16="http://schemas.microsoft.com/office/drawing/2014/main" id="{AD2927ED-FCF9-42EC-9C97-CE6279117E5D}"/>
                 </a:ext>
               </a:extLst>
             </p:cNvPr>
@@ -9897,7 +9921,7 @@
             <p:cNvPr id="34" name="TextBox 33">
               <a:extLst>
                 <a:ext uri="{FF2B5EF4-FFF2-40B4-BE49-F238E27FC236}">
-                  <a16:creationId xmlns:a16="http://schemas.microsoft.com/office/drawing/2014/main" xmlns="" id="{F90E9CCD-200A-4788-B473-BF521CAF4376}"/>
+                  <a16:creationId xmlns="" xmlns:a16="http://schemas.microsoft.com/office/drawing/2014/main" id="{F90E9CCD-200A-4788-B473-BF521CAF4376}"/>
                 </a:ext>
               </a:extLst>
             </p:cNvPr>
@@ -9982,7 +10006,7 @@
           <p:cNvPr id="2" name="TextBox 1">
             <a:extLst>
               <a:ext uri="{FF2B5EF4-FFF2-40B4-BE49-F238E27FC236}">
-                <a16:creationId xmlns:a16="http://schemas.microsoft.com/office/drawing/2014/main" xmlns="" id="{604FCC24-5774-4D19-AE3C-892BD5CB9036}"/>
+                <a16:creationId xmlns="" xmlns:a16="http://schemas.microsoft.com/office/drawing/2014/main" id="{604FCC24-5774-4D19-AE3C-892BD5CB9036}"/>
               </a:ext>
             </a:extLst>
           </p:cNvPr>
@@ -10033,7 +10057,7 @@
           <p:cNvPr id="21" name="TextBox 20">
             <a:extLst>
               <a:ext uri="{FF2B5EF4-FFF2-40B4-BE49-F238E27FC236}">
-                <a16:creationId xmlns:a16="http://schemas.microsoft.com/office/drawing/2014/main" xmlns="" id="{21423D16-E797-416E-8FCF-A743D2F430FE}"/>
+                <a16:creationId xmlns="" xmlns:a16="http://schemas.microsoft.com/office/drawing/2014/main" id="{21423D16-E797-416E-8FCF-A743D2F430FE}"/>
               </a:ext>
             </a:extLst>
           </p:cNvPr>
@@ -10088,7 +10112,7 @@
           <p:cNvPr id="14" name="Picture 13">
             <a:extLst>
               <a:ext uri="{FF2B5EF4-FFF2-40B4-BE49-F238E27FC236}">
-                <a16:creationId xmlns:a16="http://schemas.microsoft.com/office/drawing/2014/main" xmlns="" id="{6865E7EA-1CAA-4E0B-B74B-8DD7180059AA}"/>
+                <a16:creationId xmlns="" xmlns:a16="http://schemas.microsoft.com/office/drawing/2014/main" id="{6865E7EA-1CAA-4E0B-B74B-8DD7180059AA}"/>
               </a:ext>
             </a:extLst>
           </p:cNvPr>
@@ -10118,7 +10142,7 @@
           <p:cNvPr id="39" name="TextBox 38">
             <a:extLst>
               <a:ext uri="{FF2B5EF4-FFF2-40B4-BE49-F238E27FC236}">
-                <a16:creationId xmlns:a16="http://schemas.microsoft.com/office/drawing/2014/main" xmlns="" id="{67703E7E-0B5D-403C-8879-194AEB50582B}"/>
+                <a16:creationId xmlns="" xmlns:a16="http://schemas.microsoft.com/office/drawing/2014/main" id="{67703E7E-0B5D-403C-8879-194AEB50582B}"/>
               </a:ext>
             </a:extLst>
           </p:cNvPr>
@@ -10173,7 +10197,7 @@
           <p:cNvPr id="15" name="Picture 14">
             <a:extLst>
               <a:ext uri="{FF2B5EF4-FFF2-40B4-BE49-F238E27FC236}">
-                <a16:creationId xmlns:a16="http://schemas.microsoft.com/office/drawing/2014/main" xmlns="" id="{4EEB0CA1-9B6B-405D-B2D6-43C6A3A6EE92}"/>
+                <a16:creationId xmlns="" xmlns:a16="http://schemas.microsoft.com/office/drawing/2014/main" id="{4EEB0CA1-9B6B-405D-B2D6-43C6A3A6EE92}"/>
               </a:ext>
             </a:extLst>
           </p:cNvPr>
@@ -10203,7 +10227,7 @@
           <p:cNvPr id="40" name="TextBox 39">
             <a:extLst>
               <a:ext uri="{FF2B5EF4-FFF2-40B4-BE49-F238E27FC236}">
-                <a16:creationId xmlns:a16="http://schemas.microsoft.com/office/drawing/2014/main" xmlns="" id="{3CEF73B0-1F11-42A7-98E4-35611286079B}"/>
+                <a16:creationId xmlns="" xmlns:a16="http://schemas.microsoft.com/office/drawing/2014/main" id="{3CEF73B0-1F11-42A7-98E4-35611286079B}"/>
               </a:ext>
             </a:extLst>
           </p:cNvPr>
@@ -10275,7 +10299,7 @@
           <p:cNvPr id="2" name="TextBox 1">
             <a:extLst>
               <a:ext uri="{FF2B5EF4-FFF2-40B4-BE49-F238E27FC236}">
-                <a16:creationId xmlns:a16="http://schemas.microsoft.com/office/drawing/2014/main" xmlns="" id="{604FCC24-5774-4D19-AE3C-892BD5CB9036}"/>
+                <a16:creationId xmlns="" xmlns:a16="http://schemas.microsoft.com/office/drawing/2014/main" id="{604FCC24-5774-4D19-AE3C-892BD5CB9036}"/>
               </a:ext>
             </a:extLst>
           </p:cNvPr>
@@ -10326,7 +10350,7 @@
           <p:cNvPr id="15" name="Picture 14">
             <a:extLst>
               <a:ext uri="{FF2B5EF4-FFF2-40B4-BE49-F238E27FC236}">
-                <a16:creationId xmlns:a16="http://schemas.microsoft.com/office/drawing/2014/main" xmlns="" id="{4EEB0CA1-9B6B-405D-B2D6-43C6A3A6EE92}"/>
+                <a16:creationId xmlns="" xmlns:a16="http://schemas.microsoft.com/office/drawing/2014/main" id="{4EEB0CA1-9B6B-405D-B2D6-43C6A3A6EE92}"/>
               </a:ext>
             </a:extLst>
           </p:cNvPr>
@@ -10356,7 +10380,7 @@
           <p:cNvPr id="8" name="Picture 7">
             <a:extLst>
               <a:ext uri="{FF2B5EF4-FFF2-40B4-BE49-F238E27FC236}">
-                <a16:creationId xmlns:a16="http://schemas.microsoft.com/office/drawing/2014/main" xmlns="" id="{4471E72E-AA64-4FEA-B7B8-131BD38222C3}"/>
+                <a16:creationId xmlns="" xmlns:a16="http://schemas.microsoft.com/office/drawing/2014/main" id="{4471E72E-AA64-4FEA-B7B8-131BD38222C3}"/>
               </a:ext>
             </a:extLst>
           </p:cNvPr>
@@ -10386,7 +10410,7 @@
           <p:cNvPr id="9" name="TextBox 8">
             <a:extLst>
               <a:ext uri="{FF2B5EF4-FFF2-40B4-BE49-F238E27FC236}">
-                <a16:creationId xmlns:a16="http://schemas.microsoft.com/office/drawing/2014/main" xmlns="" id="{268C0CA2-DBC5-46F6-B369-3F4A7AFD726C}"/>
+                <a16:creationId xmlns="" xmlns:a16="http://schemas.microsoft.com/office/drawing/2014/main" id="{268C0CA2-DBC5-46F6-B369-3F4A7AFD726C}"/>
               </a:ext>
             </a:extLst>
           </p:cNvPr>
@@ -10489,7 +10513,7 @@
           <p:cNvPr id="5" name="Group 4">
             <a:extLst>
               <a:ext uri="{FF2B5EF4-FFF2-40B4-BE49-F238E27FC236}">
-                <a16:creationId xmlns:a16="http://schemas.microsoft.com/office/drawing/2014/main" xmlns="" id="{47B4446F-5EEA-4339-8514-43F1C9C8906A}"/>
+                <a16:creationId xmlns="" xmlns:a16="http://schemas.microsoft.com/office/drawing/2014/main" id="{47B4446F-5EEA-4339-8514-43F1C9C8906A}"/>
               </a:ext>
             </a:extLst>
           </p:cNvPr>
@@ -10511,7 +10535,7 @@
             <p:cNvPr id="3" name="Picture 2">
               <a:extLst>
                 <a:ext uri="{FF2B5EF4-FFF2-40B4-BE49-F238E27FC236}">
-                  <a16:creationId xmlns:a16="http://schemas.microsoft.com/office/drawing/2014/main" xmlns="" id="{0F07178B-F3A9-42FB-9911-50B8F4DB7B14}"/>
+                  <a16:creationId xmlns="" xmlns:a16="http://schemas.microsoft.com/office/drawing/2014/main" id="{0F07178B-F3A9-42FB-9911-50B8F4DB7B14}"/>
                 </a:ext>
               </a:extLst>
             </p:cNvPr>
@@ -10541,7 +10565,7 @@
             <p:cNvPr id="4" name="Rectangle 3">
               <a:extLst>
                 <a:ext uri="{FF2B5EF4-FFF2-40B4-BE49-F238E27FC236}">
-                  <a16:creationId xmlns:a16="http://schemas.microsoft.com/office/drawing/2014/main" xmlns="" id="{ECD314BF-9124-4216-8DAC-32FEE28B4F84}"/>
+                  <a16:creationId xmlns="" xmlns:a16="http://schemas.microsoft.com/office/drawing/2014/main" id="{ECD314BF-9124-4216-8DAC-32FEE28B4F84}"/>
                 </a:ext>
               </a:extLst>
             </p:cNvPr>
@@ -10594,7 +10618,7 @@
           <p:cNvPr id="13" name="TextBox 12">
             <a:extLst>
               <a:ext uri="{FF2B5EF4-FFF2-40B4-BE49-F238E27FC236}">
-                <a16:creationId xmlns:a16="http://schemas.microsoft.com/office/drawing/2014/main" xmlns="" id="{D5B9C70C-F2EE-4A2A-B793-B475508C7A86}"/>
+                <a16:creationId xmlns="" xmlns:a16="http://schemas.microsoft.com/office/drawing/2014/main" id="{D5B9C70C-F2EE-4A2A-B793-B475508C7A86}"/>
               </a:ext>
             </a:extLst>
           </p:cNvPr>
@@ -10666,7 +10690,7 @@
           <p:cNvPr id="2" name="TextBox 1">
             <a:extLst>
               <a:ext uri="{FF2B5EF4-FFF2-40B4-BE49-F238E27FC236}">
-                <a16:creationId xmlns:a16="http://schemas.microsoft.com/office/drawing/2014/main" xmlns="" id="{604FCC24-5774-4D19-AE3C-892BD5CB9036}"/>
+                <a16:creationId xmlns="" xmlns:a16="http://schemas.microsoft.com/office/drawing/2014/main" id="{604FCC24-5774-4D19-AE3C-892BD5CB9036}"/>
               </a:ext>
             </a:extLst>
           </p:cNvPr>
@@ -10717,7 +10741,7 @@
           <p:cNvPr id="15" name="Picture 14">
             <a:extLst>
               <a:ext uri="{FF2B5EF4-FFF2-40B4-BE49-F238E27FC236}">
-                <a16:creationId xmlns:a16="http://schemas.microsoft.com/office/drawing/2014/main" xmlns="" id="{4EEB0CA1-9B6B-405D-B2D6-43C6A3A6EE92}"/>
+                <a16:creationId xmlns="" xmlns:a16="http://schemas.microsoft.com/office/drawing/2014/main" id="{4EEB0CA1-9B6B-405D-B2D6-43C6A3A6EE92}"/>
               </a:ext>
             </a:extLst>
           </p:cNvPr>
@@ -10747,7 +10771,7 @@
           <p:cNvPr id="8" name="Picture 7">
             <a:extLst>
               <a:ext uri="{FF2B5EF4-FFF2-40B4-BE49-F238E27FC236}">
-                <a16:creationId xmlns:a16="http://schemas.microsoft.com/office/drawing/2014/main" xmlns="" id="{4471E72E-AA64-4FEA-B7B8-131BD38222C3}"/>
+                <a16:creationId xmlns="" xmlns:a16="http://schemas.microsoft.com/office/drawing/2014/main" id="{4471E72E-AA64-4FEA-B7B8-131BD38222C3}"/>
               </a:ext>
             </a:extLst>
           </p:cNvPr>
@@ -10777,7 +10801,7 @@
           <p:cNvPr id="9" name="TextBox 8">
             <a:extLst>
               <a:ext uri="{FF2B5EF4-FFF2-40B4-BE49-F238E27FC236}">
-                <a16:creationId xmlns:a16="http://schemas.microsoft.com/office/drawing/2014/main" xmlns="" id="{268C0CA2-DBC5-46F6-B369-3F4A7AFD726C}"/>
+                <a16:creationId xmlns="" xmlns:a16="http://schemas.microsoft.com/office/drawing/2014/main" id="{268C0CA2-DBC5-46F6-B369-3F4A7AFD726C}"/>
               </a:ext>
             </a:extLst>
           </p:cNvPr>
@@ -10821,7 +10845,7 @@
           <p:cNvPr id="5" name="Group 4">
             <a:extLst>
               <a:ext uri="{FF2B5EF4-FFF2-40B4-BE49-F238E27FC236}">
-                <a16:creationId xmlns:a16="http://schemas.microsoft.com/office/drawing/2014/main" xmlns="" id="{47B4446F-5EEA-4339-8514-43F1C9C8906A}"/>
+                <a16:creationId xmlns="" xmlns:a16="http://schemas.microsoft.com/office/drawing/2014/main" id="{47B4446F-5EEA-4339-8514-43F1C9C8906A}"/>
               </a:ext>
             </a:extLst>
           </p:cNvPr>
@@ -10843,7 +10867,7 @@
             <p:cNvPr id="3" name="Picture 2">
               <a:extLst>
                 <a:ext uri="{FF2B5EF4-FFF2-40B4-BE49-F238E27FC236}">
-                  <a16:creationId xmlns:a16="http://schemas.microsoft.com/office/drawing/2014/main" xmlns="" id="{0F07178B-F3A9-42FB-9911-50B8F4DB7B14}"/>
+                  <a16:creationId xmlns="" xmlns:a16="http://schemas.microsoft.com/office/drawing/2014/main" id="{0F07178B-F3A9-42FB-9911-50B8F4DB7B14}"/>
                 </a:ext>
               </a:extLst>
             </p:cNvPr>
@@ -10873,7 +10897,7 @@
             <p:cNvPr id="4" name="Rectangle 3">
               <a:extLst>
                 <a:ext uri="{FF2B5EF4-FFF2-40B4-BE49-F238E27FC236}">
-                  <a16:creationId xmlns:a16="http://schemas.microsoft.com/office/drawing/2014/main" xmlns="" id="{ECD314BF-9124-4216-8DAC-32FEE28B4F84}"/>
+                  <a16:creationId xmlns="" xmlns:a16="http://schemas.microsoft.com/office/drawing/2014/main" id="{ECD314BF-9124-4216-8DAC-32FEE28B4F84}"/>
                 </a:ext>
               </a:extLst>
             </p:cNvPr>
@@ -10926,7 +10950,7 @@
           <p:cNvPr id="13" name="TextBox 12">
             <a:extLst>
               <a:ext uri="{FF2B5EF4-FFF2-40B4-BE49-F238E27FC236}">
-                <a16:creationId xmlns:a16="http://schemas.microsoft.com/office/drawing/2014/main" xmlns="" id="{D5B9C70C-F2EE-4A2A-B793-B475508C7A86}"/>
+                <a16:creationId xmlns="" xmlns:a16="http://schemas.microsoft.com/office/drawing/2014/main" id="{D5B9C70C-F2EE-4A2A-B793-B475508C7A86}"/>
               </a:ext>
             </a:extLst>
           </p:cNvPr>
@@ -10961,7 +10985,7 @@
           <p:cNvPr id="10" name="Group 9">
             <a:extLst>
               <a:ext uri="{FF2B5EF4-FFF2-40B4-BE49-F238E27FC236}">
-                <a16:creationId xmlns:a16="http://schemas.microsoft.com/office/drawing/2014/main" xmlns="" id="{EFB049B6-51F5-403F-9B69-766F461727ED}"/>
+                <a16:creationId xmlns="" xmlns:a16="http://schemas.microsoft.com/office/drawing/2014/main" id="{EFB049B6-51F5-403F-9B69-766F461727ED}"/>
               </a:ext>
             </a:extLst>
           </p:cNvPr>
@@ -10981,7 +11005,7 @@
             <p:cNvPr id="6" name="Picture 5">
               <a:extLst>
                 <a:ext uri="{FF2B5EF4-FFF2-40B4-BE49-F238E27FC236}">
-                  <a16:creationId xmlns:a16="http://schemas.microsoft.com/office/drawing/2014/main" xmlns="" id="{9D9AD99E-6D86-4F20-A939-BF170F986784}"/>
+                  <a16:creationId xmlns="" xmlns:a16="http://schemas.microsoft.com/office/drawing/2014/main" id="{9D9AD99E-6D86-4F20-A939-BF170F986784}"/>
                 </a:ext>
               </a:extLst>
             </p:cNvPr>
@@ -11011,7 +11035,7 @@
             <p:cNvPr id="7" name="Rectangle 6">
               <a:extLst>
                 <a:ext uri="{FF2B5EF4-FFF2-40B4-BE49-F238E27FC236}">
-                  <a16:creationId xmlns:a16="http://schemas.microsoft.com/office/drawing/2014/main" xmlns="" id="{C0F4D97C-18AB-4370-B57D-754BAEADB717}"/>
+                  <a16:creationId xmlns="" xmlns:a16="http://schemas.microsoft.com/office/drawing/2014/main" id="{C0F4D97C-18AB-4370-B57D-754BAEADB717}"/>
                 </a:ext>
               </a:extLst>
             </p:cNvPr>
@@ -11064,7 +11088,7 @@
           <p:cNvPr id="14" name="TextBox 13">
             <a:extLst>
               <a:ext uri="{FF2B5EF4-FFF2-40B4-BE49-F238E27FC236}">
-                <a16:creationId xmlns:a16="http://schemas.microsoft.com/office/drawing/2014/main" xmlns="" id="{D9FC6622-F2B7-44F3-9F5D-79C3858E58EB}"/>
+                <a16:creationId xmlns="" xmlns:a16="http://schemas.microsoft.com/office/drawing/2014/main" id="{D9FC6622-F2B7-44F3-9F5D-79C3858E58EB}"/>
               </a:ext>
             </a:extLst>
           </p:cNvPr>
@@ -11241,7 +11265,7 @@
           <p:cNvPr id="2" name="TextBox 1">
             <a:extLst>
               <a:ext uri="{FF2B5EF4-FFF2-40B4-BE49-F238E27FC236}">
-                <a16:creationId xmlns:a16="http://schemas.microsoft.com/office/drawing/2014/main" xmlns="" id="{604FCC24-5774-4D19-AE3C-892BD5CB9036}"/>
+                <a16:creationId xmlns="" xmlns:a16="http://schemas.microsoft.com/office/drawing/2014/main" id="{604FCC24-5774-4D19-AE3C-892BD5CB9036}"/>
               </a:ext>
             </a:extLst>
           </p:cNvPr>
@@ -11292,7 +11316,7 @@
           <p:cNvPr id="15" name="Picture 14">
             <a:extLst>
               <a:ext uri="{FF2B5EF4-FFF2-40B4-BE49-F238E27FC236}">
-                <a16:creationId xmlns:a16="http://schemas.microsoft.com/office/drawing/2014/main" xmlns="" id="{4EEB0CA1-9B6B-405D-B2D6-43C6A3A6EE92}"/>
+                <a16:creationId xmlns="" xmlns:a16="http://schemas.microsoft.com/office/drawing/2014/main" id="{4EEB0CA1-9B6B-405D-B2D6-43C6A3A6EE92}"/>
               </a:ext>
             </a:extLst>
           </p:cNvPr>
@@ -11322,7 +11346,7 @@
           <p:cNvPr id="8" name="Picture 7">
             <a:extLst>
               <a:ext uri="{FF2B5EF4-FFF2-40B4-BE49-F238E27FC236}">
-                <a16:creationId xmlns:a16="http://schemas.microsoft.com/office/drawing/2014/main" xmlns="" id="{4471E72E-AA64-4FEA-B7B8-131BD38222C3}"/>
+                <a16:creationId xmlns="" xmlns:a16="http://schemas.microsoft.com/office/drawing/2014/main" id="{4471E72E-AA64-4FEA-B7B8-131BD38222C3}"/>
               </a:ext>
             </a:extLst>
           </p:cNvPr>
@@ -11352,7 +11376,7 @@
           <p:cNvPr id="9" name="TextBox 8">
             <a:extLst>
               <a:ext uri="{FF2B5EF4-FFF2-40B4-BE49-F238E27FC236}">
-                <a16:creationId xmlns:a16="http://schemas.microsoft.com/office/drawing/2014/main" xmlns="" id="{268C0CA2-DBC5-46F6-B369-3F4A7AFD726C}"/>
+                <a16:creationId xmlns="" xmlns:a16="http://schemas.microsoft.com/office/drawing/2014/main" id="{268C0CA2-DBC5-46F6-B369-3F4A7AFD726C}"/>
               </a:ext>
             </a:extLst>
           </p:cNvPr>
@@ -11396,7 +11420,7 @@
           <p:cNvPr id="5" name="Group 4">
             <a:extLst>
               <a:ext uri="{FF2B5EF4-FFF2-40B4-BE49-F238E27FC236}">
-                <a16:creationId xmlns:a16="http://schemas.microsoft.com/office/drawing/2014/main" xmlns="" id="{47B4446F-5EEA-4339-8514-43F1C9C8906A}"/>
+                <a16:creationId xmlns="" xmlns:a16="http://schemas.microsoft.com/office/drawing/2014/main" id="{47B4446F-5EEA-4339-8514-43F1C9C8906A}"/>
               </a:ext>
             </a:extLst>
           </p:cNvPr>
@@ -11418,7 +11442,7 @@
             <p:cNvPr id="3" name="Picture 2">
               <a:extLst>
                 <a:ext uri="{FF2B5EF4-FFF2-40B4-BE49-F238E27FC236}">
-                  <a16:creationId xmlns:a16="http://schemas.microsoft.com/office/drawing/2014/main" xmlns="" id="{0F07178B-F3A9-42FB-9911-50B8F4DB7B14}"/>
+                  <a16:creationId xmlns="" xmlns:a16="http://schemas.microsoft.com/office/drawing/2014/main" id="{0F07178B-F3A9-42FB-9911-50B8F4DB7B14}"/>
                 </a:ext>
               </a:extLst>
             </p:cNvPr>
@@ -11448,7 +11472,7 @@
             <p:cNvPr id="4" name="Rectangle 3">
               <a:extLst>
                 <a:ext uri="{FF2B5EF4-FFF2-40B4-BE49-F238E27FC236}">
-                  <a16:creationId xmlns:a16="http://schemas.microsoft.com/office/drawing/2014/main" xmlns="" id="{ECD314BF-9124-4216-8DAC-32FEE28B4F84}"/>
+                  <a16:creationId xmlns="" xmlns:a16="http://schemas.microsoft.com/office/drawing/2014/main" id="{ECD314BF-9124-4216-8DAC-32FEE28B4F84}"/>
                 </a:ext>
               </a:extLst>
             </p:cNvPr>
@@ -11501,7 +11525,7 @@
           <p:cNvPr id="13" name="TextBox 12">
             <a:extLst>
               <a:ext uri="{FF2B5EF4-FFF2-40B4-BE49-F238E27FC236}">
-                <a16:creationId xmlns:a16="http://schemas.microsoft.com/office/drawing/2014/main" xmlns="" id="{D5B9C70C-F2EE-4A2A-B793-B475508C7A86}"/>
+                <a16:creationId xmlns="" xmlns:a16="http://schemas.microsoft.com/office/drawing/2014/main" id="{D5B9C70C-F2EE-4A2A-B793-B475508C7A86}"/>
               </a:ext>
             </a:extLst>
           </p:cNvPr>
@@ -11536,7 +11560,7 @@
           <p:cNvPr id="10" name="Group 9">
             <a:extLst>
               <a:ext uri="{FF2B5EF4-FFF2-40B4-BE49-F238E27FC236}">
-                <a16:creationId xmlns:a16="http://schemas.microsoft.com/office/drawing/2014/main" xmlns="" id="{EFB049B6-51F5-403F-9B69-766F461727ED}"/>
+                <a16:creationId xmlns="" xmlns:a16="http://schemas.microsoft.com/office/drawing/2014/main" id="{EFB049B6-51F5-403F-9B69-766F461727ED}"/>
               </a:ext>
             </a:extLst>
           </p:cNvPr>
@@ -11556,7 +11580,7 @@
             <p:cNvPr id="6" name="Picture 5">
               <a:extLst>
                 <a:ext uri="{FF2B5EF4-FFF2-40B4-BE49-F238E27FC236}">
-                  <a16:creationId xmlns:a16="http://schemas.microsoft.com/office/drawing/2014/main" xmlns="" id="{9D9AD99E-6D86-4F20-A939-BF170F986784}"/>
+                  <a16:creationId xmlns="" xmlns:a16="http://schemas.microsoft.com/office/drawing/2014/main" id="{9D9AD99E-6D86-4F20-A939-BF170F986784}"/>
                 </a:ext>
               </a:extLst>
             </p:cNvPr>
@@ -11586,7 +11610,7 @@
             <p:cNvPr id="7" name="Rectangle 6">
               <a:extLst>
                 <a:ext uri="{FF2B5EF4-FFF2-40B4-BE49-F238E27FC236}">
-                  <a16:creationId xmlns:a16="http://schemas.microsoft.com/office/drawing/2014/main" xmlns="" id="{C0F4D97C-18AB-4370-B57D-754BAEADB717}"/>
+                  <a16:creationId xmlns="" xmlns:a16="http://schemas.microsoft.com/office/drawing/2014/main" id="{C0F4D97C-18AB-4370-B57D-754BAEADB717}"/>
                 </a:ext>
               </a:extLst>
             </p:cNvPr>
@@ -11639,7 +11663,7 @@
           <p:cNvPr id="14" name="TextBox 13">
             <a:extLst>
               <a:ext uri="{FF2B5EF4-FFF2-40B4-BE49-F238E27FC236}">
-                <a16:creationId xmlns:a16="http://schemas.microsoft.com/office/drawing/2014/main" xmlns="" id="{D9FC6622-F2B7-44F3-9F5D-79C3858E58EB}"/>
+                <a16:creationId xmlns="" xmlns:a16="http://schemas.microsoft.com/office/drawing/2014/main" id="{D9FC6622-F2B7-44F3-9F5D-79C3858E58EB}"/>
               </a:ext>
             </a:extLst>
           </p:cNvPr>
@@ -11715,7 +11739,7 @@
           <p:cNvPr id="2" name="TextBox 1">
             <a:extLst>
               <a:ext uri="{FF2B5EF4-FFF2-40B4-BE49-F238E27FC236}">
-                <a16:creationId xmlns:a16="http://schemas.microsoft.com/office/drawing/2014/main" xmlns="" id="{604FCC24-5774-4D19-AE3C-892BD5CB9036}"/>
+                <a16:creationId xmlns="" xmlns:a16="http://schemas.microsoft.com/office/drawing/2014/main" id="{604FCC24-5774-4D19-AE3C-892BD5CB9036}"/>
               </a:ext>
             </a:extLst>
           </p:cNvPr>
@@ -11753,7 +11777,7 @@
           <p:cNvPr id="8" name="Group 7">
             <a:extLst>
               <a:ext uri="{FF2B5EF4-FFF2-40B4-BE49-F238E27FC236}">
-                <a16:creationId xmlns:a16="http://schemas.microsoft.com/office/drawing/2014/main" xmlns="" id="{01E02375-F4DA-4A99-B8F7-8F1708ECDA85}"/>
+                <a16:creationId xmlns="" xmlns:a16="http://schemas.microsoft.com/office/drawing/2014/main" id="{01E02375-F4DA-4A99-B8F7-8F1708ECDA85}"/>
               </a:ext>
             </a:extLst>
           </p:cNvPr>
@@ -11773,7 +11797,7 @@
             <p:cNvPr id="9" name="TextBox 8">
               <a:extLst>
                 <a:ext uri="{FF2B5EF4-FFF2-40B4-BE49-F238E27FC236}">
-                  <a16:creationId xmlns:a16="http://schemas.microsoft.com/office/drawing/2014/main" xmlns="" id="{A66282AF-7EDE-475D-8B4B-A5254CE01677}"/>
+                  <a16:creationId xmlns="" xmlns:a16="http://schemas.microsoft.com/office/drawing/2014/main" id="{A66282AF-7EDE-475D-8B4B-A5254CE01677}"/>
                 </a:ext>
               </a:extLst>
             </p:cNvPr>
@@ -11808,7 +11832,7 @@
             <p:cNvPr id="10" name="Picture 9">
               <a:extLst>
                 <a:ext uri="{FF2B5EF4-FFF2-40B4-BE49-F238E27FC236}">
-                  <a16:creationId xmlns:a16="http://schemas.microsoft.com/office/drawing/2014/main" xmlns="" id="{36FE8736-1BB8-485B-8E2F-6269E1482D99}"/>
+                  <a16:creationId xmlns="" xmlns:a16="http://schemas.microsoft.com/office/drawing/2014/main" id="{36FE8736-1BB8-485B-8E2F-6269E1482D99}"/>
                 </a:ext>
               </a:extLst>
             </p:cNvPr>
@@ -11839,7 +11863,7 @@
           <p:cNvPr id="11" name="Group 10">
             <a:extLst>
               <a:ext uri="{FF2B5EF4-FFF2-40B4-BE49-F238E27FC236}">
-                <a16:creationId xmlns:a16="http://schemas.microsoft.com/office/drawing/2014/main" xmlns="" id="{FEA8DE0C-DCDD-48F3-863F-A340EC92189C}"/>
+                <a16:creationId xmlns="" xmlns:a16="http://schemas.microsoft.com/office/drawing/2014/main" id="{FEA8DE0C-DCDD-48F3-863F-A340EC92189C}"/>
               </a:ext>
             </a:extLst>
           </p:cNvPr>
@@ -11859,7 +11883,7 @@
             <p:cNvPr id="12" name="Group 11">
               <a:extLst>
                 <a:ext uri="{FF2B5EF4-FFF2-40B4-BE49-F238E27FC236}">
-                  <a16:creationId xmlns:a16="http://schemas.microsoft.com/office/drawing/2014/main" xmlns="" id="{ED235553-BA2E-4151-AF57-6971B7C121EF}"/>
+                  <a16:creationId xmlns="" xmlns:a16="http://schemas.microsoft.com/office/drawing/2014/main" id="{ED235553-BA2E-4151-AF57-6971B7C121EF}"/>
                 </a:ext>
               </a:extLst>
             </p:cNvPr>
@@ -11879,7 +11903,7 @@
               <p:cNvPr id="18" name="TextBox 17">
                 <a:extLst>
                   <a:ext uri="{FF2B5EF4-FFF2-40B4-BE49-F238E27FC236}">
-                    <a16:creationId xmlns:a16="http://schemas.microsoft.com/office/drawing/2014/main" xmlns="" id="{04DB8D4D-38B0-4F62-A5C6-377A602BB7AF}"/>
+                    <a16:creationId xmlns="" xmlns:a16="http://schemas.microsoft.com/office/drawing/2014/main" id="{04DB8D4D-38B0-4F62-A5C6-377A602BB7AF}"/>
                   </a:ext>
                 </a:extLst>
               </p:cNvPr>
@@ -11914,7 +11938,7 @@
               <p:cNvPr id="19" name="Picture 18">
                 <a:extLst>
                   <a:ext uri="{FF2B5EF4-FFF2-40B4-BE49-F238E27FC236}">
-                    <a16:creationId xmlns:a16="http://schemas.microsoft.com/office/drawing/2014/main" xmlns="" id="{30AE7D7E-B1EE-4A5D-8BE8-38777325CD4A}"/>
+                    <a16:creationId xmlns="" xmlns:a16="http://schemas.microsoft.com/office/drawing/2014/main" id="{30AE7D7E-B1EE-4A5D-8BE8-38777325CD4A}"/>
                   </a:ext>
                 </a:extLst>
               </p:cNvPr>
@@ -11945,7 +11969,7 @@
             <p:cNvPr id="13" name="Straight Arrow Connector 12">
               <a:extLst>
                 <a:ext uri="{FF2B5EF4-FFF2-40B4-BE49-F238E27FC236}">
-                  <a16:creationId xmlns:a16="http://schemas.microsoft.com/office/drawing/2014/main" xmlns="" id="{E75C1CB4-FA46-468B-8FD2-57159DD6A69E}"/>
+                  <a16:creationId xmlns="" xmlns:a16="http://schemas.microsoft.com/office/drawing/2014/main" id="{E75C1CB4-FA46-468B-8FD2-57159DD6A69E}"/>
                 </a:ext>
               </a:extLst>
             </p:cNvPr>
@@ -11986,7 +12010,7 @@
             <p:cNvPr id="16" name="TextBox 15">
               <a:extLst>
                 <a:ext uri="{FF2B5EF4-FFF2-40B4-BE49-F238E27FC236}">
-                  <a16:creationId xmlns:a16="http://schemas.microsoft.com/office/drawing/2014/main" xmlns="" id="{1B23C4DF-503E-459A-AC8C-C9ED2F674302}"/>
+                  <a16:creationId xmlns="" xmlns:a16="http://schemas.microsoft.com/office/drawing/2014/main" id="{1B23C4DF-503E-459A-AC8C-C9ED2F674302}"/>
                 </a:ext>
               </a:extLst>
             </p:cNvPr>
@@ -12049,7 +12073,7 @@
             <p:cNvPr id="17" name="TextBox 16">
               <a:extLst>
                 <a:ext uri="{FF2B5EF4-FFF2-40B4-BE49-F238E27FC236}">
-                  <a16:creationId xmlns:a16="http://schemas.microsoft.com/office/drawing/2014/main" xmlns="" id="{0162580E-FD51-417B-94A6-A6588798624E}"/>
+                  <a16:creationId xmlns="" xmlns:a16="http://schemas.microsoft.com/office/drawing/2014/main" id="{0162580E-FD51-417B-94A6-A6588798624E}"/>
                 </a:ext>
               </a:extLst>
             </p:cNvPr>
@@ -12089,7 +12113,7 @@
           <p:cNvPr id="20" name="Group 19">
             <a:extLst>
               <a:ext uri="{FF2B5EF4-FFF2-40B4-BE49-F238E27FC236}">
-                <a16:creationId xmlns:a16="http://schemas.microsoft.com/office/drawing/2014/main" xmlns="" id="{C7C23E10-70FA-46C8-8FE2-78B698EAB06C}"/>
+                <a16:creationId xmlns="" xmlns:a16="http://schemas.microsoft.com/office/drawing/2014/main" id="{C7C23E10-70FA-46C8-8FE2-78B698EAB06C}"/>
               </a:ext>
             </a:extLst>
           </p:cNvPr>
@@ -12109,7 +12133,7 @@
             <p:cNvPr id="22" name="TextBox 21">
               <a:extLst>
                 <a:ext uri="{FF2B5EF4-FFF2-40B4-BE49-F238E27FC236}">
-                  <a16:creationId xmlns:a16="http://schemas.microsoft.com/office/drawing/2014/main" xmlns="" id="{E34EC561-D996-4A77-AAC2-8FB8394E2E96}"/>
+                  <a16:creationId xmlns="" xmlns:a16="http://schemas.microsoft.com/office/drawing/2014/main" id="{E34EC561-D996-4A77-AAC2-8FB8394E2E96}"/>
                 </a:ext>
               </a:extLst>
             </p:cNvPr>
@@ -12144,7 +12168,7 @@
             <p:cNvPr id="23" name="Picture 22">
               <a:extLst>
                 <a:ext uri="{FF2B5EF4-FFF2-40B4-BE49-F238E27FC236}">
-                  <a16:creationId xmlns:a16="http://schemas.microsoft.com/office/drawing/2014/main" xmlns="" id="{71AAD538-57CB-4289-8AB4-975F45E3E288}"/>
+                  <a16:creationId xmlns="" xmlns:a16="http://schemas.microsoft.com/office/drawing/2014/main" id="{71AAD538-57CB-4289-8AB4-975F45E3E288}"/>
                 </a:ext>
               </a:extLst>
             </p:cNvPr>
@@ -12175,7 +12199,7 @@
           <p:cNvPr id="25" name="TextBox 24">
             <a:extLst>
               <a:ext uri="{FF2B5EF4-FFF2-40B4-BE49-F238E27FC236}">
-                <a16:creationId xmlns:a16="http://schemas.microsoft.com/office/drawing/2014/main" xmlns="" id="{4E5B84F2-4C86-4903-AC34-DA61859F92CD}"/>
+                <a16:creationId xmlns="" xmlns:a16="http://schemas.microsoft.com/office/drawing/2014/main" id="{4E5B84F2-4C86-4903-AC34-DA61859F92CD}"/>
               </a:ext>
             </a:extLst>
           </p:cNvPr>
@@ -12218,7 +12242,7 @@
           <p:cNvPr id="3" name="Picture 2">
             <a:extLst>
               <a:ext uri="{FF2B5EF4-FFF2-40B4-BE49-F238E27FC236}">
-                <a16:creationId xmlns:a16="http://schemas.microsoft.com/office/drawing/2014/main" xmlns="" id="{D898E28B-526B-42AC-B135-877ABC7CDF7D}"/>
+                <a16:creationId xmlns="" xmlns:a16="http://schemas.microsoft.com/office/drawing/2014/main" id="{D898E28B-526B-42AC-B135-877ABC7CDF7D}"/>
               </a:ext>
             </a:extLst>
           </p:cNvPr>
@@ -12285,7 +12309,7 @@
           <p:cNvPr id="2" name="TextBox 1">
             <a:extLst>
               <a:ext uri="{FF2B5EF4-FFF2-40B4-BE49-F238E27FC236}">
-                <a16:creationId xmlns:a16="http://schemas.microsoft.com/office/drawing/2014/main" xmlns="" id="{604FCC24-5774-4D19-AE3C-892BD5CB9036}"/>
+                <a16:creationId xmlns="" xmlns:a16="http://schemas.microsoft.com/office/drawing/2014/main" id="{604FCC24-5774-4D19-AE3C-892BD5CB9036}"/>
               </a:ext>
             </a:extLst>
           </p:cNvPr>
@@ -12323,7 +12347,7 @@
           <p:cNvPr id="25" name="TextBox 24">
             <a:extLst>
               <a:ext uri="{FF2B5EF4-FFF2-40B4-BE49-F238E27FC236}">
-                <a16:creationId xmlns:a16="http://schemas.microsoft.com/office/drawing/2014/main" xmlns="" id="{4E5B84F2-4C86-4903-AC34-DA61859F92CD}"/>
+                <a16:creationId xmlns="" xmlns:a16="http://schemas.microsoft.com/office/drawing/2014/main" id="{4E5B84F2-4C86-4903-AC34-DA61859F92CD}"/>
               </a:ext>
             </a:extLst>
           </p:cNvPr>
@@ -12362,7 +12386,7 @@
           <p:cNvPr id="3" name="Picture 2">
             <a:extLst>
               <a:ext uri="{FF2B5EF4-FFF2-40B4-BE49-F238E27FC236}">
-                <a16:creationId xmlns:a16="http://schemas.microsoft.com/office/drawing/2014/main" xmlns="" id="{D898E28B-526B-42AC-B135-877ABC7CDF7D}"/>
+                <a16:creationId xmlns="" xmlns:a16="http://schemas.microsoft.com/office/drawing/2014/main" id="{D898E28B-526B-42AC-B135-877ABC7CDF7D}"/>
               </a:ext>
             </a:extLst>
           </p:cNvPr>
@@ -12392,7 +12416,7 @@
           <p:cNvPr id="29" name="TextBox 28">
             <a:extLst>
               <a:ext uri="{FF2B5EF4-FFF2-40B4-BE49-F238E27FC236}">
-                <a16:creationId xmlns:a16="http://schemas.microsoft.com/office/drawing/2014/main" xmlns="" id="{EB9D7308-152C-4813-94C3-D7E9991FDAA7}"/>
+                <a16:creationId xmlns="" xmlns:a16="http://schemas.microsoft.com/office/drawing/2014/main" id="{EB9D7308-152C-4813-94C3-D7E9991FDAA7}"/>
               </a:ext>
             </a:extLst>
           </p:cNvPr>
@@ -12459,7 +12483,7 @@
           <p:cNvPr id="5" name="Picture 4">
             <a:extLst>
               <a:ext uri="{FF2B5EF4-FFF2-40B4-BE49-F238E27FC236}">
-                <a16:creationId xmlns:a16="http://schemas.microsoft.com/office/drawing/2014/main" xmlns="" id="{1D1EE1A2-11DF-4098-AA5D-805602CD903D}"/>
+                <a16:creationId xmlns="" xmlns:a16="http://schemas.microsoft.com/office/drawing/2014/main" id="{1D1EE1A2-11DF-4098-AA5D-805602CD903D}"/>
               </a:ext>
             </a:extLst>
           </p:cNvPr>
@@ -12489,7 +12513,7 @@
           <p:cNvPr id="6" name="Rectangle 5">
             <a:extLst>
               <a:ext uri="{FF2B5EF4-FFF2-40B4-BE49-F238E27FC236}">
-                <a16:creationId xmlns:a16="http://schemas.microsoft.com/office/drawing/2014/main" xmlns="" id="{B22691BE-7797-44EA-A764-26D2E8EA2C58}"/>
+                <a16:creationId xmlns="" xmlns:a16="http://schemas.microsoft.com/office/drawing/2014/main" id="{B22691BE-7797-44EA-A764-26D2E8EA2C58}"/>
               </a:ext>
             </a:extLst>
           </p:cNvPr>

--- a/recitation8/cs1675_rec8_oct26.pptx
+++ b/recitation8/cs1675_rec8_oct26.pptx
@@ -5585,7 +5585,7 @@
           <p:cNvPr id="2" name="TextBox 1">
             <a:extLst>
               <a:ext uri="{FF2B5EF4-FFF2-40B4-BE49-F238E27FC236}">
-                <a16:creationId xmlns="" xmlns:a16="http://schemas.microsoft.com/office/drawing/2014/main" id="{604FCC24-5774-4D19-AE3C-892BD5CB9036}"/>
+                <a16:creationId xmlns:a16="http://schemas.microsoft.com/office/drawing/2014/main" xmlns="" id="{604FCC24-5774-4D19-AE3C-892BD5CB9036}"/>
               </a:ext>
             </a:extLst>
           </p:cNvPr>
@@ -5623,7 +5623,7 @@
           <p:cNvPr id="4" name="Picture 3">
             <a:extLst>
               <a:ext uri="{FF2B5EF4-FFF2-40B4-BE49-F238E27FC236}">
-                <a16:creationId xmlns="" xmlns:a16="http://schemas.microsoft.com/office/drawing/2014/main" id="{19F477BC-847B-489B-8533-63913948AE7A}"/>
+                <a16:creationId xmlns:a16="http://schemas.microsoft.com/office/drawing/2014/main" xmlns="" id="{19F477BC-847B-489B-8533-63913948AE7A}"/>
               </a:ext>
             </a:extLst>
           </p:cNvPr>
@@ -5653,7 +5653,7 @@
           <p:cNvPr id="7" name="Picture 6">
             <a:extLst>
               <a:ext uri="{FF2B5EF4-FFF2-40B4-BE49-F238E27FC236}">
-                <a16:creationId xmlns="" xmlns:a16="http://schemas.microsoft.com/office/drawing/2014/main" id="{B3A980AB-3E15-4037-A515-354BB7A35442}"/>
+                <a16:creationId xmlns:a16="http://schemas.microsoft.com/office/drawing/2014/main" xmlns="" id="{B3A980AB-3E15-4037-A515-354BB7A35442}"/>
               </a:ext>
             </a:extLst>
           </p:cNvPr>
@@ -5683,7 +5683,7 @@
           <p:cNvPr id="10" name="Straight Arrow Connector 9">
             <a:extLst>
               <a:ext uri="{FF2B5EF4-FFF2-40B4-BE49-F238E27FC236}">
-                <a16:creationId xmlns="" xmlns:a16="http://schemas.microsoft.com/office/drawing/2014/main" id="{5025BDDE-C2B2-4E13-BC98-621C26600BDC}"/>
+                <a16:creationId xmlns:a16="http://schemas.microsoft.com/office/drawing/2014/main" xmlns="" id="{5025BDDE-C2B2-4E13-BC98-621C26600BDC}"/>
               </a:ext>
             </a:extLst>
           </p:cNvPr>
@@ -5722,7 +5722,7 @@
           <p:cNvPr id="12" name="Straight Connector 11">
             <a:extLst>
               <a:ext uri="{FF2B5EF4-FFF2-40B4-BE49-F238E27FC236}">
-                <a16:creationId xmlns="" xmlns:a16="http://schemas.microsoft.com/office/drawing/2014/main" id="{2DBC20C2-6F0C-4D0F-8FD8-0A3B53A05C13}"/>
+                <a16:creationId xmlns:a16="http://schemas.microsoft.com/office/drawing/2014/main" xmlns="" id="{2DBC20C2-6F0C-4D0F-8FD8-0A3B53A05C13}"/>
               </a:ext>
             </a:extLst>
           </p:cNvPr>
@@ -5759,7 +5759,7 @@
           <p:cNvPr id="13" name="Picture 12">
             <a:extLst>
               <a:ext uri="{FF2B5EF4-FFF2-40B4-BE49-F238E27FC236}">
-                <a16:creationId xmlns="" xmlns:a16="http://schemas.microsoft.com/office/drawing/2014/main" id="{907FBEBD-2FFB-43C7-AAFF-D011C8A72F65}"/>
+                <a16:creationId xmlns:a16="http://schemas.microsoft.com/office/drawing/2014/main" xmlns="" id="{907FBEBD-2FFB-43C7-AAFF-D011C8A72F65}"/>
               </a:ext>
             </a:extLst>
           </p:cNvPr>
@@ -5789,7 +5789,7 @@
           <p:cNvPr id="14" name="Picture 13">
             <a:extLst>
               <a:ext uri="{FF2B5EF4-FFF2-40B4-BE49-F238E27FC236}">
-                <a16:creationId xmlns="" xmlns:a16="http://schemas.microsoft.com/office/drawing/2014/main" id="{DF471828-ACCC-48F7-B718-1EB276F84AAF}"/>
+                <a16:creationId xmlns:a16="http://schemas.microsoft.com/office/drawing/2014/main" xmlns="" id="{DF471828-ACCC-48F7-B718-1EB276F84AAF}"/>
               </a:ext>
             </a:extLst>
           </p:cNvPr>
@@ -5856,7 +5856,7 @@
           <p:cNvPr id="2" name="TextBox 1">
             <a:extLst>
               <a:ext uri="{FF2B5EF4-FFF2-40B4-BE49-F238E27FC236}">
-                <a16:creationId xmlns="" xmlns:a16="http://schemas.microsoft.com/office/drawing/2014/main" id="{604FCC24-5774-4D19-AE3C-892BD5CB9036}"/>
+                <a16:creationId xmlns:a16="http://schemas.microsoft.com/office/drawing/2014/main" xmlns="" id="{604FCC24-5774-4D19-AE3C-892BD5CB9036}"/>
               </a:ext>
             </a:extLst>
           </p:cNvPr>
@@ -5894,7 +5894,7 @@
           <p:cNvPr id="15" name="TextBox 14">
             <a:extLst>
               <a:ext uri="{FF2B5EF4-FFF2-40B4-BE49-F238E27FC236}">
-                <a16:creationId xmlns="" xmlns:a16="http://schemas.microsoft.com/office/drawing/2014/main" id="{4228428F-CF77-4EFA-9B33-812EA60AC0C5}"/>
+                <a16:creationId xmlns:a16="http://schemas.microsoft.com/office/drawing/2014/main" xmlns="" id="{4228428F-CF77-4EFA-9B33-812EA60AC0C5}"/>
               </a:ext>
             </a:extLst>
           </p:cNvPr>
@@ -5929,7 +5929,7 @@
           <p:cNvPr id="5" name="Picture 4">
             <a:extLst>
               <a:ext uri="{FF2B5EF4-FFF2-40B4-BE49-F238E27FC236}">
-                <a16:creationId xmlns="" xmlns:a16="http://schemas.microsoft.com/office/drawing/2014/main" id="{AAD6D550-F844-4C84-9668-24FCF3A4B0FA}"/>
+                <a16:creationId xmlns:a16="http://schemas.microsoft.com/office/drawing/2014/main" xmlns="" id="{AAD6D550-F844-4C84-9668-24FCF3A4B0FA}"/>
               </a:ext>
             </a:extLst>
           </p:cNvPr>
@@ -5959,7 +5959,7 @@
           <p:cNvPr id="20" name="TextBox 19">
             <a:extLst>
               <a:ext uri="{FF2B5EF4-FFF2-40B4-BE49-F238E27FC236}">
-                <a16:creationId xmlns="" xmlns:a16="http://schemas.microsoft.com/office/drawing/2014/main" id="{6DC9716B-DE3F-49B9-BC0F-0928B8B020C2}"/>
+                <a16:creationId xmlns:a16="http://schemas.microsoft.com/office/drawing/2014/main" xmlns="" id="{6DC9716B-DE3F-49B9-BC0F-0928B8B020C2}"/>
               </a:ext>
             </a:extLst>
           </p:cNvPr>
@@ -5994,7 +5994,7 @@
           <p:cNvPr id="6" name="Picture 5">
             <a:extLst>
               <a:ext uri="{FF2B5EF4-FFF2-40B4-BE49-F238E27FC236}">
-                <a16:creationId xmlns="" xmlns:a16="http://schemas.microsoft.com/office/drawing/2014/main" id="{F9CD07E4-C4EB-420B-A892-58B496F23189}"/>
+                <a16:creationId xmlns:a16="http://schemas.microsoft.com/office/drawing/2014/main" xmlns="" id="{F9CD07E4-C4EB-420B-A892-58B496F23189}"/>
               </a:ext>
             </a:extLst>
           </p:cNvPr>
@@ -6024,7 +6024,7 @@
           <p:cNvPr id="22" name="TextBox 21">
             <a:extLst>
               <a:ext uri="{FF2B5EF4-FFF2-40B4-BE49-F238E27FC236}">
-                <a16:creationId xmlns="" xmlns:a16="http://schemas.microsoft.com/office/drawing/2014/main" id="{64B3FB62-2774-4936-8BAF-249F3FED8633}"/>
+                <a16:creationId xmlns:a16="http://schemas.microsoft.com/office/drawing/2014/main" xmlns="" id="{64B3FB62-2774-4936-8BAF-249F3FED8633}"/>
               </a:ext>
             </a:extLst>
           </p:cNvPr>
@@ -6059,7 +6059,7 @@
           <p:cNvPr id="23" name="Picture 22">
             <a:extLst>
               <a:ext uri="{FF2B5EF4-FFF2-40B4-BE49-F238E27FC236}">
-                <a16:creationId xmlns="" xmlns:a16="http://schemas.microsoft.com/office/drawing/2014/main" id="{B54467FF-138F-4F52-9326-A64A1CD597FE}"/>
+                <a16:creationId xmlns:a16="http://schemas.microsoft.com/office/drawing/2014/main" xmlns="" id="{B54467FF-138F-4F52-9326-A64A1CD597FE}"/>
               </a:ext>
             </a:extLst>
           </p:cNvPr>
@@ -6126,7 +6126,7 @@
           <p:cNvPr id="2" name="TextBox 1">
             <a:extLst>
               <a:ext uri="{FF2B5EF4-FFF2-40B4-BE49-F238E27FC236}">
-                <a16:creationId xmlns="" xmlns:a16="http://schemas.microsoft.com/office/drawing/2014/main" id="{604FCC24-5774-4D19-AE3C-892BD5CB9036}"/>
+                <a16:creationId xmlns:a16="http://schemas.microsoft.com/office/drawing/2014/main" xmlns="" id="{604FCC24-5774-4D19-AE3C-892BD5CB9036}"/>
               </a:ext>
             </a:extLst>
           </p:cNvPr>
@@ -6164,7 +6164,7 @@
           <p:cNvPr id="4" name="Picture 3" descr="Quadratic programming - MATLAB quadprog - Mozilla Firefox">
             <a:extLst>
               <a:ext uri="{FF2B5EF4-FFF2-40B4-BE49-F238E27FC236}">
-                <a16:creationId xmlns="" xmlns:a16="http://schemas.microsoft.com/office/drawing/2014/main" id="{D6933887-934C-45A6-8909-FCB9C389EE40}"/>
+                <a16:creationId xmlns:a16="http://schemas.microsoft.com/office/drawing/2014/main" xmlns="" id="{D6933887-934C-45A6-8909-FCB9C389EE40}"/>
               </a:ext>
             </a:extLst>
           </p:cNvPr>
@@ -6199,7 +6199,7 @@
           <p:cNvPr id="9" name="Picture 8" descr="Quadratic programming - MATLAB quadprog - Mozilla Firefox">
             <a:extLst>
               <a:ext uri="{FF2B5EF4-FFF2-40B4-BE49-F238E27FC236}">
-                <a16:creationId xmlns="" xmlns:a16="http://schemas.microsoft.com/office/drawing/2014/main" id="{465700A6-2F56-4830-BF2F-02A9A21A9EEC}"/>
+                <a16:creationId xmlns:a16="http://schemas.microsoft.com/office/drawing/2014/main" xmlns="" id="{465700A6-2F56-4830-BF2F-02A9A21A9EEC}"/>
               </a:ext>
             </a:extLst>
           </p:cNvPr>
@@ -6234,7 +6234,7 @@
           <p:cNvPr id="10" name="TextBox 9">
             <a:extLst>
               <a:ext uri="{FF2B5EF4-FFF2-40B4-BE49-F238E27FC236}">
-                <a16:creationId xmlns="" xmlns:a16="http://schemas.microsoft.com/office/drawing/2014/main" id="{C7BCE5D6-52C8-4C8F-91FE-F7B71DBD88E3}"/>
+                <a16:creationId xmlns:a16="http://schemas.microsoft.com/office/drawing/2014/main" xmlns="" id="{C7BCE5D6-52C8-4C8F-91FE-F7B71DBD88E3}"/>
               </a:ext>
             </a:extLst>
           </p:cNvPr>
@@ -6314,7 +6314,7 @@
           <p:cNvPr id="2" name="TextBox 1">
             <a:extLst>
               <a:ext uri="{FF2B5EF4-FFF2-40B4-BE49-F238E27FC236}">
-                <a16:creationId xmlns="" xmlns:a16="http://schemas.microsoft.com/office/drawing/2014/main" id="{604FCC24-5774-4D19-AE3C-892BD5CB9036}"/>
+                <a16:creationId xmlns:a16="http://schemas.microsoft.com/office/drawing/2014/main" xmlns="" id="{604FCC24-5774-4D19-AE3C-892BD5CB9036}"/>
               </a:ext>
             </a:extLst>
           </p:cNvPr>
@@ -6352,7 +6352,7 @@
           <p:cNvPr id="4" name="Picture 3" descr="Quadratic programming - MATLAB quadprog - Mozilla Firefox">
             <a:extLst>
               <a:ext uri="{FF2B5EF4-FFF2-40B4-BE49-F238E27FC236}">
-                <a16:creationId xmlns="" xmlns:a16="http://schemas.microsoft.com/office/drawing/2014/main" id="{D6933887-934C-45A6-8909-FCB9C389EE40}"/>
+                <a16:creationId xmlns:a16="http://schemas.microsoft.com/office/drawing/2014/main" xmlns="" id="{D6933887-934C-45A6-8909-FCB9C389EE40}"/>
               </a:ext>
             </a:extLst>
           </p:cNvPr>
@@ -6387,7 +6387,7 @@
           <p:cNvPr id="6" name="TextBox 5">
             <a:extLst>
               <a:ext uri="{FF2B5EF4-FFF2-40B4-BE49-F238E27FC236}">
-                <a16:creationId xmlns="" xmlns:a16="http://schemas.microsoft.com/office/drawing/2014/main" id="{B5F07024-7C2B-49C1-AEF9-2F733EE56846}"/>
+                <a16:creationId xmlns:a16="http://schemas.microsoft.com/office/drawing/2014/main" xmlns="" id="{B5F07024-7C2B-49C1-AEF9-2F733EE56846}"/>
               </a:ext>
             </a:extLst>
           </p:cNvPr>
@@ -6426,7 +6426,7 @@
           <p:cNvPr id="7" name="Picture 6">
             <a:extLst>
               <a:ext uri="{FF2B5EF4-FFF2-40B4-BE49-F238E27FC236}">
-                <a16:creationId xmlns="" xmlns:a16="http://schemas.microsoft.com/office/drawing/2014/main" id="{7C3A7A6C-979C-48E1-90FB-467803E42F0B}"/>
+                <a16:creationId xmlns:a16="http://schemas.microsoft.com/office/drawing/2014/main" xmlns="" id="{7C3A7A6C-979C-48E1-90FB-467803E42F0B}"/>
               </a:ext>
             </a:extLst>
           </p:cNvPr>
@@ -6456,7 +6456,7 @@
           <p:cNvPr id="8" name="TextBox 7">
             <a:extLst>
               <a:ext uri="{FF2B5EF4-FFF2-40B4-BE49-F238E27FC236}">
-                <a16:creationId xmlns="" xmlns:a16="http://schemas.microsoft.com/office/drawing/2014/main" id="{262D770D-EE0E-43A1-B95D-9581657CF997}"/>
+                <a16:creationId xmlns:a16="http://schemas.microsoft.com/office/drawing/2014/main" xmlns="" id="{262D770D-EE0E-43A1-B95D-9581657CF997}"/>
               </a:ext>
             </a:extLst>
           </p:cNvPr>
@@ -6499,7 +6499,7 @@
           <p:cNvPr id="5" name="Straight Connector 4">
             <a:extLst>
               <a:ext uri="{FF2B5EF4-FFF2-40B4-BE49-F238E27FC236}">
-                <a16:creationId xmlns="" xmlns:a16="http://schemas.microsoft.com/office/drawing/2014/main" id="{A5FCD1CA-5F54-4C1A-B050-285AB0B52B00}"/>
+                <a16:creationId xmlns:a16="http://schemas.microsoft.com/office/drawing/2014/main" xmlns="" id="{A5FCD1CA-5F54-4C1A-B050-285AB0B52B00}"/>
               </a:ext>
             </a:extLst>
           </p:cNvPr>
@@ -6573,7 +6573,7 @@
           <p:cNvPr id="2" name="TextBox 1">
             <a:extLst>
               <a:ext uri="{FF2B5EF4-FFF2-40B4-BE49-F238E27FC236}">
-                <a16:creationId xmlns="" xmlns:a16="http://schemas.microsoft.com/office/drawing/2014/main" id="{604FCC24-5774-4D19-AE3C-892BD5CB9036}"/>
+                <a16:creationId xmlns:a16="http://schemas.microsoft.com/office/drawing/2014/main" xmlns="" id="{604FCC24-5774-4D19-AE3C-892BD5CB9036}"/>
               </a:ext>
             </a:extLst>
           </p:cNvPr>
@@ -6611,7 +6611,7 @@
           <p:cNvPr id="4" name="Picture 3" descr="Quadratic programming - MATLAB quadprog - Mozilla Firefox">
             <a:extLst>
               <a:ext uri="{FF2B5EF4-FFF2-40B4-BE49-F238E27FC236}">
-                <a16:creationId xmlns="" xmlns:a16="http://schemas.microsoft.com/office/drawing/2014/main" id="{D6933887-934C-45A6-8909-FCB9C389EE40}"/>
+                <a16:creationId xmlns:a16="http://schemas.microsoft.com/office/drawing/2014/main" xmlns="" id="{D6933887-934C-45A6-8909-FCB9C389EE40}"/>
               </a:ext>
             </a:extLst>
           </p:cNvPr>
@@ -6646,7 +6646,7 @@
           <p:cNvPr id="7" name="Picture 6">
             <a:extLst>
               <a:ext uri="{FF2B5EF4-FFF2-40B4-BE49-F238E27FC236}">
-                <a16:creationId xmlns="" xmlns:a16="http://schemas.microsoft.com/office/drawing/2014/main" id="{7C3A7A6C-979C-48E1-90FB-467803E42F0B}"/>
+                <a16:creationId xmlns:a16="http://schemas.microsoft.com/office/drawing/2014/main" xmlns="" id="{7C3A7A6C-979C-48E1-90FB-467803E42F0B}"/>
               </a:ext>
             </a:extLst>
           </p:cNvPr>
@@ -6676,7 +6676,7 @@
           <p:cNvPr id="10" name="Straight Connector 9">
             <a:extLst>
               <a:ext uri="{FF2B5EF4-FFF2-40B4-BE49-F238E27FC236}">
-                <a16:creationId xmlns="" xmlns:a16="http://schemas.microsoft.com/office/drawing/2014/main" id="{FB4922F5-9126-4B50-95A7-32041F6F9089}"/>
+                <a16:creationId xmlns:a16="http://schemas.microsoft.com/office/drawing/2014/main" xmlns="" id="{FB4922F5-9126-4B50-95A7-32041F6F9089}"/>
               </a:ext>
             </a:extLst>
           </p:cNvPr>
@@ -6713,7 +6713,7 @@
           <p:cNvPr id="11" name="Straight Connector 10">
             <a:extLst>
               <a:ext uri="{FF2B5EF4-FFF2-40B4-BE49-F238E27FC236}">
-                <a16:creationId xmlns="" xmlns:a16="http://schemas.microsoft.com/office/drawing/2014/main" id="{B55F45A7-6CCE-477D-B83B-27A5F2D8E578}"/>
+                <a16:creationId xmlns:a16="http://schemas.microsoft.com/office/drawing/2014/main" xmlns="" id="{B55F45A7-6CCE-477D-B83B-27A5F2D8E578}"/>
               </a:ext>
             </a:extLst>
           </p:cNvPr>
@@ -6750,7 +6750,7 @@
           <p:cNvPr id="12" name="TextBox 11">
             <a:extLst>
               <a:ext uri="{FF2B5EF4-FFF2-40B4-BE49-F238E27FC236}">
-                <a16:creationId xmlns="" xmlns:a16="http://schemas.microsoft.com/office/drawing/2014/main" id="{A598CF8E-62F6-4CA8-84B2-3117928A8254}"/>
+                <a16:creationId xmlns:a16="http://schemas.microsoft.com/office/drawing/2014/main" xmlns="" id="{A598CF8E-62F6-4CA8-84B2-3117928A8254}"/>
               </a:ext>
             </a:extLst>
           </p:cNvPr>
@@ -6822,7 +6822,7 @@
           <p:cNvPr id="2" name="TextBox 1">
             <a:extLst>
               <a:ext uri="{FF2B5EF4-FFF2-40B4-BE49-F238E27FC236}">
-                <a16:creationId xmlns="" xmlns:a16="http://schemas.microsoft.com/office/drawing/2014/main" id="{604FCC24-5774-4D19-AE3C-892BD5CB9036}"/>
+                <a16:creationId xmlns:a16="http://schemas.microsoft.com/office/drawing/2014/main" xmlns="" id="{604FCC24-5774-4D19-AE3C-892BD5CB9036}"/>
               </a:ext>
             </a:extLst>
           </p:cNvPr>
@@ -6860,7 +6860,7 @@
           <p:cNvPr id="13" name="Picture 12" descr="Quadratic programming - MATLAB quadprog - Mozilla Firefox">
             <a:extLst>
               <a:ext uri="{FF2B5EF4-FFF2-40B4-BE49-F238E27FC236}">
-                <a16:creationId xmlns="" xmlns:a16="http://schemas.microsoft.com/office/drawing/2014/main" id="{DFCFCB19-8F6F-4E99-98F4-0CF452FB970F}"/>
+                <a16:creationId xmlns:a16="http://schemas.microsoft.com/office/drawing/2014/main" xmlns="" id="{DFCFCB19-8F6F-4E99-98F4-0CF452FB970F}"/>
               </a:ext>
             </a:extLst>
           </p:cNvPr>
@@ -6895,7 +6895,7 @@
           <p:cNvPr id="14" name="Picture 13">
             <a:extLst>
               <a:ext uri="{FF2B5EF4-FFF2-40B4-BE49-F238E27FC236}">
-                <a16:creationId xmlns="" xmlns:a16="http://schemas.microsoft.com/office/drawing/2014/main" id="{B4690353-54B4-4EC6-8BA0-5757DA82DA17}"/>
+                <a16:creationId xmlns:a16="http://schemas.microsoft.com/office/drawing/2014/main" xmlns="" id="{B4690353-54B4-4EC6-8BA0-5757DA82DA17}"/>
               </a:ext>
             </a:extLst>
           </p:cNvPr>
@@ -6925,7 +6925,7 @@
           <p:cNvPr id="6" name="Rectangle 5">
             <a:extLst>
               <a:ext uri="{FF2B5EF4-FFF2-40B4-BE49-F238E27FC236}">
-                <a16:creationId xmlns="" xmlns:a16="http://schemas.microsoft.com/office/drawing/2014/main" id="{3AD3B719-4624-40BC-B4D0-78DD46937BE5}"/>
+                <a16:creationId xmlns:a16="http://schemas.microsoft.com/office/drawing/2014/main" xmlns="" id="{3AD3B719-4624-40BC-B4D0-78DD46937BE5}"/>
               </a:ext>
             </a:extLst>
           </p:cNvPr>
@@ -6973,7 +6973,7 @@
           <p:cNvPr id="15" name="TextBox 14">
             <a:extLst>
               <a:ext uri="{FF2B5EF4-FFF2-40B4-BE49-F238E27FC236}">
-                <a16:creationId xmlns="" xmlns:a16="http://schemas.microsoft.com/office/drawing/2014/main" id="{F57B1E15-7CE9-457A-B1AE-F3D1C8092F40}"/>
+                <a16:creationId xmlns:a16="http://schemas.microsoft.com/office/drawing/2014/main" xmlns="" id="{F57B1E15-7CE9-457A-B1AE-F3D1C8092F40}"/>
               </a:ext>
             </a:extLst>
           </p:cNvPr>
@@ -7053,7 +7053,7 @@
           <p:cNvPr id="2" name="TextBox 1">
             <a:extLst>
               <a:ext uri="{FF2B5EF4-FFF2-40B4-BE49-F238E27FC236}">
-                <a16:creationId xmlns="" xmlns:a16="http://schemas.microsoft.com/office/drawing/2014/main" id="{604FCC24-5774-4D19-AE3C-892BD5CB9036}"/>
+                <a16:creationId xmlns:a16="http://schemas.microsoft.com/office/drawing/2014/main" xmlns="" id="{604FCC24-5774-4D19-AE3C-892BD5CB9036}"/>
               </a:ext>
             </a:extLst>
           </p:cNvPr>
@@ -7123,7 +7123,7 @@
           <p:cNvPr id="13" name="Picture 12" descr="Quadratic programming - MATLAB quadprog - Mozilla Firefox">
             <a:extLst>
               <a:ext uri="{FF2B5EF4-FFF2-40B4-BE49-F238E27FC236}">
-                <a16:creationId xmlns="" xmlns:a16="http://schemas.microsoft.com/office/drawing/2014/main" id="{DFCFCB19-8F6F-4E99-98F4-0CF452FB970F}"/>
+                <a16:creationId xmlns:a16="http://schemas.microsoft.com/office/drawing/2014/main" xmlns="" id="{DFCFCB19-8F6F-4E99-98F4-0CF452FB970F}"/>
               </a:ext>
             </a:extLst>
           </p:cNvPr>
@@ -7158,7 +7158,7 @@
           <p:cNvPr id="7" name="TextBox 6">
             <a:extLst>
               <a:ext uri="{FF2B5EF4-FFF2-40B4-BE49-F238E27FC236}">
-                <a16:creationId xmlns="" xmlns:a16="http://schemas.microsoft.com/office/drawing/2014/main" id="{A00ADC71-C3A6-48E4-90FB-3B178670E246}"/>
+                <a16:creationId xmlns:a16="http://schemas.microsoft.com/office/drawing/2014/main" xmlns="" id="{A00ADC71-C3A6-48E4-90FB-3B178670E246}"/>
               </a:ext>
             </a:extLst>
           </p:cNvPr>
@@ -7193,7 +7193,7 @@
           <p:cNvPr id="8" name="Picture 7">
             <a:extLst>
               <a:ext uri="{FF2B5EF4-FFF2-40B4-BE49-F238E27FC236}">
-                <a16:creationId xmlns="" xmlns:a16="http://schemas.microsoft.com/office/drawing/2014/main" id="{25184AEF-5031-4B66-AA41-2EB73D5D70DA}"/>
+                <a16:creationId xmlns:a16="http://schemas.microsoft.com/office/drawing/2014/main" xmlns="" id="{25184AEF-5031-4B66-AA41-2EB73D5D70DA}"/>
               </a:ext>
             </a:extLst>
           </p:cNvPr>
@@ -7218,6 +7218,54 @@
           </a:prstGeom>
         </p:spPr>
       </p:pic>
+      <p:sp>
+        <p:nvSpPr>
+          <p:cNvPr id="6" name="Rectangle 5">
+            <a:extLst>
+              <a:ext uri="{FF2B5EF4-FFF2-40B4-BE49-F238E27FC236}">
+                <a16:creationId xmlns:a16="http://schemas.microsoft.com/office/drawing/2014/main" xmlns="" id="{3AD3B719-4624-40BC-B4D0-78DD46937BE5}"/>
+              </a:ext>
+            </a:extLst>
+          </p:cNvPr>
+          <p:cNvSpPr/>
+          <p:nvPr/>
+        </p:nvSpPr>
+        <p:spPr>
+          <a:xfrm>
+            <a:off x="4111200" y="1742528"/>
+            <a:ext cx="1790109" cy="925680"/>
+          </a:xfrm>
+          <a:prstGeom prst="rect">
+            <a:avLst/>
+          </a:prstGeom>
+          <a:noFill/>
+          <a:ln w="38100"/>
+        </p:spPr>
+        <p:style>
+          <a:lnRef idx="2">
+            <a:schemeClr val="accent1">
+              <a:shade val="50000"/>
+            </a:schemeClr>
+          </a:lnRef>
+          <a:fillRef idx="1">
+            <a:schemeClr val="accent1"/>
+          </a:fillRef>
+          <a:effectRef idx="0">
+            <a:schemeClr val="accent1"/>
+          </a:effectRef>
+          <a:fontRef idx="minor">
+            <a:schemeClr val="lt1"/>
+          </a:fontRef>
+        </p:style>
+        <p:txBody>
+          <a:bodyPr rtlCol="0" anchor="ctr"/>
+          <a:lstStyle/>
+          <a:p>
+            <a:pPr algn="ctr"/>
+            <a:endParaRPr lang="en-US"/>
+          </a:p>
+        </p:txBody>
+      </p:sp>
     </p:spTree>
     <p:extLst>
       <p:ext uri="{BB962C8B-B14F-4D97-AF65-F5344CB8AC3E}">
@@ -7260,7 +7308,7 @@
           <p:cNvPr id="2" name="TextBox 1">
             <a:extLst>
               <a:ext uri="{FF2B5EF4-FFF2-40B4-BE49-F238E27FC236}">
-                <a16:creationId xmlns="" xmlns:a16="http://schemas.microsoft.com/office/drawing/2014/main" id="{604FCC24-5774-4D19-AE3C-892BD5CB9036}"/>
+                <a16:creationId xmlns:a16="http://schemas.microsoft.com/office/drawing/2014/main" xmlns="" id="{604FCC24-5774-4D19-AE3C-892BD5CB9036}"/>
               </a:ext>
             </a:extLst>
           </p:cNvPr>
@@ -7343,7 +7391,7 @@
           <p:cNvPr id="13" name="Picture 12" descr="Quadratic programming - MATLAB quadprog - Mozilla Firefox">
             <a:extLst>
               <a:ext uri="{FF2B5EF4-FFF2-40B4-BE49-F238E27FC236}">
-                <a16:creationId xmlns="" xmlns:a16="http://schemas.microsoft.com/office/drawing/2014/main" id="{DFCFCB19-8F6F-4E99-98F4-0CF452FB970F}"/>
+                <a16:creationId xmlns:a16="http://schemas.microsoft.com/office/drawing/2014/main" xmlns="" id="{DFCFCB19-8F6F-4E99-98F4-0CF452FB970F}"/>
               </a:ext>
             </a:extLst>
           </p:cNvPr>
@@ -7378,7 +7426,7 @@
           <p:cNvPr id="7" name="TextBox 6">
             <a:extLst>
               <a:ext uri="{FF2B5EF4-FFF2-40B4-BE49-F238E27FC236}">
-                <a16:creationId xmlns="" xmlns:a16="http://schemas.microsoft.com/office/drawing/2014/main" id="{A00ADC71-C3A6-48E4-90FB-3B178670E246}"/>
+                <a16:creationId xmlns:a16="http://schemas.microsoft.com/office/drawing/2014/main" xmlns="" id="{A00ADC71-C3A6-48E4-90FB-3B178670E246}"/>
               </a:ext>
             </a:extLst>
           </p:cNvPr>
@@ -7388,7 +7436,7 @@
         <p:spPr>
           <a:xfrm>
             <a:off x="551515" y="1914144"/>
-            <a:ext cx="8010144" cy="1446550"/>
+            <a:ext cx="8010144" cy="769441"/>
           </a:xfrm>
           <a:prstGeom prst="rect">
             <a:avLst/>
@@ -7406,11 +7454,9 @@
               <a:t>lb</a:t>
             </a:r>
             <a:r>
-              <a:rPr lang="en-US" sz="2200" dirty="0"/>
-              <a:t>: Remember the constraint on the alphas (see dual representation on slide 7).</a:t>
-            </a:r>
-          </a:p>
-          <a:p>
+              <a:rPr lang="en-US" sz="2200" dirty="0" smtClean="0"/>
+              <a:t>: again, refer to our set of constraints:</a:t>
+            </a:r>
             <a:endParaRPr lang="en-US" sz="2200" dirty="0"/>
           </a:p>
           <a:p>
@@ -7492,6 +7538,84 @@
               <a:t> function)</a:t>
             </a:r>
             <a:endParaRPr lang="en-US" sz="2200" dirty="0"/>
+          </a:p>
+        </p:txBody>
+      </p:sp>
+      <p:pic>
+        <p:nvPicPr>
+          <p:cNvPr id="6" name="Picture 5">
+            <a:extLst>
+              <a:ext uri="{FF2B5EF4-FFF2-40B4-BE49-F238E27FC236}">
+                <a16:creationId xmlns:a16="http://schemas.microsoft.com/office/drawing/2014/main" xmlns="" id="{25184AEF-5031-4B66-AA41-2EB73D5D70DA}"/>
+              </a:ext>
+            </a:extLst>
+          </p:cNvPr>
+          <p:cNvPicPr>
+            <a:picLocks noChangeAspect="1"/>
+          </p:cNvPicPr>
+          <p:nvPr/>
+        </p:nvPicPr>
+        <p:blipFill>
+          <a:blip r:embed="rId4"/>
+          <a:stretch>
+            <a:fillRect/>
+          </a:stretch>
+        </p:blipFill>
+        <p:spPr>
+          <a:xfrm>
+            <a:off x="5520900" y="1782425"/>
+            <a:ext cx="1946700" cy="1197120"/>
+          </a:xfrm>
+          <a:prstGeom prst="rect">
+            <a:avLst/>
+          </a:prstGeom>
+        </p:spPr>
+      </p:pic>
+      <p:sp>
+        <p:nvSpPr>
+          <p:cNvPr id="8" name="Rectangle 7">
+            <a:extLst>
+              <a:ext uri="{FF2B5EF4-FFF2-40B4-BE49-F238E27FC236}">
+                <a16:creationId xmlns:a16="http://schemas.microsoft.com/office/drawing/2014/main" xmlns="" id="{3AD3B719-4624-40BC-B4D0-78DD46937BE5}"/>
+              </a:ext>
+            </a:extLst>
+          </p:cNvPr>
+          <p:cNvSpPr/>
+          <p:nvPr/>
+        </p:nvSpPr>
+        <p:spPr>
+          <a:xfrm>
+            <a:off x="5677492" y="2543629"/>
+            <a:ext cx="1704384" cy="435916"/>
+          </a:xfrm>
+          <a:prstGeom prst="rect">
+            <a:avLst/>
+          </a:prstGeom>
+          <a:noFill/>
+          <a:ln w="38100"/>
+        </p:spPr>
+        <p:style>
+          <a:lnRef idx="2">
+            <a:schemeClr val="accent1">
+              <a:shade val="50000"/>
+            </a:schemeClr>
+          </a:lnRef>
+          <a:fillRef idx="1">
+            <a:schemeClr val="accent1"/>
+          </a:fillRef>
+          <a:effectRef idx="0">
+            <a:schemeClr val="accent1"/>
+          </a:effectRef>
+          <a:fontRef idx="minor">
+            <a:schemeClr val="lt1"/>
+          </a:fontRef>
+        </p:style>
+        <p:txBody>
+          <a:bodyPr rtlCol="0" anchor="ctr"/>
+          <a:lstStyle/>
+          <a:p>
+            <a:pPr algn="ctr"/>
+            <a:endParaRPr lang="en-US"/>
           </a:p>
         </p:txBody>
       </p:sp>
@@ -7537,7 +7661,7 @@
           <p:cNvPr id="2" name="TextBox 1">
             <a:extLst>
               <a:ext uri="{FF2B5EF4-FFF2-40B4-BE49-F238E27FC236}">
-                <a16:creationId xmlns="" xmlns:a16="http://schemas.microsoft.com/office/drawing/2014/main" id="{604FCC24-5774-4D19-AE3C-892BD5CB9036}"/>
+                <a16:creationId xmlns:a16="http://schemas.microsoft.com/office/drawing/2014/main" xmlns="" id="{604FCC24-5774-4D19-AE3C-892BD5CB9036}"/>
               </a:ext>
             </a:extLst>
           </p:cNvPr>
@@ -7826,7 +7950,7 @@
           <p:cNvPr id="2" name="TextBox 1">
             <a:extLst>
               <a:ext uri="{FF2B5EF4-FFF2-40B4-BE49-F238E27FC236}">
-                <a16:creationId xmlns="" xmlns:a16="http://schemas.microsoft.com/office/drawing/2014/main" id="{604FCC24-5774-4D19-AE3C-892BD5CB9036}"/>
+                <a16:creationId xmlns:a16="http://schemas.microsoft.com/office/drawing/2014/main" xmlns="" id="{604FCC24-5774-4D19-AE3C-892BD5CB9036}"/>
               </a:ext>
             </a:extLst>
           </p:cNvPr>
@@ -7869,7 +7993,7 @@
           <p:cNvPr id="4" name="Picture 3">
             <a:extLst>
               <a:ext uri="{FF2B5EF4-FFF2-40B4-BE49-F238E27FC236}">
-                <a16:creationId xmlns="" xmlns:a16="http://schemas.microsoft.com/office/drawing/2014/main" id="{F0B874BC-5765-4579-8F6F-59B6BDF60DE7}"/>
+                <a16:creationId xmlns:a16="http://schemas.microsoft.com/office/drawing/2014/main" xmlns="" id="{F0B874BC-5765-4579-8F6F-59B6BDF60DE7}"/>
               </a:ext>
             </a:extLst>
           </p:cNvPr>
@@ -7898,7 +8022,7 @@
           <p:cNvPr id="5" name="TextBox 4">
             <a:extLst>
               <a:ext uri="{FF2B5EF4-FFF2-40B4-BE49-F238E27FC236}">
-                <a16:creationId xmlns="" xmlns:a16="http://schemas.microsoft.com/office/drawing/2014/main" id="{DFC2E9E1-A3F6-4AA8-8C9A-9F3695FBB261}"/>
+                <a16:creationId xmlns:a16="http://schemas.microsoft.com/office/drawing/2014/main" xmlns="" id="{DFC2E9E1-A3F6-4AA8-8C9A-9F3695FBB261}"/>
               </a:ext>
             </a:extLst>
           </p:cNvPr>
@@ -7943,7 +8067,7 @@
           <p:cNvPr id="31" name="TextBox 30">
             <a:extLst>
               <a:ext uri="{FF2B5EF4-FFF2-40B4-BE49-F238E27FC236}">
-                <a16:creationId xmlns="" xmlns:a16="http://schemas.microsoft.com/office/drawing/2014/main" id="{07A69552-D889-4FE7-A940-160B95A6EBFB}"/>
+                <a16:creationId xmlns:a16="http://schemas.microsoft.com/office/drawing/2014/main" xmlns="" id="{07A69552-D889-4FE7-A940-160B95A6EBFB}"/>
               </a:ext>
             </a:extLst>
           </p:cNvPr>
@@ -8500,7 +8624,7 @@
           <p:cNvPr id="6" name="TextBox 5">
             <a:extLst>
               <a:ext uri="{FF2B5EF4-FFF2-40B4-BE49-F238E27FC236}">
-                <a16:creationId xmlns="" xmlns:a16="http://schemas.microsoft.com/office/drawing/2014/main" id="{748FAB66-ED3A-4A55-BF7B-7C60EBE78440}"/>
+                <a16:creationId xmlns:a16="http://schemas.microsoft.com/office/drawing/2014/main" xmlns="" id="{748FAB66-ED3A-4A55-BF7B-7C60EBE78440}"/>
               </a:ext>
             </a:extLst>
           </p:cNvPr>
@@ -8571,7 +8695,7 @@
           <p:cNvPr id="3" name="Picture 2">
             <a:extLst>
               <a:ext uri="{FF2B5EF4-FFF2-40B4-BE49-F238E27FC236}">
-                <a16:creationId xmlns="" xmlns:a16="http://schemas.microsoft.com/office/drawing/2014/main" id="{3CA9F015-9E25-47EA-A011-CE1DB4BB0528}"/>
+                <a16:creationId xmlns:a16="http://schemas.microsoft.com/office/drawing/2014/main" xmlns="" id="{3CA9F015-9E25-47EA-A011-CE1DB4BB0528}"/>
               </a:ext>
             </a:extLst>
           </p:cNvPr>
@@ -8601,7 +8725,7 @@
           <p:cNvPr id="8" name="Straight Arrow Connector 7">
             <a:extLst>
               <a:ext uri="{FF2B5EF4-FFF2-40B4-BE49-F238E27FC236}">
-                <a16:creationId xmlns="" xmlns:a16="http://schemas.microsoft.com/office/drawing/2014/main" id="{A4D1B72C-0E2C-410E-B2A7-AA2002CEDCF1}"/>
+                <a16:creationId xmlns:a16="http://schemas.microsoft.com/office/drawing/2014/main" xmlns="" id="{A4D1B72C-0E2C-410E-B2A7-AA2002CEDCF1}"/>
               </a:ext>
             </a:extLst>
           </p:cNvPr>
@@ -8647,7 +8771,7 @@
           <p:cNvPr id="11" name="TextBox 10">
             <a:extLst>
               <a:ext uri="{FF2B5EF4-FFF2-40B4-BE49-F238E27FC236}">
-                <a16:creationId xmlns="" xmlns:a16="http://schemas.microsoft.com/office/drawing/2014/main" id="{C59FCB0E-7FA6-457A-BBE6-FDC74FD05722}"/>
+                <a16:creationId xmlns:a16="http://schemas.microsoft.com/office/drawing/2014/main" xmlns="" id="{C59FCB0E-7FA6-457A-BBE6-FDC74FD05722}"/>
               </a:ext>
             </a:extLst>
           </p:cNvPr>
@@ -8851,7 +8975,7 @@
               <p:cNvPr id="3" name="TextBox 2">
                 <a:extLst>
                   <a:ext uri="{FF2B5EF4-FFF2-40B4-BE49-F238E27FC236}">
-                    <a16:creationId xmlns="" xmlns:a16="http://schemas.microsoft.com/office/drawing/2014/main" id="{AC698642-D6AB-4E7C-A95E-881923E569CB}"/>
+                    <a16:creationId xmlns:a16="http://schemas.microsoft.com/office/drawing/2014/main" xmlns="" id="{AC698642-D6AB-4E7C-A95E-881923E569CB}"/>
                   </a:ext>
                 </a:extLst>
               </p:cNvPr>
@@ -9189,7 +9313,7 @@
           <p:cNvPr id="12" name="Group 11">
             <a:extLst>
               <a:ext uri="{FF2B5EF4-FFF2-40B4-BE49-F238E27FC236}">
-                <a16:creationId xmlns="" xmlns:a16="http://schemas.microsoft.com/office/drawing/2014/main" id="{F537BC08-70E9-4CE3-A62E-D8C4D185496A}"/>
+                <a16:creationId xmlns:a16="http://schemas.microsoft.com/office/drawing/2014/main" xmlns="" id="{F537BC08-70E9-4CE3-A62E-D8C4D185496A}"/>
               </a:ext>
             </a:extLst>
           </p:cNvPr>
@@ -9209,7 +9333,7 @@
             <p:cNvPr id="7" name="TextBox 6">
               <a:extLst>
                 <a:ext uri="{FF2B5EF4-FFF2-40B4-BE49-F238E27FC236}">
-                  <a16:creationId xmlns="" xmlns:a16="http://schemas.microsoft.com/office/drawing/2014/main" id="{7F6615D4-082B-4EA2-9581-47FCA3E54193}"/>
+                  <a16:creationId xmlns:a16="http://schemas.microsoft.com/office/drawing/2014/main" xmlns="" id="{7F6615D4-082B-4EA2-9581-47FCA3E54193}"/>
                 </a:ext>
               </a:extLst>
             </p:cNvPr>
@@ -9251,7 +9375,7 @@
             <p:cNvPr id="6" name="TextBox 5">
               <a:extLst>
                 <a:ext uri="{FF2B5EF4-FFF2-40B4-BE49-F238E27FC236}">
-                  <a16:creationId xmlns="" xmlns:a16="http://schemas.microsoft.com/office/drawing/2014/main" id="{0F34E14E-C3AD-4C36-92CA-633E97AD2DBE}"/>
+                  <a16:creationId xmlns:a16="http://schemas.microsoft.com/office/drawing/2014/main" xmlns="" id="{0F34E14E-C3AD-4C36-92CA-633E97AD2DBE}"/>
                 </a:ext>
               </a:extLst>
             </p:cNvPr>
@@ -9334,7 +9458,7 @@
             <p:cNvPr id="11" name="Picture 10" descr="Transpose - Wikipedia - Mozilla Firefox">
               <a:extLst>
                 <a:ext uri="{FF2B5EF4-FFF2-40B4-BE49-F238E27FC236}">
-                  <a16:creationId xmlns="" xmlns:a16="http://schemas.microsoft.com/office/drawing/2014/main" id="{9FDD314E-8DB3-4D86-9BF5-8DDD5ED2FE61}"/>
+                  <a16:creationId xmlns:a16="http://schemas.microsoft.com/office/drawing/2014/main" xmlns="" id="{9FDD314E-8DB3-4D86-9BF5-8DDD5ED2FE61}"/>
                 </a:ext>
               </a:extLst>
             </p:cNvPr>
@@ -9624,7 +9748,7 @@
           <p:cNvPr id="2" name="Picture 1">
             <a:extLst>
               <a:ext uri="{FF2B5EF4-FFF2-40B4-BE49-F238E27FC236}">
-                <a16:creationId xmlns="" xmlns:a16="http://schemas.microsoft.com/office/drawing/2014/main" id="{EABDA5A3-2103-42B6-85A9-FCB2F1AA100A}"/>
+                <a16:creationId xmlns:a16="http://schemas.microsoft.com/office/drawing/2014/main" xmlns="" id="{EABDA5A3-2103-42B6-85A9-FCB2F1AA100A}"/>
               </a:ext>
             </a:extLst>
           </p:cNvPr>
@@ -9691,7 +9815,7 @@
           <p:cNvPr id="2" name="TextBox 1">
             <a:extLst>
               <a:ext uri="{FF2B5EF4-FFF2-40B4-BE49-F238E27FC236}">
-                <a16:creationId xmlns="" xmlns:a16="http://schemas.microsoft.com/office/drawing/2014/main" id="{604FCC24-5774-4D19-AE3C-892BD5CB9036}"/>
+                <a16:creationId xmlns:a16="http://schemas.microsoft.com/office/drawing/2014/main" xmlns="" id="{604FCC24-5774-4D19-AE3C-892BD5CB9036}"/>
               </a:ext>
             </a:extLst>
           </p:cNvPr>
@@ -9742,7 +9866,7 @@
           <p:cNvPr id="3" name="Group 2">
             <a:extLst>
               <a:ext uri="{FF2B5EF4-FFF2-40B4-BE49-F238E27FC236}">
-                <a16:creationId xmlns="" xmlns:a16="http://schemas.microsoft.com/office/drawing/2014/main" id="{CE464BD9-5310-42F6-A7C4-93F1F61D4D24}"/>
+                <a16:creationId xmlns:a16="http://schemas.microsoft.com/office/drawing/2014/main" xmlns="" id="{CE464BD9-5310-42F6-A7C4-93F1F61D4D24}"/>
               </a:ext>
             </a:extLst>
           </p:cNvPr>
@@ -9762,7 +9886,7 @@
             <p:cNvPr id="21" name="TextBox 20">
               <a:extLst>
                 <a:ext uri="{FF2B5EF4-FFF2-40B4-BE49-F238E27FC236}">
-                  <a16:creationId xmlns="" xmlns:a16="http://schemas.microsoft.com/office/drawing/2014/main" id="{21423D16-E797-416E-8FCF-A743D2F430FE}"/>
+                  <a16:creationId xmlns:a16="http://schemas.microsoft.com/office/drawing/2014/main" xmlns="" id="{21423D16-E797-416E-8FCF-A743D2F430FE}"/>
                 </a:ext>
               </a:extLst>
             </p:cNvPr>
@@ -9798,7 +9922,7 @@
             <p:cNvPr id="31" name="Picture 30">
               <a:extLst>
                 <a:ext uri="{FF2B5EF4-FFF2-40B4-BE49-F238E27FC236}">
-                  <a16:creationId xmlns="" xmlns:a16="http://schemas.microsoft.com/office/drawing/2014/main" id="{541970E9-3BD4-4077-B6F0-CBCE53AD616B}"/>
+                  <a16:creationId xmlns:a16="http://schemas.microsoft.com/office/drawing/2014/main" xmlns="" id="{541970E9-3BD4-4077-B6F0-CBCE53AD616B}"/>
                 </a:ext>
               </a:extLst>
             </p:cNvPr>
@@ -9828,7 +9952,7 @@
           <p:cNvPr id="13" name="Group 12">
             <a:extLst>
               <a:ext uri="{FF2B5EF4-FFF2-40B4-BE49-F238E27FC236}">
-                <a16:creationId xmlns="" xmlns:a16="http://schemas.microsoft.com/office/drawing/2014/main" id="{625C22DD-32D6-405A-BF71-7BFA483AA6D8}"/>
+                <a16:creationId xmlns:a16="http://schemas.microsoft.com/office/drawing/2014/main" xmlns="" id="{625C22DD-32D6-405A-BF71-7BFA483AA6D8}"/>
               </a:ext>
             </a:extLst>
           </p:cNvPr>
@@ -9848,7 +9972,7 @@
             <p:cNvPr id="32" name="TextBox 31">
               <a:extLst>
                 <a:ext uri="{FF2B5EF4-FFF2-40B4-BE49-F238E27FC236}">
-                  <a16:creationId xmlns="" xmlns:a16="http://schemas.microsoft.com/office/drawing/2014/main" id="{AD525247-3C34-442D-86FE-62B6EC5F7910}"/>
+                  <a16:creationId xmlns:a16="http://schemas.microsoft.com/office/drawing/2014/main" xmlns="" id="{AD525247-3C34-442D-86FE-62B6EC5F7910}"/>
                 </a:ext>
               </a:extLst>
             </p:cNvPr>
@@ -9891,7 +10015,7 @@
             <p:cNvPr id="10" name="Picture 9">
               <a:extLst>
                 <a:ext uri="{FF2B5EF4-FFF2-40B4-BE49-F238E27FC236}">
-                  <a16:creationId xmlns="" xmlns:a16="http://schemas.microsoft.com/office/drawing/2014/main" id="{AD2927ED-FCF9-42EC-9C97-CE6279117E5D}"/>
+                  <a16:creationId xmlns:a16="http://schemas.microsoft.com/office/drawing/2014/main" xmlns="" id="{AD2927ED-FCF9-42EC-9C97-CE6279117E5D}"/>
                 </a:ext>
               </a:extLst>
             </p:cNvPr>
@@ -9921,7 +10045,7 @@
             <p:cNvPr id="34" name="TextBox 33">
               <a:extLst>
                 <a:ext uri="{FF2B5EF4-FFF2-40B4-BE49-F238E27FC236}">
-                  <a16:creationId xmlns="" xmlns:a16="http://schemas.microsoft.com/office/drawing/2014/main" id="{F90E9CCD-200A-4788-B473-BF521CAF4376}"/>
+                  <a16:creationId xmlns:a16="http://schemas.microsoft.com/office/drawing/2014/main" xmlns="" id="{F90E9CCD-200A-4788-B473-BF521CAF4376}"/>
                 </a:ext>
               </a:extLst>
             </p:cNvPr>
@@ -10006,7 +10130,7 @@
           <p:cNvPr id="2" name="TextBox 1">
             <a:extLst>
               <a:ext uri="{FF2B5EF4-FFF2-40B4-BE49-F238E27FC236}">
-                <a16:creationId xmlns="" xmlns:a16="http://schemas.microsoft.com/office/drawing/2014/main" id="{604FCC24-5774-4D19-AE3C-892BD5CB9036}"/>
+                <a16:creationId xmlns:a16="http://schemas.microsoft.com/office/drawing/2014/main" xmlns="" id="{604FCC24-5774-4D19-AE3C-892BD5CB9036}"/>
               </a:ext>
             </a:extLst>
           </p:cNvPr>
@@ -10057,7 +10181,7 @@
           <p:cNvPr id="21" name="TextBox 20">
             <a:extLst>
               <a:ext uri="{FF2B5EF4-FFF2-40B4-BE49-F238E27FC236}">
-                <a16:creationId xmlns="" xmlns:a16="http://schemas.microsoft.com/office/drawing/2014/main" id="{21423D16-E797-416E-8FCF-A743D2F430FE}"/>
+                <a16:creationId xmlns:a16="http://schemas.microsoft.com/office/drawing/2014/main" xmlns="" id="{21423D16-E797-416E-8FCF-A743D2F430FE}"/>
               </a:ext>
             </a:extLst>
           </p:cNvPr>
@@ -10112,7 +10236,7 @@
           <p:cNvPr id="14" name="Picture 13">
             <a:extLst>
               <a:ext uri="{FF2B5EF4-FFF2-40B4-BE49-F238E27FC236}">
-                <a16:creationId xmlns="" xmlns:a16="http://schemas.microsoft.com/office/drawing/2014/main" id="{6865E7EA-1CAA-4E0B-B74B-8DD7180059AA}"/>
+                <a16:creationId xmlns:a16="http://schemas.microsoft.com/office/drawing/2014/main" xmlns="" id="{6865E7EA-1CAA-4E0B-B74B-8DD7180059AA}"/>
               </a:ext>
             </a:extLst>
           </p:cNvPr>
@@ -10142,7 +10266,7 @@
           <p:cNvPr id="39" name="TextBox 38">
             <a:extLst>
               <a:ext uri="{FF2B5EF4-FFF2-40B4-BE49-F238E27FC236}">
-                <a16:creationId xmlns="" xmlns:a16="http://schemas.microsoft.com/office/drawing/2014/main" id="{67703E7E-0B5D-403C-8879-194AEB50582B}"/>
+                <a16:creationId xmlns:a16="http://schemas.microsoft.com/office/drawing/2014/main" xmlns="" id="{67703E7E-0B5D-403C-8879-194AEB50582B}"/>
               </a:ext>
             </a:extLst>
           </p:cNvPr>
@@ -10197,7 +10321,7 @@
           <p:cNvPr id="15" name="Picture 14">
             <a:extLst>
               <a:ext uri="{FF2B5EF4-FFF2-40B4-BE49-F238E27FC236}">
-                <a16:creationId xmlns="" xmlns:a16="http://schemas.microsoft.com/office/drawing/2014/main" id="{4EEB0CA1-9B6B-405D-B2D6-43C6A3A6EE92}"/>
+                <a16:creationId xmlns:a16="http://schemas.microsoft.com/office/drawing/2014/main" xmlns="" id="{4EEB0CA1-9B6B-405D-B2D6-43C6A3A6EE92}"/>
               </a:ext>
             </a:extLst>
           </p:cNvPr>
@@ -10227,7 +10351,7 @@
           <p:cNvPr id="40" name="TextBox 39">
             <a:extLst>
               <a:ext uri="{FF2B5EF4-FFF2-40B4-BE49-F238E27FC236}">
-                <a16:creationId xmlns="" xmlns:a16="http://schemas.microsoft.com/office/drawing/2014/main" id="{3CEF73B0-1F11-42A7-98E4-35611286079B}"/>
+                <a16:creationId xmlns:a16="http://schemas.microsoft.com/office/drawing/2014/main" xmlns="" id="{3CEF73B0-1F11-42A7-98E4-35611286079B}"/>
               </a:ext>
             </a:extLst>
           </p:cNvPr>
@@ -10299,7 +10423,7 @@
           <p:cNvPr id="2" name="TextBox 1">
             <a:extLst>
               <a:ext uri="{FF2B5EF4-FFF2-40B4-BE49-F238E27FC236}">
-                <a16:creationId xmlns="" xmlns:a16="http://schemas.microsoft.com/office/drawing/2014/main" id="{604FCC24-5774-4D19-AE3C-892BD5CB9036}"/>
+                <a16:creationId xmlns:a16="http://schemas.microsoft.com/office/drawing/2014/main" xmlns="" id="{604FCC24-5774-4D19-AE3C-892BD5CB9036}"/>
               </a:ext>
             </a:extLst>
           </p:cNvPr>
@@ -10350,7 +10474,7 @@
           <p:cNvPr id="15" name="Picture 14">
             <a:extLst>
               <a:ext uri="{FF2B5EF4-FFF2-40B4-BE49-F238E27FC236}">
-                <a16:creationId xmlns="" xmlns:a16="http://schemas.microsoft.com/office/drawing/2014/main" id="{4EEB0CA1-9B6B-405D-B2D6-43C6A3A6EE92}"/>
+                <a16:creationId xmlns:a16="http://schemas.microsoft.com/office/drawing/2014/main" xmlns="" id="{4EEB0CA1-9B6B-405D-B2D6-43C6A3A6EE92}"/>
               </a:ext>
             </a:extLst>
           </p:cNvPr>
@@ -10380,7 +10504,7 @@
           <p:cNvPr id="8" name="Picture 7">
             <a:extLst>
               <a:ext uri="{FF2B5EF4-FFF2-40B4-BE49-F238E27FC236}">
-                <a16:creationId xmlns="" xmlns:a16="http://schemas.microsoft.com/office/drawing/2014/main" id="{4471E72E-AA64-4FEA-B7B8-131BD38222C3}"/>
+                <a16:creationId xmlns:a16="http://schemas.microsoft.com/office/drawing/2014/main" xmlns="" id="{4471E72E-AA64-4FEA-B7B8-131BD38222C3}"/>
               </a:ext>
             </a:extLst>
           </p:cNvPr>
@@ -10410,7 +10534,7 @@
           <p:cNvPr id="9" name="TextBox 8">
             <a:extLst>
               <a:ext uri="{FF2B5EF4-FFF2-40B4-BE49-F238E27FC236}">
-                <a16:creationId xmlns="" xmlns:a16="http://schemas.microsoft.com/office/drawing/2014/main" id="{268C0CA2-DBC5-46F6-B369-3F4A7AFD726C}"/>
+                <a16:creationId xmlns:a16="http://schemas.microsoft.com/office/drawing/2014/main" xmlns="" id="{268C0CA2-DBC5-46F6-B369-3F4A7AFD726C}"/>
               </a:ext>
             </a:extLst>
           </p:cNvPr>
@@ -10513,7 +10637,7 @@
           <p:cNvPr id="5" name="Group 4">
             <a:extLst>
               <a:ext uri="{FF2B5EF4-FFF2-40B4-BE49-F238E27FC236}">
-                <a16:creationId xmlns="" xmlns:a16="http://schemas.microsoft.com/office/drawing/2014/main" id="{47B4446F-5EEA-4339-8514-43F1C9C8906A}"/>
+                <a16:creationId xmlns:a16="http://schemas.microsoft.com/office/drawing/2014/main" xmlns="" id="{47B4446F-5EEA-4339-8514-43F1C9C8906A}"/>
               </a:ext>
             </a:extLst>
           </p:cNvPr>
@@ -10535,7 +10659,7 @@
             <p:cNvPr id="3" name="Picture 2">
               <a:extLst>
                 <a:ext uri="{FF2B5EF4-FFF2-40B4-BE49-F238E27FC236}">
-                  <a16:creationId xmlns="" xmlns:a16="http://schemas.microsoft.com/office/drawing/2014/main" id="{0F07178B-F3A9-42FB-9911-50B8F4DB7B14}"/>
+                  <a16:creationId xmlns:a16="http://schemas.microsoft.com/office/drawing/2014/main" xmlns="" id="{0F07178B-F3A9-42FB-9911-50B8F4DB7B14}"/>
                 </a:ext>
               </a:extLst>
             </p:cNvPr>
@@ -10565,7 +10689,7 @@
             <p:cNvPr id="4" name="Rectangle 3">
               <a:extLst>
                 <a:ext uri="{FF2B5EF4-FFF2-40B4-BE49-F238E27FC236}">
-                  <a16:creationId xmlns="" xmlns:a16="http://schemas.microsoft.com/office/drawing/2014/main" id="{ECD314BF-9124-4216-8DAC-32FEE28B4F84}"/>
+                  <a16:creationId xmlns:a16="http://schemas.microsoft.com/office/drawing/2014/main" xmlns="" id="{ECD314BF-9124-4216-8DAC-32FEE28B4F84}"/>
                 </a:ext>
               </a:extLst>
             </p:cNvPr>
@@ -10618,7 +10742,7 @@
           <p:cNvPr id="13" name="TextBox 12">
             <a:extLst>
               <a:ext uri="{FF2B5EF4-FFF2-40B4-BE49-F238E27FC236}">
-                <a16:creationId xmlns="" xmlns:a16="http://schemas.microsoft.com/office/drawing/2014/main" id="{D5B9C70C-F2EE-4A2A-B793-B475508C7A86}"/>
+                <a16:creationId xmlns:a16="http://schemas.microsoft.com/office/drawing/2014/main" xmlns="" id="{D5B9C70C-F2EE-4A2A-B793-B475508C7A86}"/>
               </a:ext>
             </a:extLst>
           </p:cNvPr>
@@ -10690,7 +10814,7 @@
           <p:cNvPr id="2" name="TextBox 1">
             <a:extLst>
               <a:ext uri="{FF2B5EF4-FFF2-40B4-BE49-F238E27FC236}">
-                <a16:creationId xmlns="" xmlns:a16="http://schemas.microsoft.com/office/drawing/2014/main" id="{604FCC24-5774-4D19-AE3C-892BD5CB9036}"/>
+                <a16:creationId xmlns:a16="http://schemas.microsoft.com/office/drawing/2014/main" xmlns="" id="{604FCC24-5774-4D19-AE3C-892BD5CB9036}"/>
               </a:ext>
             </a:extLst>
           </p:cNvPr>
@@ -10741,7 +10865,7 @@
           <p:cNvPr id="15" name="Picture 14">
             <a:extLst>
               <a:ext uri="{FF2B5EF4-FFF2-40B4-BE49-F238E27FC236}">
-                <a16:creationId xmlns="" xmlns:a16="http://schemas.microsoft.com/office/drawing/2014/main" id="{4EEB0CA1-9B6B-405D-B2D6-43C6A3A6EE92}"/>
+                <a16:creationId xmlns:a16="http://schemas.microsoft.com/office/drawing/2014/main" xmlns="" id="{4EEB0CA1-9B6B-405D-B2D6-43C6A3A6EE92}"/>
               </a:ext>
             </a:extLst>
           </p:cNvPr>
@@ -10771,7 +10895,7 @@
           <p:cNvPr id="8" name="Picture 7">
             <a:extLst>
               <a:ext uri="{FF2B5EF4-FFF2-40B4-BE49-F238E27FC236}">
-                <a16:creationId xmlns="" xmlns:a16="http://schemas.microsoft.com/office/drawing/2014/main" id="{4471E72E-AA64-4FEA-B7B8-131BD38222C3}"/>
+                <a16:creationId xmlns:a16="http://schemas.microsoft.com/office/drawing/2014/main" xmlns="" id="{4471E72E-AA64-4FEA-B7B8-131BD38222C3}"/>
               </a:ext>
             </a:extLst>
           </p:cNvPr>
@@ -10801,7 +10925,7 @@
           <p:cNvPr id="9" name="TextBox 8">
             <a:extLst>
               <a:ext uri="{FF2B5EF4-FFF2-40B4-BE49-F238E27FC236}">
-                <a16:creationId xmlns="" xmlns:a16="http://schemas.microsoft.com/office/drawing/2014/main" id="{268C0CA2-DBC5-46F6-B369-3F4A7AFD726C}"/>
+                <a16:creationId xmlns:a16="http://schemas.microsoft.com/office/drawing/2014/main" xmlns="" id="{268C0CA2-DBC5-46F6-B369-3F4A7AFD726C}"/>
               </a:ext>
             </a:extLst>
           </p:cNvPr>
@@ -10845,7 +10969,7 @@
           <p:cNvPr id="5" name="Group 4">
             <a:extLst>
               <a:ext uri="{FF2B5EF4-FFF2-40B4-BE49-F238E27FC236}">
-                <a16:creationId xmlns="" xmlns:a16="http://schemas.microsoft.com/office/drawing/2014/main" id="{47B4446F-5EEA-4339-8514-43F1C9C8906A}"/>
+                <a16:creationId xmlns:a16="http://schemas.microsoft.com/office/drawing/2014/main" xmlns="" id="{47B4446F-5EEA-4339-8514-43F1C9C8906A}"/>
               </a:ext>
             </a:extLst>
           </p:cNvPr>
@@ -10867,7 +10991,7 @@
             <p:cNvPr id="3" name="Picture 2">
               <a:extLst>
                 <a:ext uri="{FF2B5EF4-FFF2-40B4-BE49-F238E27FC236}">
-                  <a16:creationId xmlns="" xmlns:a16="http://schemas.microsoft.com/office/drawing/2014/main" id="{0F07178B-F3A9-42FB-9911-50B8F4DB7B14}"/>
+                  <a16:creationId xmlns:a16="http://schemas.microsoft.com/office/drawing/2014/main" xmlns="" id="{0F07178B-F3A9-42FB-9911-50B8F4DB7B14}"/>
                 </a:ext>
               </a:extLst>
             </p:cNvPr>
@@ -10897,7 +11021,7 @@
             <p:cNvPr id="4" name="Rectangle 3">
               <a:extLst>
                 <a:ext uri="{FF2B5EF4-FFF2-40B4-BE49-F238E27FC236}">
-                  <a16:creationId xmlns="" xmlns:a16="http://schemas.microsoft.com/office/drawing/2014/main" id="{ECD314BF-9124-4216-8DAC-32FEE28B4F84}"/>
+                  <a16:creationId xmlns:a16="http://schemas.microsoft.com/office/drawing/2014/main" xmlns="" id="{ECD314BF-9124-4216-8DAC-32FEE28B4F84}"/>
                 </a:ext>
               </a:extLst>
             </p:cNvPr>
@@ -10950,7 +11074,7 @@
           <p:cNvPr id="13" name="TextBox 12">
             <a:extLst>
               <a:ext uri="{FF2B5EF4-FFF2-40B4-BE49-F238E27FC236}">
-                <a16:creationId xmlns="" xmlns:a16="http://schemas.microsoft.com/office/drawing/2014/main" id="{D5B9C70C-F2EE-4A2A-B793-B475508C7A86}"/>
+                <a16:creationId xmlns:a16="http://schemas.microsoft.com/office/drawing/2014/main" xmlns="" id="{D5B9C70C-F2EE-4A2A-B793-B475508C7A86}"/>
               </a:ext>
             </a:extLst>
           </p:cNvPr>
@@ -10985,7 +11109,7 @@
           <p:cNvPr id="10" name="Group 9">
             <a:extLst>
               <a:ext uri="{FF2B5EF4-FFF2-40B4-BE49-F238E27FC236}">
-                <a16:creationId xmlns="" xmlns:a16="http://schemas.microsoft.com/office/drawing/2014/main" id="{EFB049B6-51F5-403F-9B69-766F461727ED}"/>
+                <a16:creationId xmlns:a16="http://schemas.microsoft.com/office/drawing/2014/main" xmlns="" id="{EFB049B6-51F5-403F-9B69-766F461727ED}"/>
               </a:ext>
             </a:extLst>
           </p:cNvPr>
@@ -11005,7 +11129,7 @@
             <p:cNvPr id="6" name="Picture 5">
               <a:extLst>
                 <a:ext uri="{FF2B5EF4-FFF2-40B4-BE49-F238E27FC236}">
-                  <a16:creationId xmlns="" xmlns:a16="http://schemas.microsoft.com/office/drawing/2014/main" id="{9D9AD99E-6D86-4F20-A939-BF170F986784}"/>
+                  <a16:creationId xmlns:a16="http://schemas.microsoft.com/office/drawing/2014/main" xmlns="" id="{9D9AD99E-6D86-4F20-A939-BF170F986784}"/>
                 </a:ext>
               </a:extLst>
             </p:cNvPr>
@@ -11035,7 +11159,7 @@
             <p:cNvPr id="7" name="Rectangle 6">
               <a:extLst>
                 <a:ext uri="{FF2B5EF4-FFF2-40B4-BE49-F238E27FC236}">
-                  <a16:creationId xmlns="" xmlns:a16="http://schemas.microsoft.com/office/drawing/2014/main" id="{C0F4D97C-18AB-4370-B57D-754BAEADB717}"/>
+                  <a16:creationId xmlns:a16="http://schemas.microsoft.com/office/drawing/2014/main" xmlns="" id="{C0F4D97C-18AB-4370-B57D-754BAEADB717}"/>
                 </a:ext>
               </a:extLst>
             </p:cNvPr>
@@ -11088,7 +11212,7 @@
           <p:cNvPr id="14" name="TextBox 13">
             <a:extLst>
               <a:ext uri="{FF2B5EF4-FFF2-40B4-BE49-F238E27FC236}">
-                <a16:creationId xmlns="" xmlns:a16="http://schemas.microsoft.com/office/drawing/2014/main" id="{D9FC6622-F2B7-44F3-9F5D-79C3858E58EB}"/>
+                <a16:creationId xmlns:a16="http://schemas.microsoft.com/office/drawing/2014/main" xmlns="" id="{D9FC6622-F2B7-44F3-9F5D-79C3858E58EB}"/>
               </a:ext>
             </a:extLst>
           </p:cNvPr>
@@ -11265,7 +11389,7 @@
           <p:cNvPr id="2" name="TextBox 1">
             <a:extLst>
               <a:ext uri="{FF2B5EF4-FFF2-40B4-BE49-F238E27FC236}">
-                <a16:creationId xmlns="" xmlns:a16="http://schemas.microsoft.com/office/drawing/2014/main" id="{604FCC24-5774-4D19-AE3C-892BD5CB9036}"/>
+                <a16:creationId xmlns:a16="http://schemas.microsoft.com/office/drawing/2014/main" xmlns="" id="{604FCC24-5774-4D19-AE3C-892BD5CB9036}"/>
               </a:ext>
             </a:extLst>
           </p:cNvPr>
@@ -11316,7 +11440,7 @@
           <p:cNvPr id="15" name="Picture 14">
             <a:extLst>
               <a:ext uri="{FF2B5EF4-FFF2-40B4-BE49-F238E27FC236}">
-                <a16:creationId xmlns="" xmlns:a16="http://schemas.microsoft.com/office/drawing/2014/main" id="{4EEB0CA1-9B6B-405D-B2D6-43C6A3A6EE92}"/>
+                <a16:creationId xmlns:a16="http://schemas.microsoft.com/office/drawing/2014/main" xmlns="" id="{4EEB0CA1-9B6B-405D-B2D6-43C6A3A6EE92}"/>
               </a:ext>
             </a:extLst>
           </p:cNvPr>
@@ -11346,7 +11470,7 @@
           <p:cNvPr id="8" name="Picture 7">
             <a:extLst>
               <a:ext uri="{FF2B5EF4-FFF2-40B4-BE49-F238E27FC236}">
-                <a16:creationId xmlns="" xmlns:a16="http://schemas.microsoft.com/office/drawing/2014/main" id="{4471E72E-AA64-4FEA-B7B8-131BD38222C3}"/>
+                <a16:creationId xmlns:a16="http://schemas.microsoft.com/office/drawing/2014/main" xmlns="" id="{4471E72E-AA64-4FEA-B7B8-131BD38222C3}"/>
               </a:ext>
             </a:extLst>
           </p:cNvPr>
@@ -11376,7 +11500,7 @@
           <p:cNvPr id="9" name="TextBox 8">
             <a:extLst>
               <a:ext uri="{FF2B5EF4-FFF2-40B4-BE49-F238E27FC236}">
-                <a16:creationId xmlns="" xmlns:a16="http://schemas.microsoft.com/office/drawing/2014/main" id="{268C0CA2-DBC5-46F6-B369-3F4A7AFD726C}"/>
+                <a16:creationId xmlns:a16="http://schemas.microsoft.com/office/drawing/2014/main" xmlns="" id="{268C0CA2-DBC5-46F6-B369-3F4A7AFD726C}"/>
               </a:ext>
             </a:extLst>
           </p:cNvPr>
@@ -11420,7 +11544,7 @@
           <p:cNvPr id="5" name="Group 4">
             <a:extLst>
               <a:ext uri="{FF2B5EF4-FFF2-40B4-BE49-F238E27FC236}">
-                <a16:creationId xmlns="" xmlns:a16="http://schemas.microsoft.com/office/drawing/2014/main" id="{47B4446F-5EEA-4339-8514-43F1C9C8906A}"/>
+                <a16:creationId xmlns:a16="http://schemas.microsoft.com/office/drawing/2014/main" xmlns="" id="{47B4446F-5EEA-4339-8514-43F1C9C8906A}"/>
               </a:ext>
             </a:extLst>
           </p:cNvPr>
@@ -11442,7 +11566,7 @@
             <p:cNvPr id="3" name="Picture 2">
               <a:extLst>
                 <a:ext uri="{FF2B5EF4-FFF2-40B4-BE49-F238E27FC236}">
-                  <a16:creationId xmlns="" xmlns:a16="http://schemas.microsoft.com/office/drawing/2014/main" id="{0F07178B-F3A9-42FB-9911-50B8F4DB7B14}"/>
+                  <a16:creationId xmlns:a16="http://schemas.microsoft.com/office/drawing/2014/main" xmlns="" id="{0F07178B-F3A9-42FB-9911-50B8F4DB7B14}"/>
                 </a:ext>
               </a:extLst>
             </p:cNvPr>
@@ -11472,7 +11596,7 @@
             <p:cNvPr id="4" name="Rectangle 3">
               <a:extLst>
                 <a:ext uri="{FF2B5EF4-FFF2-40B4-BE49-F238E27FC236}">
-                  <a16:creationId xmlns="" xmlns:a16="http://schemas.microsoft.com/office/drawing/2014/main" id="{ECD314BF-9124-4216-8DAC-32FEE28B4F84}"/>
+                  <a16:creationId xmlns:a16="http://schemas.microsoft.com/office/drawing/2014/main" xmlns="" id="{ECD314BF-9124-4216-8DAC-32FEE28B4F84}"/>
                 </a:ext>
               </a:extLst>
             </p:cNvPr>
@@ -11525,7 +11649,7 @@
           <p:cNvPr id="13" name="TextBox 12">
             <a:extLst>
               <a:ext uri="{FF2B5EF4-FFF2-40B4-BE49-F238E27FC236}">
-                <a16:creationId xmlns="" xmlns:a16="http://schemas.microsoft.com/office/drawing/2014/main" id="{D5B9C70C-F2EE-4A2A-B793-B475508C7A86}"/>
+                <a16:creationId xmlns:a16="http://schemas.microsoft.com/office/drawing/2014/main" xmlns="" id="{D5B9C70C-F2EE-4A2A-B793-B475508C7A86}"/>
               </a:ext>
             </a:extLst>
           </p:cNvPr>
@@ -11560,7 +11684,7 @@
           <p:cNvPr id="10" name="Group 9">
             <a:extLst>
               <a:ext uri="{FF2B5EF4-FFF2-40B4-BE49-F238E27FC236}">
-                <a16:creationId xmlns="" xmlns:a16="http://schemas.microsoft.com/office/drawing/2014/main" id="{EFB049B6-51F5-403F-9B69-766F461727ED}"/>
+                <a16:creationId xmlns:a16="http://schemas.microsoft.com/office/drawing/2014/main" xmlns="" id="{EFB049B6-51F5-403F-9B69-766F461727ED}"/>
               </a:ext>
             </a:extLst>
           </p:cNvPr>
@@ -11580,7 +11704,7 @@
             <p:cNvPr id="6" name="Picture 5">
               <a:extLst>
                 <a:ext uri="{FF2B5EF4-FFF2-40B4-BE49-F238E27FC236}">
-                  <a16:creationId xmlns="" xmlns:a16="http://schemas.microsoft.com/office/drawing/2014/main" id="{9D9AD99E-6D86-4F20-A939-BF170F986784}"/>
+                  <a16:creationId xmlns:a16="http://schemas.microsoft.com/office/drawing/2014/main" xmlns="" id="{9D9AD99E-6D86-4F20-A939-BF170F986784}"/>
                 </a:ext>
               </a:extLst>
             </p:cNvPr>
@@ -11610,7 +11734,7 @@
             <p:cNvPr id="7" name="Rectangle 6">
               <a:extLst>
                 <a:ext uri="{FF2B5EF4-FFF2-40B4-BE49-F238E27FC236}">
-                  <a16:creationId xmlns="" xmlns:a16="http://schemas.microsoft.com/office/drawing/2014/main" id="{C0F4D97C-18AB-4370-B57D-754BAEADB717}"/>
+                  <a16:creationId xmlns:a16="http://schemas.microsoft.com/office/drawing/2014/main" xmlns="" id="{C0F4D97C-18AB-4370-B57D-754BAEADB717}"/>
                 </a:ext>
               </a:extLst>
             </p:cNvPr>
@@ -11663,7 +11787,7 @@
           <p:cNvPr id="14" name="TextBox 13">
             <a:extLst>
               <a:ext uri="{FF2B5EF4-FFF2-40B4-BE49-F238E27FC236}">
-                <a16:creationId xmlns="" xmlns:a16="http://schemas.microsoft.com/office/drawing/2014/main" id="{D9FC6622-F2B7-44F3-9F5D-79C3858E58EB}"/>
+                <a16:creationId xmlns:a16="http://schemas.microsoft.com/office/drawing/2014/main" xmlns="" id="{D9FC6622-F2B7-44F3-9F5D-79C3858E58EB}"/>
               </a:ext>
             </a:extLst>
           </p:cNvPr>
@@ -11739,7 +11863,7 @@
           <p:cNvPr id="2" name="TextBox 1">
             <a:extLst>
               <a:ext uri="{FF2B5EF4-FFF2-40B4-BE49-F238E27FC236}">
-                <a16:creationId xmlns="" xmlns:a16="http://schemas.microsoft.com/office/drawing/2014/main" id="{604FCC24-5774-4D19-AE3C-892BD5CB9036}"/>
+                <a16:creationId xmlns:a16="http://schemas.microsoft.com/office/drawing/2014/main" xmlns="" id="{604FCC24-5774-4D19-AE3C-892BD5CB9036}"/>
               </a:ext>
             </a:extLst>
           </p:cNvPr>
@@ -11777,7 +11901,7 @@
           <p:cNvPr id="8" name="Group 7">
             <a:extLst>
               <a:ext uri="{FF2B5EF4-FFF2-40B4-BE49-F238E27FC236}">
-                <a16:creationId xmlns="" xmlns:a16="http://schemas.microsoft.com/office/drawing/2014/main" id="{01E02375-F4DA-4A99-B8F7-8F1708ECDA85}"/>
+                <a16:creationId xmlns:a16="http://schemas.microsoft.com/office/drawing/2014/main" xmlns="" id="{01E02375-F4DA-4A99-B8F7-8F1708ECDA85}"/>
               </a:ext>
             </a:extLst>
           </p:cNvPr>
@@ -11797,7 +11921,7 @@
             <p:cNvPr id="9" name="TextBox 8">
               <a:extLst>
                 <a:ext uri="{FF2B5EF4-FFF2-40B4-BE49-F238E27FC236}">
-                  <a16:creationId xmlns="" xmlns:a16="http://schemas.microsoft.com/office/drawing/2014/main" id="{A66282AF-7EDE-475D-8B4B-A5254CE01677}"/>
+                  <a16:creationId xmlns:a16="http://schemas.microsoft.com/office/drawing/2014/main" xmlns="" id="{A66282AF-7EDE-475D-8B4B-A5254CE01677}"/>
                 </a:ext>
               </a:extLst>
             </p:cNvPr>
@@ -11832,7 +11956,7 @@
             <p:cNvPr id="10" name="Picture 9">
               <a:extLst>
                 <a:ext uri="{FF2B5EF4-FFF2-40B4-BE49-F238E27FC236}">
-                  <a16:creationId xmlns="" xmlns:a16="http://schemas.microsoft.com/office/drawing/2014/main" id="{36FE8736-1BB8-485B-8E2F-6269E1482D99}"/>
+                  <a16:creationId xmlns:a16="http://schemas.microsoft.com/office/drawing/2014/main" xmlns="" id="{36FE8736-1BB8-485B-8E2F-6269E1482D99}"/>
                 </a:ext>
               </a:extLst>
             </p:cNvPr>
@@ -11863,7 +11987,7 @@
           <p:cNvPr id="11" name="Group 10">
             <a:extLst>
               <a:ext uri="{FF2B5EF4-FFF2-40B4-BE49-F238E27FC236}">
-                <a16:creationId xmlns="" xmlns:a16="http://schemas.microsoft.com/office/drawing/2014/main" id="{FEA8DE0C-DCDD-48F3-863F-A340EC92189C}"/>
+                <a16:creationId xmlns:a16="http://schemas.microsoft.com/office/drawing/2014/main" xmlns="" id="{FEA8DE0C-DCDD-48F3-863F-A340EC92189C}"/>
               </a:ext>
             </a:extLst>
           </p:cNvPr>
@@ -11883,7 +12007,7 @@
             <p:cNvPr id="12" name="Group 11">
               <a:extLst>
                 <a:ext uri="{FF2B5EF4-FFF2-40B4-BE49-F238E27FC236}">
-                  <a16:creationId xmlns="" xmlns:a16="http://schemas.microsoft.com/office/drawing/2014/main" id="{ED235553-BA2E-4151-AF57-6971B7C121EF}"/>
+                  <a16:creationId xmlns:a16="http://schemas.microsoft.com/office/drawing/2014/main" xmlns="" id="{ED235553-BA2E-4151-AF57-6971B7C121EF}"/>
                 </a:ext>
               </a:extLst>
             </p:cNvPr>
@@ -11903,7 +12027,7 @@
               <p:cNvPr id="18" name="TextBox 17">
                 <a:extLst>
                   <a:ext uri="{FF2B5EF4-FFF2-40B4-BE49-F238E27FC236}">
-                    <a16:creationId xmlns="" xmlns:a16="http://schemas.microsoft.com/office/drawing/2014/main" id="{04DB8D4D-38B0-4F62-A5C6-377A602BB7AF}"/>
+                    <a16:creationId xmlns:a16="http://schemas.microsoft.com/office/drawing/2014/main" xmlns="" id="{04DB8D4D-38B0-4F62-A5C6-377A602BB7AF}"/>
                   </a:ext>
                 </a:extLst>
               </p:cNvPr>
@@ -11938,7 +12062,7 @@
               <p:cNvPr id="19" name="Picture 18">
                 <a:extLst>
                   <a:ext uri="{FF2B5EF4-FFF2-40B4-BE49-F238E27FC236}">
-                    <a16:creationId xmlns="" xmlns:a16="http://schemas.microsoft.com/office/drawing/2014/main" id="{30AE7D7E-B1EE-4A5D-8BE8-38777325CD4A}"/>
+                    <a16:creationId xmlns:a16="http://schemas.microsoft.com/office/drawing/2014/main" xmlns="" id="{30AE7D7E-B1EE-4A5D-8BE8-38777325CD4A}"/>
                   </a:ext>
                 </a:extLst>
               </p:cNvPr>
@@ -11969,7 +12093,7 @@
             <p:cNvPr id="13" name="Straight Arrow Connector 12">
               <a:extLst>
                 <a:ext uri="{FF2B5EF4-FFF2-40B4-BE49-F238E27FC236}">
-                  <a16:creationId xmlns="" xmlns:a16="http://schemas.microsoft.com/office/drawing/2014/main" id="{E75C1CB4-FA46-468B-8FD2-57159DD6A69E}"/>
+                  <a16:creationId xmlns:a16="http://schemas.microsoft.com/office/drawing/2014/main" xmlns="" id="{E75C1CB4-FA46-468B-8FD2-57159DD6A69E}"/>
                 </a:ext>
               </a:extLst>
             </p:cNvPr>
@@ -12010,7 +12134,7 @@
             <p:cNvPr id="16" name="TextBox 15">
               <a:extLst>
                 <a:ext uri="{FF2B5EF4-FFF2-40B4-BE49-F238E27FC236}">
-                  <a16:creationId xmlns="" xmlns:a16="http://schemas.microsoft.com/office/drawing/2014/main" id="{1B23C4DF-503E-459A-AC8C-C9ED2F674302}"/>
+                  <a16:creationId xmlns:a16="http://schemas.microsoft.com/office/drawing/2014/main" xmlns="" id="{1B23C4DF-503E-459A-AC8C-C9ED2F674302}"/>
                 </a:ext>
               </a:extLst>
             </p:cNvPr>
@@ -12073,7 +12197,7 @@
             <p:cNvPr id="17" name="TextBox 16">
               <a:extLst>
                 <a:ext uri="{FF2B5EF4-FFF2-40B4-BE49-F238E27FC236}">
-                  <a16:creationId xmlns="" xmlns:a16="http://schemas.microsoft.com/office/drawing/2014/main" id="{0162580E-FD51-417B-94A6-A6588798624E}"/>
+                  <a16:creationId xmlns:a16="http://schemas.microsoft.com/office/drawing/2014/main" xmlns="" id="{0162580E-FD51-417B-94A6-A6588798624E}"/>
                 </a:ext>
               </a:extLst>
             </p:cNvPr>
@@ -12113,7 +12237,7 @@
           <p:cNvPr id="20" name="Group 19">
             <a:extLst>
               <a:ext uri="{FF2B5EF4-FFF2-40B4-BE49-F238E27FC236}">
-                <a16:creationId xmlns="" xmlns:a16="http://schemas.microsoft.com/office/drawing/2014/main" id="{C7C23E10-70FA-46C8-8FE2-78B698EAB06C}"/>
+                <a16:creationId xmlns:a16="http://schemas.microsoft.com/office/drawing/2014/main" xmlns="" id="{C7C23E10-70FA-46C8-8FE2-78B698EAB06C}"/>
               </a:ext>
             </a:extLst>
           </p:cNvPr>
@@ -12133,7 +12257,7 @@
             <p:cNvPr id="22" name="TextBox 21">
               <a:extLst>
                 <a:ext uri="{FF2B5EF4-FFF2-40B4-BE49-F238E27FC236}">
-                  <a16:creationId xmlns="" xmlns:a16="http://schemas.microsoft.com/office/drawing/2014/main" id="{E34EC561-D996-4A77-AAC2-8FB8394E2E96}"/>
+                  <a16:creationId xmlns:a16="http://schemas.microsoft.com/office/drawing/2014/main" xmlns="" id="{E34EC561-D996-4A77-AAC2-8FB8394E2E96}"/>
                 </a:ext>
               </a:extLst>
             </p:cNvPr>
@@ -12168,7 +12292,7 @@
             <p:cNvPr id="23" name="Picture 22">
               <a:extLst>
                 <a:ext uri="{FF2B5EF4-FFF2-40B4-BE49-F238E27FC236}">
-                  <a16:creationId xmlns="" xmlns:a16="http://schemas.microsoft.com/office/drawing/2014/main" id="{71AAD538-57CB-4289-8AB4-975F45E3E288}"/>
+                  <a16:creationId xmlns:a16="http://schemas.microsoft.com/office/drawing/2014/main" xmlns="" id="{71AAD538-57CB-4289-8AB4-975F45E3E288}"/>
                 </a:ext>
               </a:extLst>
             </p:cNvPr>
@@ -12199,7 +12323,7 @@
           <p:cNvPr id="25" name="TextBox 24">
             <a:extLst>
               <a:ext uri="{FF2B5EF4-FFF2-40B4-BE49-F238E27FC236}">
-                <a16:creationId xmlns="" xmlns:a16="http://schemas.microsoft.com/office/drawing/2014/main" id="{4E5B84F2-4C86-4903-AC34-DA61859F92CD}"/>
+                <a16:creationId xmlns:a16="http://schemas.microsoft.com/office/drawing/2014/main" xmlns="" id="{4E5B84F2-4C86-4903-AC34-DA61859F92CD}"/>
               </a:ext>
             </a:extLst>
           </p:cNvPr>
@@ -12242,7 +12366,7 @@
           <p:cNvPr id="3" name="Picture 2">
             <a:extLst>
               <a:ext uri="{FF2B5EF4-FFF2-40B4-BE49-F238E27FC236}">
-                <a16:creationId xmlns="" xmlns:a16="http://schemas.microsoft.com/office/drawing/2014/main" id="{D898E28B-526B-42AC-B135-877ABC7CDF7D}"/>
+                <a16:creationId xmlns:a16="http://schemas.microsoft.com/office/drawing/2014/main" xmlns="" id="{D898E28B-526B-42AC-B135-877ABC7CDF7D}"/>
               </a:ext>
             </a:extLst>
           </p:cNvPr>
@@ -12309,7 +12433,7 @@
           <p:cNvPr id="2" name="TextBox 1">
             <a:extLst>
               <a:ext uri="{FF2B5EF4-FFF2-40B4-BE49-F238E27FC236}">
-                <a16:creationId xmlns="" xmlns:a16="http://schemas.microsoft.com/office/drawing/2014/main" id="{604FCC24-5774-4D19-AE3C-892BD5CB9036}"/>
+                <a16:creationId xmlns:a16="http://schemas.microsoft.com/office/drawing/2014/main" xmlns="" id="{604FCC24-5774-4D19-AE3C-892BD5CB9036}"/>
               </a:ext>
             </a:extLst>
           </p:cNvPr>
@@ -12347,7 +12471,7 @@
           <p:cNvPr id="25" name="TextBox 24">
             <a:extLst>
               <a:ext uri="{FF2B5EF4-FFF2-40B4-BE49-F238E27FC236}">
-                <a16:creationId xmlns="" xmlns:a16="http://schemas.microsoft.com/office/drawing/2014/main" id="{4E5B84F2-4C86-4903-AC34-DA61859F92CD}"/>
+                <a16:creationId xmlns:a16="http://schemas.microsoft.com/office/drawing/2014/main" xmlns="" id="{4E5B84F2-4C86-4903-AC34-DA61859F92CD}"/>
               </a:ext>
             </a:extLst>
           </p:cNvPr>
@@ -12386,7 +12510,7 @@
           <p:cNvPr id="3" name="Picture 2">
             <a:extLst>
               <a:ext uri="{FF2B5EF4-FFF2-40B4-BE49-F238E27FC236}">
-                <a16:creationId xmlns="" xmlns:a16="http://schemas.microsoft.com/office/drawing/2014/main" id="{D898E28B-526B-42AC-B135-877ABC7CDF7D}"/>
+                <a16:creationId xmlns:a16="http://schemas.microsoft.com/office/drawing/2014/main" xmlns="" id="{D898E28B-526B-42AC-B135-877ABC7CDF7D}"/>
               </a:ext>
             </a:extLst>
           </p:cNvPr>
@@ -12416,7 +12540,7 @@
           <p:cNvPr id="29" name="TextBox 28">
             <a:extLst>
               <a:ext uri="{FF2B5EF4-FFF2-40B4-BE49-F238E27FC236}">
-                <a16:creationId xmlns="" xmlns:a16="http://schemas.microsoft.com/office/drawing/2014/main" id="{EB9D7308-152C-4813-94C3-D7E9991FDAA7}"/>
+                <a16:creationId xmlns:a16="http://schemas.microsoft.com/office/drawing/2014/main" xmlns="" id="{EB9D7308-152C-4813-94C3-D7E9991FDAA7}"/>
               </a:ext>
             </a:extLst>
           </p:cNvPr>
@@ -12483,7 +12607,7 @@
           <p:cNvPr id="5" name="Picture 4">
             <a:extLst>
               <a:ext uri="{FF2B5EF4-FFF2-40B4-BE49-F238E27FC236}">
-                <a16:creationId xmlns="" xmlns:a16="http://schemas.microsoft.com/office/drawing/2014/main" id="{1D1EE1A2-11DF-4098-AA5D-805602CD903D}"/>
+                <a16:creationId xmlns:a16="http://schemas.microsoft.com/office/drawing/2014/main" xmlns="" id="{1D1EE1A2-11DF-4098-AA5D-805602CD903D}"/>
               </a:ext>
             </a:extLst>
           </p:cNvPr>
@@ -12513,7 +12637,7 @@
           <p:cNvPr id="6" name="Rectangle 5">
             <a:extLst>
               <a:ext uri="{FF2B5EF4-FFF2-40B4-BE49-F238E27FC236}">
-                <a16:creationId xmlns="" xmlns:a16="http://schemas.microsoft.com/office/drawing/2014/main" id="{B22691BE-7797-44EA-A764-26D2E8EA2C58}"/>
+                <a16:creationId xmlns:a16="http://schemas.microsoft.com/office/drawing/2014/main" xmlns="" id="{B22691BE-7797-44EA-A764-26D2E8EA2C58}"/>
               </a:ext>
             </a:extLst>
           </p:cNvPr>

--- a/recitation8/cs1675_rec8_oct26.pptx
+++ b/recitation8/cs1675_rec8_oct26.pptx
@@ -5,7 +5,7 @@
     <p:sldMasterId id="2147483660" r:id="rId1"/>
   </p:sldMasterIdLst>
   <p:notesMasterIdLst>
-    <p:notesMasterId r:id="rId26"/>
+    <p:notesMasterId r:id="rId27"/>
   </p:notesMasterIdLst>
   <p:sldIdLst>
     <p:sldId id="258" r:id="rId2"/>
@@ -22,16 +22,17 @@
     <p:sldId id="283" r:id="rId13"/>
     <p:sldId id="284" r:id="rId14"/>
     <p:sldId id="285" r:id="rId15"/>
-    <p:sldId id="286" r:id="rId16"/>
-    <p:sldId id="287" r:id="rId17"/>
-    <p:sldId id="288" r:id="rId18"/>
-    <p:sldId id="289" r:id="rId19"/>
-    <p:sldId id="259" r:id="rId20"/>
-    <p:sldId id="264" r:id="rId21"/>
-    <p:sldId id="265" r:id="rId22"/>
-    <p:sldId id="267" r:id="rId23"/>
-    <p:sldId id="290" r:id="rId24"/>
-    <p:sldId id="291" r:id="rId25"/>
+    <p:sldId id="292" r:id="rId16"/>
+    <p:sldId id="286" r:id="rId17"/>
+    <p:sldId id="287" r:id="rId18"/>
+    <p:sldId id="288" r:id="rId19"/>
+    <p:sldId id="289" r:id="rId20"/>
+    <p:sldId id="259" r:id="rId21"/>
+    <p:sldId id="264" r:id="rId22"/>
+    <p:sldId id="265" r:id="rId23"/>
+    <p:sldId id="267" r:id="rId24"/>
+    <p:sldId id="290" r:id="rId25"/>
+    <p:sldId id="291" r:id="rId26"/>
   </p:sldIdLst>
   <p:sldSz cx="9144000" cy="6858000" type="screen4x3"/>
   <p:notesSz cx="6858000" cy="9144000"/>
@@ -243,7 +244,7 @@
           <a:p>
             <a:fld id="{79DACF82-7282-4538-9925-81D795D18BF0}" type="datetimeFigureOut">
               <a:rPr lang="en-US" smtClean="0"/>
-              <a:t>10/26/2018</a:t>
+              <a:t>10/28/2018</a:t>
             </a:fld>
             <a:endParaRPr lang="en-US"/>
           </a:p>
@@ -1088,7 +1089,7 @@
     </p:spTree>
     <p:extLst>
       <p:ext uri="{BB962C8B-B14F-4D97-AF65-F5344CB8AC3E}">
-        <p14:creationId xmlns:p14="http://schemas.microsoft.com/office/powerpoint/2010/main" val="1487069852"/>
+        <p14:creationId xmlns:p14="http://schemas.microsoft.com/office/powerpoint/2010/main" val="3459280382"/>
       </p:ext>
     </p:extLst>
   </p:cSld>
@@ -1172,7 +1173,7 @@
     </p:spTree>
     <p:extLst>
       <p:ext uri="{BB962C8B-B14F-4D97-AF65-F5344CB8AC3E}">
-        <p14:creationId xmlns:p14="http://schemas.microsoft.com/office/powerpoint/2010/main" val="1158589023"/>
+        <p14:creationId xmlns:p14="http://schemas.microsoft.com/office/powerpoint/2010/main" val="1487069852"/>
       </p:ext>
     </p:extLst>
   </p:cSld>
@@ -1256,7 +1257,7 @@
     </p:spTree>
     <p:extLst>
       <p:ext uri="{BB962C8B-B14F-4D97-AF65-F5344CB8AC3E}">
-        <p14:creationId xmlns:p14="http://schemas.microsoft.com/office/powerpoint/2010/main" val="163763878"/>
+        <p14:creationId xmlns:p14="http://schemas.microsoft.com/office/powerpoint/2010/main" val="1158589023"/>
       </p:ext>
     </p:extLst>
   </p:cSld>
@@ -1340,7 +1341,7 @@
     </p:spTree>
     <p:extLst>
       <p:ext uri="{BB962C8B-B14F-4D97-AF65-F5344CB8AC3E}">
-        <p14:creationId xmlns:p14="http://schemas.microsoft.com/office/powerpoint/2010/main" val="1781937429"/>
+        <p14:creationId xmlns:p14="http://schemas.microsoft.com/office/powerpoint/2010/main" val="163763878"/>
       </p:ext>
     </p:extLst>
   </p:cSld>
@@ -1424,7 +1425,7 @@
     </p:spTree>
     <p:extLst>
       <p:ext uri="{BB962C8B-B14F-4D97-AF65-F5344CB8AC3E}">
-        <p14:creationId xmlns:p14="http://schemas.microsoft.com/office/powerpoint/2010/main" val="3332297155"/>
+        <p14:creationId xmlns:p14="http://schemas.microsoft.com/office/powerpoint/2010/main" val="1781937429"/>
       </p:ext>
     </p:extLst>
   </p:cSld>
@@ -1592,7 +1593,7 @@
     </p:spTree>
     <p:extLst>
       <p:ext uri="{BB962C8B-B14F-4D97-AF65-F5344CB8AC3E}">
-        <p14:creationId xmlns:p14="http://schemas.microsoft.com/office/powerpoint/2010/main" val="4006882873"/>
+        <p14:creationId xmlns:p14="http://schemas.microsoft.com/office/powerpoint/2010/main" val="3332297155"/>
       </p:ext>
     </p:extLst>
   </p:cSld>
@@ -1676,7 +1677,7 @@
     </p:spTree>
     <p:extLst>
       <p:ext uri="{BB962C8B-B14F-4D97-AF65-F5344CB8AC3E}">
-        <p14:creationId xmlns:p14="http://schemas.microsoft.com/office/powerpoint/2010/main" val="1420944329"/>
+        <p14:creationId xmlns:p14="http://schemas.microsoft.com/office/powerpoint/2010/main" val="4006882873"/>
       </p:ext>
     </p:extLst>
   </p:cSld>
@@ -1760,7 +1761,7 @@
     </p:spTree>
     <p:extLst>
       <p:ext uri="{BB962C8B-B14F-4D97-AF65-F5344CB8AC3E}">
-        <p14:creationId xmlns:p14="http://schemas.microsoft.com/office/powerpoint/2010/main" val="3615656498"/>
+        <p14:creationId xmlns:p14="http://schemas.microsoft.com/office/powerpoint/2010/main" val="1420944329"/>
       </p:ext>
     </p:extLst>
   </p:cSld>
@@ -1844,7 +1845,7 @@
     </p:spTree>
     <p:extLst>
       <p:ext uri="{BB962C8B-B14F-4D97-AF65-F5344CB8AC3E}">
-        <p14:creationId xmlns:p14="http://schemas.microsoft.com/office/powerpoint/2010/main" val="2347628193"/>
+        <p14:creationId xmlns:p14="http://schemas.microsoft.com/office/powerpoint/2010/main" val="3615656498"/>
       </p:ext>
     </p:extLst>
   </p:cSld>
@@ -1920,6 +1921,90 @@
             <a:fld id="{EFAF9F6D-6F5B-4492-B20A-F0EFDC100956}" type="slidenum">
               <a:rPr lang="en-US" smtClean="0"/>
               <a:t>24</a:t>
+            </a:fld>
+            <a:endParaRPr lang="en-US"/>
+          </a:p>
+        </p:txBody>
+      </p:sp>
+    </p:spTree>
+    <p:extLst>
+      <p:ext uri="{BB962C8B-B14F-4D97-AF65-F5344CB8AC3E}">
+        <p14:creationId xmlns:p14="http://schemas.microsoft.com/office/powerpoint/2010/main" val="2347628193"/>
+      </p:ext>
+    </p:extLst>
+  </p:cSld>
+  <p:clrMapOvr>
+    <a:masterClrMapping/>
+  </p:clrMapOvr>
+</p:notes>
+</file>
+
+<file path=ppt/notesSlides/notesSlide25.xml><?xml version="1.0" encoding="utf-8"?>
+<p:notes xmlns:a="http://schemas.openxmlformats.org/drawingml/2006/main" xmlns:r="http://schemas.openxmlformats.org/officeDocument/2006/relationships" xmlns:p="http://schemas.openxmlformats.org/presentationml/2006/main">
+  <p:cSld>
+    <p:spTree>
+      <p:nvGrpSpPr>
+        <p:cNvPr id="1" name=""/>
+        <p:cNvGrpSpPr/>
+        <p:nvPr/>
+      </p:nvGrpSpPr>
+      <p:grpSpPr>
+        <a:xfrm>
+          <a:off x="0" y="0"/>
+          <a:ext cx="0" cy="0"/>
+          <a:chOff x="0" y="0"/>
+          <a:chExt cx="0" cy="0"/>
+        </a:xfrm>
+      </p:grpSpPr>
+      <p:sp>
+        <p:nvSpPr>
+          <p:cNvPr id="2" name="Slide Image Placeholder 1"/>
+          <p:cNvSpPr>
+            <a:spLocks noGrp="1" noRot="1" noChangeAspect="1"/>
+          </p:cNvSpPr>
+          <p:nvPr>
+            <p:ph type="sldImg"/>
+          </p:nvPr>
+        </p:nvSpPr>
+        <p:spPr/>
+      </p:sp>
+      <p:sp>
+        <p:nvSpPr>
+          <p:cNvPr id="3" name="Notes Placeholder 2"/>
+          <p:cNvSpPr>
+            <a:spLocks noGrp="1"/>
+          </p:cNvSpPr>
+          <p:nvPr>
+            <p:ph type="body" idx="1"/>
+          </p:nvPr>
+        </p:nvSpPr>
+        <p:spPr/>
+        <p:txBody>
+          <a:bodyPr/>
+          <a:lstStyle/>
+          <a:p>
+            <a:endParaRPr lang="en-US" dirty="0"/>
+          </a:p>
+        </p:txBody>
+      </p:sp>
+      <p:sp>
+        <p:nvSpPr>
+          <p:cNvPr id="4" name="Slide Number Placeholder 3"/>
+          <p:cNvSpPr>
+            <a:spLocks noGrp="1"/>
+          </p:cNvSpPr>
+          <p:nvPr>
+            <p:ph type="sldNum" sz="quarter" idx="5"/>
+          </p:nvPr>
+        </p:nvSpPr>
+        <p:spPr/>
+        <p:txBody>
+          <a:bodyPr/>
+          <a:lstStyle/>
+          <a:p>
+            <a:fld id="{EFAF9F6D-6F5B-4492-B20A-F0EFDC100956}" type="slidenum">
+              <a:rPr lang="en-US" smtClean="0"/>
+              <a:t>25</a:t>
             </a:fld>
             <a:endParaRPr lang="en-US"/>
           </a:p>
@@ -2657,7 +2742,7 @@
           <a:p>
             <a:fld id="{7880F47B-3C72-48E5-9CD2-8B9AE0E9AFF7}" type="datetimeFigureOut">
               <a:rPr lang="en-US" smtClean="0"/>
-              <a:t>10/26/2018</a:t>
+              <a:t>10/28/2018</a:t>
             </a:fld>
             <a:endParaRPr lang="en-US"/>
           </a:p>
@@ -2827,7 +2912,7 @@
           <a:p>
             <a:fld id="{7880F47B-3C72-48E5-9CD2-8B9AE0E9AFF7}" type="datetimeFigureOut">
               <a:rPr lang="en-US" smtClean="0"/>
-              <a:t>10/26/2018</a:t>
+              <a:t>10/28/2018</a:t>
             </a:fld>
             <a:endParaRPr lang="en-US"/>
           </a:p>
@@ -3007,7 +3092,7 @@
           <a:p>
             <a:fld id="{7880F47B-3C72-48E5-9CD2-8B9AE0E9AFF7}" type="datetimeFigureOut">
               <a:rPr lang="en-US" smtClean="0"/>
-              <a:t>10/26/2018</a:t>
+              <a:t>10/28/2018</a:t>
             </a:fld>
             <a:endParaRPr lang="en-US"/>
           </a:p>
@@ -3177,7 +3262,7 @@
           <a:p>
             <a:fld id="{7880F47B-3C72-48E5-9CD2-8B9AE0E9AFF7}" type="datetimeFigureOut">
               <a:rPr lang="en-US" smtClean="0"/>
-              <a:t>10/26/2018</a:t>
+              <a:t>10/28/2018</a:t>
             </a:fld>
             <a:endParaRPr lang="en-US"/>
           </a:p>
@@ -3421,7 +3506,7 @@
           <a:p>
             <a:fld id="{7880F47B-3C72-48E5-9CD2-8B9AE0E9AFF7}" type="datetimeFigureOut">
               <a:rPr lang="en-US" smtClean="0"/>
-              <a:t>10/26/2018</a:t>
+              <a:t>10/28/2018</a:t>
             </a:fld>
             <a:endParaRPr lang="en-US"/>
           </a:p>
@@ -3653,7 +3738,7 @@
           <a:p>
             <a:fld id="{7880F47B-3C72-48E5-9CD2-8B9AE0E9AFF7}" type="datetimeFigureOut">
               <a:rPr lang="en-US" smtClean="0"/>
-              <a:t>10/26/2018</a:t>
+              <a:t>10/28/2018</a:t>
             </a:fld>
             <a:endParaRPr lang="en-US"/>
           </a:p>
@@ -4020,7 +4105,7 @@
           <a:p>
             <a:fld id="{7880F47B-3C72-48E5-9CD2-8B9AE0E9AFF7}" type="datetimeFigureOut">
               <a:rPr lang="en-US" smtClean="0"/>
-              <a:t>10/26/2018</a:t>
+              <a:t>10/28/2018</a:t>
             </a:fld>
             <a:endParaRPr lang="en-US"/>
           </a:p>
@@ -4138,7 +4223,7 @@
           <a:p>
             <a:fld id="{7880F47B-3C72-48E5-9CD2-8B9AE0E9AFF7}" type="datetimeFigureOut">
               <a:rPr lang="en-US" smtClean="0"/>
-              <a:t>10/26/2018</a:t>
+              <a:t>10/28/2018</a:t>
             </a:fld>
             <a:endParaRPr lang="en-US"/>
           </a:p>
@@ -4233,7 +4318,7 @@
           <a:p>
             <a:fld id="{7880F47B-3C72-48E5-9CD2-8B9AE0E9AFF7}" type="datetimeFigureOut">
               <a:rPr lang="en-US" smtClean="0"/>
-              <a:t>10/26/2018</a:t>
+              <a:t>10/28/2018</a:t>
             </a:fld>
             <a:endParaRPr lang="en-US"/>
           </a:p>
@@ -4510,7 +4595,7 @@
           <a:p>
             <a:fld id="{7880F47B-3C72-48E5-9CD2-8B9AE0E9AFF7}" type="datetimeFigureOut">
               <a:rPr lang="en-US" smtClean="0"/>
-              <a:t>10/26/2018</a:t>
+              <a:t>10/28/2018</a:t>
             </a:fld>
             <a:endParaRPr lang="en-US"/>
           </a:p>
@@ -4767,7 +4852,7 @@
           <a:p>
             <a:fld id="{7880F47B-3C72-48E5-9CD2-8B9AE0E9AFF7}" type="datetimeFigureOut">
               <a:rPr lang="en-US" smtClean="0"/>
-              <a:t>10/26/2018</a:t>
+              <a:t>10/28/2018</a:t>
             </a:fld>
             <a:endParaRPr lang="en-US"/>
           </a:p>
@@ -4980,7 +5065,7 @@
           <a:p>
             <a:fld id="{7880F47B-3C72-48E5-9CD2-8B9AE0E9AFF7}" type="datetimeFigureOut">
               <a:rPr lang="en-US" smtClean="0"/>
-              <a:t>10/26/2018</a:t>
+              <a:t>10/28/2018</a:t>
             </a:fld>
             <a:endParaRPr lang="en-US"/>
           </a:p>
@@ -5412,21 +5497,8 @@
                   <a:srgbClr val="05308D"/>
                 </a:solidFill>
               </a:rPr>
-              <a:t>CS1675 Recitation #8: </a:t>
-            </a:r>
-            <a:r>
-              <a:rPr lang="en-US" sz="2800" dirty="0" smtClean="0">
-                <a:solidFill>
-                  <a:srgbClr val="05308D"/>
-                </a:solidFill>
-              </a:rPr>
-              <a:t>10/26/18</a:t>
-            </a:r>
-            <a:endParaRPr lang="en-US" sz="2800" dirty="0">
-              <a:solidFill>
-                <a:srgbClr val="05308D"/>
-              </a:solidFill>
-            </a:endParaRPr>
+              <a:t>CS1675 Recitation #8: 10/26/18</a:t>
+            </a:r>
           </a:p>
         </p:txBody>
       </p:sp>
@@ -5553,13 +5625,6 @@
   <p:clrMapOvr>
     <a:masterClrMapping/>
   </p:clrMapOvr>
-  <p:timing>
-    <p:tnLst>
-      <p:par>
-        <p:cTn id="1" dur="indefinite" restart="never" nodeType="tmRoot"/>
-      </p:par>
-    </p:tnLst>
-  </p:timing>
 </p:sld>
 </file>
 
@@ -5585,7 +5650,7 @@
           <p:cNvPr id="2" name="TextBox 1">
             <a:extLst>
               <a:ext uri="{FF2B5EF4-FFF2-40B4-BE49-F238E27FC236}">
-                <a16:creationId xmlns:a16="http://schemas.microsoft.com/office/drawing/2014/main" xmlns="" id="{604FCC24-5774-4D19-AE3C-892BD5CB9036}"/>
+                <a16:creationId xmlns:a16="http://schemas.microsoft.com/office/drawing/2014/main" id="{604FCC24-5774-4D19-AE3C-892BD5CB9036}"/>
               </a:ext>
             </a:extLst>
           </p:cNvPr>
@@ -5623,7 +5688,7 @@
           <p:cNvPr id="4" name="Picture 3">
             <a:extLst>
               <a:ext uri="{FF2B5EF4-FFF2-40B4-BE49-F238E27FC236}">
-                <a16:creationId xmlns:a16="http://schemas.microsoft.com/office/drawing/2014/main" xmlns="" id="{19F477BC-847B-489B-8533-63913948AE7A}"/>
+                <a16:creationId xmlns:a16="http://schemas.microsoft.com/office/drawing/2014/main" id="{19F477BC-847B-489B-8533-63913948AE7A}"/>
               </a:ext>
             </a:extLst>
           </p:cNvPr>
@@ -5653,7 +5718,7 @@
           <p:cNvPr id="7" name="Picture 6">
             <a:extLst>
               <a:ext uri="{FF2B5EF4-FFF2-40B4-BE49-F238E27FC236}">
-                <a16:creationId xmlns:a16="http://schemas.microsoft.com/office/drawing/2014/main" xmlns="" id="{B3A980AB-3E15-4037-A515-354BB7A35442}"/>
+                <a16:creationId xmlns:a16="http://schemas.microsoft.com/office/drawing/2014/main" id="{B3A980AB-3E15-4037-A515-354BB7A35442}"/>
               </a:ext>
             </a:extLst>
           </p:cNvPr>
@@ -5683,7 +5748,7 @@
           <p:cNvPr id="10" name="Straight Arrow Connector 9">
             <a:extLst>
               <a:ext uri="{FF2B5EF4-FFF2-40B4-BE49-F238E27FC236}">
-                <a16:creationId xmlns:a16="http://schemas.microsoft.com/office/drawing/2014/main" xmlns="" id="{5025BDDE-C2B2-4E13-BC98-621C26600BDC}"/>
+                <a16:creationId xmlns:a16="http://schemas.microsoft.com/office/drawing/2014/main" id="{5025BDDE-C2B2-4E13-BC98-621C26600BDC}"/>
               </a:ext>
             </a:extLst>
           </p:cNvPr>
@@ -5722,7 +5787,7 @@
           <p:cNvPr id="12" name="Straight Connector 11">
             <a:extLst>
               <a:ext uri="{FF2B5EF4-FFF2-40B4-BE49-F238E27FC236}">
-                <a16:creationId xmlns:a16="http://schemas.microsoft.com/office/drawing/2014/main" xmlns="" id="{2DBC20C2-6F0C-4D0F-8FD8-0A3B53A05C13}"/>
+                <a16:creationId xmlns:a16="http://schemas.microsoft.com/office/drawing/2014/main" id="{2DBC20C2-6F0C-4D0F-8FD8-0A3B53A05C13}"/>
               </a:ext>
             </a:extLst>
           </p:cNvPr>
@@ -5759,7 +5824,7 @@
           <p:cNvPr id="13" name="Picture 12">
             <a:extLst>
               <a:ext uri="{FF2B5EF4-FFF2-40B4-BE49-F238E27FC236}">
-                <a16:creationId xmlns:a16="http://schemas.microsoft.com/office/drawing/2014/main" xmlns="" id="{907FBEBD-2FFB-43C7-AAFF-D011C8A72F65}"/>
+                <a16:creationId xmlns:a16="http://schemas.microsoft.com/office/drawing/2014/main" id="{907FBEBD-2FFB-43C7-AAFF-D011C8A72F65}"/>
               </a:ext>
             </a:extLst>
           </p:cNvPr>
@@ -5789,7 +5854,7 @@
           <p:cNvPr id="14" name="Picture 13">
             <a:extLst>
               <a:ext uri="{FF2B5EF4-FFF2-40B4-BE49-F238E27FC236}">
-                <a16:creationId xmlns:a16="http://schemas.microsoft.com/office/drawing/2014/main" xmlns="" id="{DF471828-ACCC-48F7-B718-1EB276F84AAF}"/>
+                <a16:creationId xmlns:a16="http://schemas.microsoft.com/office/drawing/2014/main" id="{DF471828-ACCC-48F7-B718-1EB276F84AAF}"/>
               </a:ext>
             </a:extLst>
           </p:cNvPr>
@@ -5824,13 +5889,6 @@
   <p:clrMapOvr>
     <a:masterClrMapping/>
   </p:clrMapOvr>
-  <p:timing>
-    <p:tnLst>
-      <p:par>
-        <p:cTn id="1" dur="indefinite" restart="never" nodeType="tmRoot"/>
-      </p:par>
-    </p:tnLst>
-  </p:timing>
 </p:sld>
 </file>
 
@@ -5856,7 +5914,7 @@
           <p:cNvPr id="2" name="TextBox 1">
             <a:extLst>
               <a:ext uri="{FF2B5EF4-FFF2-40B4-BE49-F238E27FC236}">
-                <a16:creationId xmlns:a16="http://schemas.microsoft.com/office/drawing/2014/main" xmlns="" id="{604FCC24-5774-4D19-AE3C-892BD5CB9036}"/>
+                <a16:creationId xmlns:a16="http://schemas.microsoft.com/office/drawing/2014/main" id="{604FCC24-5774-4D19-AE3C-892BD5CB9036}"/>
               </a:ext>
             </a:extLst>
           </p:cNvPr>
@@ -5894,7 +5952,7 @@
           <p:cNvPr id="15" name="TextBox 14">
             <a:extLst>
               <a:ext uri="{FF2B5EF4-FFF2-40B4-BE49-F238E27FC236}">
-                <a16:creationId xmlns:a16="http://schemas.microsoft.com/office/drawing/2014/main" xmlns="" id="{4228428F-CF77-4EFA-9B33-812EA60AC0C5}"/>
+                <a16:creationId xmlns:a16="http://schemas.microsoft.com/office/drawing/2014/main" id="{4228428F-CF77-4EFA-9B33-812EA60AC0C5}"/>
               </a:ext>
             </a:extLst>
           </p:cNvPr>
@@ -5929,7 +5987,7 @@
           <p:cNvPr id="5" name="Picture 4">
             <a:extLst>
               <a:ext uri="{FF2B5EF4-FFF2-40B4-BE49-F238E27FC236}">
-                <a16:creationId xmlns:a16="http://schemas.microsoft.com/office/drawing/2014/main" xmlns="" id="{AAD6D550-F844-4C84-9668-24FCF3A4B0FA}"/>
+                <a16:creationId xmlns:a16="http://schemas.microsoft.com/office/drawing/2014/main" id="{AAD6D550-F844-4C84-9668-24FCF3A4B0FA}"/>
               </a:ext>
             </a:extLst>
           </p:cNvPr>
@@ -5959,7 +6017,7 @@
           <p:cNvPr id="20" name="TextBox 19">
             <a:extLst>
               <a:ext uri="{FF2B5EF4-FFF2-40B4-BE49-F238E27FC236}">
-                <a16:creationId xmlns:a16="http://schemas.microsoft.com/office/drawing/2014/main" xmlns="" id="{6DC9716B-DE3F-49B9-BC0F-0928B8B020C2}"/>
+                <a16:creationId xmlns:a16="http://schemas.microsoft.com/office/drawing/2014/main" id="{6DC9716B-DE3F-49B9-BC0F-0928B8B020C2}"/>
               </a:ext>
             </a:extLst>
           </p:cNvPr>
@@ -5994,7 +6052,7 @@
           <p:cNvPr id="6" name="Picture 5">
             <a:extLst>
               <a:ext uri="{FF2B5EF4-FFF2-40B4-BE49-F238E27FC236}">
-                <a16:creationId xmlns:a16="http://schemas.microsoft.com/office/drawing/2014/main" xmlns="" id="{F9CD07E4-C4EB-420B-A892-58B496F23189}"/>
+                <a16:creationId xmlns:a16="http://schemas.microsoft.com/office/drawing/2014/main" id="{F9CD07E4-C4EB-420B-A892-58B496F23189}"/>
               </a:ext>
             </a:extLst>
           </p:cNvPr>
@@ -6024,7 +6082,7 @@
           <p:cNvPr id="22" name="TextBox 21">
             <a:extLst>
               <a:ext uri="{FF2B5EF4-FFF2-40B4-BE49-F238E27FC236}">
-                <a16:creationId xmlns:a16="http://schemas.microsoft.com/office/drawing/2014/main" xmlns="" id="{64B3FB62-2774-4936-8BAF-249F3FED8633}"/>
+                <a16:creationId xmlns:a16="http://schemas.microsoft.com/office/drawing/2014/main" id="{64B3FB62-2774-4936-8BAF-249F3FED8633}"/>
               </a:ext>
             </a:extLst>
           </p:cNvPr>
@@ -6059,7 +6117,7 @@
           <p:cNvPr id="23" name="Picture 22">
             <a:extLst>
               <a:ext uri="{FF2B5EF4-FFF2-40B4-BE49-F238E27FC236}">
-                <a16:creationId xmlns:a16="http://schemas.microsoft.com/office/drawing/2014/main" xmlns="" id="{B54467FF-138F-4F52-9326-A64A1CD597FE}"/>
+                <a16:creationId xmlns:a16="http://schemas.microsoft.com/office/drawing/2014/main" id="{B54467FF-138F-4F52-9326-A64A1CD597FE}"/>
               </a:ext>
             </a:extLst>
           </p:cNvPr>
@@ -6094,13 +6152,6 @@
   <p:clrMapOvr>
     <a:masterClrMapping/>
   </p:clrMapOvr>
-  <p:timing>
-    <p:tnLst>
-      <p:par>
-        <p:cTn id="1" dur="indefinite" restart="never" nodeType="tmRoot"/>
-      </p:par>
-    </p:tnLst>
-  </p:timing>
 </p:sld>
 </file>
 
@@ -6126,7 +6177,7 @@
           <p:cNvPr id="2" name="TextBox 1">
             <a:extLst>
               <a:ext uri="{FF2B5EF4-FFF2-40B4-BE49-F238E27FC236}">
-                <a16:creationId xmlns:a16="http://schemas.microsoft.com/office/drawing/2014/main" xmlns="" id="{604FCC24-5774-4D19-AE3C-892BD5CB9036}"/>
+                <a16:creationId xmlns:a16="http://schemas.microsoft.com/office/drawing/2014/main" id="{604FCC24-5774-4D19-AE3C-892BD5CB9036}"/>
               </a:ext>
             </a:extLst>
           </p:cNvPr>
@@ -6164,7 +6215,7 @@
           <p:cNvPr id="4" name="Picture 3" descr="Quadratic programming - MATLAB quadprog - Mozilla Firefox">
             <a:extLst>
               <a:ext uri="{FF2B5EF4-FFF2-40B4-BE49-F238E27FC236}">
-                <a16:creationId xmlns:a16="http://schemas.microsoft.com/office/drawing/2014/main" xmlns="" id="{D6933887-934C-45A6-8909-FCB9C389EE40}"/>
+                <a16:creationId xmlns:a16="http://schemas.microsoft.com/office/drawing/2014/main" id="{D6933887-934C-45A6-8909-FCB9C389EE40}"/>
               </a:ext>
             </a:extLst>
           </p:cNvPr>
@@ -6199,7 +6250,7 @@
           <p:cNvPr id="9" name="Picture 8" descr="Quadratic programming - MATLAB quadprog - Mozilla Firefox">
             <a:extLst>
               <a:ext uri="{FF2B5EF4-FFF2-40B4-BE49-F238E27FC236}">
-                <a16:creationId xmlns:a16="http://schemas.microsoft.com/office/drawing/2014/main" xmlns="" id="{465700A6-2F56-4830-BF2F-02A9A21A9EEC}"/>
+                <a16:creationId xmlns:a16="http://schemas.microsoft.com/office/drawing/2014/main" id="{465700A6-2F56-4830-BF2F-02A9A21A9EEC}"/>
               </a:ext>
             </a:extLst>
           </p:cNvPr>
@@ -6234,7 +6285,7 @@
           <p:cNvPr id="10" name="TextBox 9">
             <a:extLst>
               <a:ext uri="{FF2B5EF4-FFF2-40B4-BE49-F238E27FC236}">
-                <a16:creationId xmlns:a16="http://schemas.microsoft.com/office/drawing/2014/main" xmlns="" id="{C7BCE5D6-52C8-4C8F-91FE-F7B71DBD88E3}"/>
+                <a16:creationId xmlns:a16="http://schemas.microsoft.com/office/drawing/2014/main" id="{C7BCE5D6-52C8-4C8F-91FE-F7B71DBD88E3}"/>
               </a:ext>
             </a:extLst>
           </p:cNvPr>
@@ -6282,13 +6333,6 @@
   <p:clrMapOvr>
     <a:masterClrMapping/>
   </p:clrMapOvr>
-  <p:timing>
-    <p:tnLst>
-      <p:par>
-        <p:cTn id="1" dur="indefinite" restart="never" nodeType="tmRoot"/>
-      </p:par>
-    </p:tnLst>
-  </p:timing>
 </p:sld>
 </file>
 
@@ -6314,7 +6358,7 @@
           <p:cNvPr id="2" name="TextBox 1">
             <a:extLst>
               <a:ext uri="{FF2B5EF4-FFF2-40B4-BE49-F238E27FC236}">
-                <a16:creationId xmlns:a16="http://schemas.microsoft.com/office/drawing/2014/main" xmlns="" id="{604FCC24-5774-4D19-AE3C-892BD5CB9036}"/>
+                <a16:creationId xmlns:a16="http://schemas.microsoft.com/office/drawing/2014/main" id="{604FCC24-5774-4D19-AE3C-892BD5CB9036}"/>
               </a:ext>
             </a:extLst>
           </p:cNvPr>
@@ -6352,7 +6396,7 @@
           <p:cNvPr id="4" name="Picture 3" descr="Quadratic programming - MATLAB quadprog - Mozilla Firefox">
             <a:extLst>
               <a:ext uri="{FF2B5EF4-FFF2-40B4-BE49-F238E27FC236}">
-                <a16:creationId xmlns:a16="http://schemas.microsoft.com/office/drawing/2014/main" xmlns="" id="{D6933887-934C-45A6-8909-FCB9C389EE40}"/>
+                <a16:creationId xmlns:a16="http://schemas.microsoft.com/office/drawing/2014/main" id="{D6933887-934C-45A6-8909-FCB9C389EE40}"/>
               </a:ext>
             </a:extLst>
           </p:cNvPr>
@@ -6387,7 +6431,7 @@
           <p:cNvPr id="6" name="TextBox 5">
             <a:extLst>
               <a:ext uri="{FF2B5EF4-FFF2-40B4-BE49-F238E27FC236}">
-                <a16:creationId xmlns:a16="http://schemas.microsoft.com/office/drawing/2014/main" xmlns="" id="{B5F07024-7C2B-49C1-AEF9-2F733EE56846}"/>
+                <a16:creationId xmlns:a16="http://schemas.microsoft.com/office/drawing/2014/main" id="{B5F07024-7C2B-49C1-AEF9-2F733EE56846}"/>
               </a:ext>
             </a:extLst>
           </p:cNvPr>
@@ -6426,7 +6470,7 @@
           <p:cNvPr id="7" name="Picture 6">
             <a:extLst>
               <a:ext uri="{FF2B5EF4-FFF2-40B4-BE49-F238E27FC236}">
-                <a16:creationId xmlns:a16="http://schemas.microsoft.com/office/drawing/2014/main" xmlns="" id="{7C3A7A6C-979C-48E1-90FB-467803E42F0B}"/>
+                <a16:creationId xmlns:a16="http://schemas.microsoft.com/office/drawing/2014/main" id="{7C3A7A6C-979C-48E1-90FB-467803E42F0B}"/>
               </a:ext>
             </a:extLst>
           </p:cNvPr>
@@ -6456,7 +6500,7 @@
           <p:cNvPr id="8" name="TextBox 7">
             <a:extLst>
               <a:ext uri="{FF2B5EF4-FFF2-40B4-BE49-F238E27FC236}">
-                <a16:creationId xmlns:a16="http://schemas.microsoft.com/office/drawing/2014/main" xmlns="" id="{262D770D-EE0E-43A1-B95D-9581657CF997}"/>
+                <a16:creationId xmlns:a16="http://schemas.microsoft.com/office/drawing/2014/main" id="{262D770D-EE0E-43A1-B95D-9581657CF997}"/>
               </a:ext>
             </a:extLst>
           </p:cNvPr>
@@ -6499,7 +6543,7 @@
           <p:cNvPr id="5" name="Straight Connector 4">
             <a:extLst>
               <a:ext uri="{FF2B5EF4-FFF2-40B4-BE49-F238E27FC236}">
-                <a16:creationId xmlns:a16="http://schemas.microsoft.com/office/drawing/2014/main" xmlns="" id="{A5FCD1CA-5F54-4C1A-B050-285AB0B52B00}"/>
+                <a16:creationId xmlns:a16="http://schemas.microsoft.com/office/drawing/2014/main" id="{A5FCD1CA-5F54-4C1A-B050-285AB0B52B00}"/>
               </a:ext>
             </a:extLst>
           </p:cNvPr>
@@ -6541,13 +6585,6 @@
   <p:clrMapOvr>
     <a:masterClrMapping/>
   </p:clrMapOvr>
-  <p:timing>
-    <p:tnLst>
-      <p:par>
-        <p:cTn id="1" dur="indefinite" restart="never" nodeType="tmRoot"/>
-      </p:par>
-    </p:tnLst>
-  </p:timing>
 </p:sld>
 </file>
 
@@ -6573,7 +6610,7 @@
           <p:cNvPr id="2" name="TextBox 1">
             <a:extLst>
               <a:ext uri="{FF2B5EF4-FFF2-40B4-BE49-F238E27FC236}">
-                <a16:creationId xmlns:a16="http://schemas.microsoft.com/office/drawing/2014/main" xmlns="" id="{604FCC24-5774-4D19-AE3C-892BD5CB9036}"/>
+                <a16:creationId xmlns:a16="http://schemas.microsoft.com/office/drawing/2014/main" id="{604FCC24-5774-4D19-AE3C-892BD5CB9036}"/>
               </a:ext>
             </a:extLst>
           </p:cNvPr>
@@ -6611,7 +6648,7 @@
           <p:cNvPr id="4" name="Picture 3" descr="Quadratic programming - MATLAB quadprog - Mozilla Firefox">
             <a:extLst>
               <a:ext uri="{FF2B5EF4-FFF2-40B4-BE49-F238E27FC236}">
-                <a16:creationId xmlns:a16="http://schemas.microsoft.com/office/drawing/2014/main" xmlns="" id="{D6933887-934C-45A6-8909-FCB9C389EE40}"/>
+                <a16:creationId xmlns:a16="http://schemas.microsoft.com/office/drawing/2014/main" id="{D6933887-934C-45A6-8909-FCB9C389EE40}"/>
               </a:ext>
             </a:extLst>
           </p:cNvPr>
@@ -6646,7 +6683,7 @@
           <p:cNvPr id="7" name="Picture 6">
             <a:extLst>
               <a:ext uri="{FF2B5EF4-FFF2-40B4-BE49-F238E27FC236}">
-                <a16:creationId xmlns:a16="http://schemas.microsoft.com/office/drawing/2014/main" xmlns="" id="{7C3A7A6C-979C-48E1-90FB-467803E42F0B}"/>
+                <a16:creationId xmlns:a16="http://schemas.microsoft.com/office/drawing/2014/main" id="{7C3A7A6C-979C-48E1-90FB-467803E42F0B}"/>
               </a:ext>
             </a:extLst>
           </p:cNvPr>
@@ -6676,7 +6713,7 @@
           <p:cNvPr id="10" name="Straight Connector 9">
             <a:extLst>
               <a:ext uri="{FF2B5EF4-FFF2-40B4-BE49-F238E27FC236}">
-                <a16:creationId xmlns:a16="http://schemas.microsoft.com/office/drawing/2014/main" xmlns="" id="{FB4922F5-9126-4B50-95A7-32041F6F9089}"/>
+                <a16:creationId xmlns:a16="http://schemas.microsoft.com/office/drawing/2014/main" id="{FB4922F5-9126-4B50-95A7-32041F6F9089}"/>
               </a:ext>
             </a:extLst>
           </p:cNvPr>
@@ -6713,7 +6750,7 @@
           <p:cNvPr id="11" name="Straight Connector 10">
             <a:extLst>
               <a:ext uri="{FF2B5EF4-FFF2-40B4-BE49-F238E27FC236}">
-                <a16:creationId xmlns:a16="http://schemas.microsoft.com/office/drawing/2014/main" xmlns="" id="{B55F45A7-6CCE-477D-B83B-27A5F2D8E578}"/>
+                <a16:creationId xmlns:a16="http://schemas.microsoft.com/office/drawing/2014/main" id="{B55F45A7-6CCE-477D-B83B-27A5F2D8E578}"/>
               </a:ext>
             </a:extLst>
           </p:cNvPr>
@@ -6750,7 +6787,7 @@
           <p:cNvPr id="12" name="TextBox 11">
             <a:extLst>
               <a:ext uri="{FF2B5EF4-FFF2-40B4-BE49-F238E27FC236}">
-                <a16:creationId xmlns:a16="http://schemas.microsoft.com/office/drawing/2014/main" xmlns="" id="{A598CF8E-62F6-4CA8-84B2-3117928A8254}"/>
+                <a16:creationId xmlns:a16="http://schemas.microsoft.com/office/drawing/2014/main" id="{A598CF8E-62F6-4CA8-84B2-3117928A8254}"/>
               </a:ext>
             </a:extLst>
           </p:cNvPr>
@@ -6790,13 +6827,6 @@
   <p:clrMapOvr>
     <a:masterClrMapping/>
   </p:clrMapOvr>
-  <p:timing>
-    <p:tnLst>
-      <p:par>
-        <p:cTn id="1" dur="indefinite" restart="never" nodeType="tmRoot"/>
-      </p:par>
-    </p:tnLst>
-  </p:timing>
 </p:sld>
 </file>
 
@@ -6822,7 +6852,7 @@
           <p:cNvPr id="2" name="TextBox 1">
             <a:extLst>
               <a:ext uri="{FF2B5EF4-FFF2-40B4-BE49-F238E27FC236}">
-                <a16:creationId xmlns:a16="http://schemas.microsoft.com/office/drawing/2014/main" xmlns="" id="{604FCC24-5774-4D19-AE3C-892BD5CB9036}"/>
+                <a16:creationId xmlns:a16="http://schemas.microsoft.com/office/drawing/2014/main" id="{604FCC24-5774-4D19-AE3C-892BD5CB9036}"/>
               </a:ext>
             </a:extLst>
           </p:cNvPr>
@@ -6850,17 +6880,17 @@
                   <a:srgbClr val="002060"/>
                 </a:solidFill>
               </a:rPr>
-              <a:t>Hint #4: The input f.</a:t>
+              <a:t>Hint #3: The inputs A and b</a:t>
             </a:r>
           </a:p>
         </p:txBody>
       </p:sp>
       <p:pic>
         <p:nvPicPr>
-          <p:cNvPr id="13" name="Picture 12" descr="Quadratic programming - MATLAB quadprog - Mozilla Firefox">
+          <p:cNvPr id="4" name="Picture 3" descr="Quadratic programming - MATLAB quadprog - Mozilla Firefox">
             <a:extLst>
               <a:ext uri="{FF2B5EF4-FFF2-40B4-BE49-F238E27FC236}">
-                <a16:creationId xmlns:a16="http://schemas.microsoft.com/office/drawing/2014/main" xmlns="" id="{DFCFCB19-8F6F-4E99-98F4-0CF452FB970F}"/>
+                <a16:creationId xmlns:a16="http://schemas.microsoft.com/office/drawing/2014/main" id="{D6933887-934C-45A6-8909-FCB9C389EE40}"/>
               </a:ext>
             </a:extLst>
           </p:cNvPr>
@@ -6892,10 +6922,10 @@
       </p:pic>
       <p:pic>
         <p:nvPicPr>
-          <p:cNvPr id="14" name="Picture 13">
+          <p:cNvPr id="7" name="Picture 6">
             <a:extLst>
               <a:ext uri="{FF2B5EF4-FFF2-40B4-BE49-F238E27FC236}">
-                <a16:creationId xmlns:a16="http://schemas.microsoft.com/office/drawing/2014/main" xmlns="" id="{B4690353-54B4-4EC6-8BA0-5757DA82DA17}"/>
+                <a16:creationId xmlns:a16="http://schemas.microsoft.com/office/drawing/2014/main" id="{7C3A7A6C-979C-48E1-90FB-467803E42F0B}"/>
               </a:ext>
             </a:extLst>
           </p:cNvPr>
@@ -6912,7 +6942,7 @@
         </p:blipFill>
         <p:spPr>
           <a:xfrm>
-            <a:off x="351534" y="1752053"/>
+            <a:off x="314958" y="1752053"/>
             <a:ext cx="7898041" cy="925680"/>
           </a:xfrm>
           <a:prstGeom prst="rect">
@@ -6922,58 +6952,10 @@
       </p:pic>
       <p:sp>
         <p:nvSpPr>
-          <p:cNvPr id="6" name="Rectangle 5">
+          <p:cNvPr id="12" name="TextBox 11">
             <a:extLst>
               <a:ext uri="{FF2B5EF4-FFF2-40B4-BE49-F238E27FC236}">
-                <a16:creationId xmlns:a16="http://schemas.microsoft.com/office/drawing/2014/main" xmlns="" id="{3AD3B719-4624-40BC-B4D0-78DD46937BE5}"/>
-              </a:ext>
-            </a:extLst>
-          </p:cNvPr>
-          <p:cNvSpPr/>
-          <p:nvPr/>
-        </p:nvSpPr>
-        <p:spPr>
-          <a:xfrm>
-            <a:off x="1560576" y="1752053"/>
-            <a:ext cx="1207008" cy="925680"/>
-          </a:xfrm>
-          <a:prstGeom prst="rect">
-            <a:avLst/>
-          </a:prstGeom>
-          <a:noFill/>
-          <a:ln w="38100"/>
-        </p:spPr>
-        <p:style>
-          <a:lnRef idx="2">
-            <a:schemeClr val="accent1">
-              <a:shade val="50000"/>
-            </a:schemeClr>
-          </a:lnRef>
-          <a:fillRef idx="1">
-            <a:schemeClr val="accent1"/>
-          </a:fillRef>
-          <a:effectRef idx="0">
-            <a:schemeClr val="accent1"/>
-          </a:effectRef>
-          <a:fontRef idx="minor">
-            <a:schemeClr val="lt1"/>
-          </a:fontRef>
-        </p:style>
-        <p:txBody>
-          <a:bodyPr rtlCol="0" anchor="ctr"/>
-          <a:lstStyle/>
-          <a:p>
-            <a:pPr algn="ctr"/>
-            <a:endParaRPr lang="en-US"/>
-          </a:p>
-        </p:txBody>
-      </p:sp>
-      <p:sp>
-        <p:nvSpPr>
-          <p:cNvPr id="15" name="TextBox 14">
-            <a:extLst>
-              <a:ext uri="{FF2B5EF4-FFF2-40B4-BE49-F238E27FC236}">
-                <a16:creationId xmlns:a16="http://schemas.microsoft.com/office/drawing/2014/main" xmlns="" id="{F57B1E15-7CE9-457A-B1AE-F3D1C8092F40}"/>
+                <a16:creationId xmlns:a16="http://schemas.microsoft.com/office/drawing/2014/main" id="{A598CF8E-62F6-4CA8-84B2-3117928A8254}"/>
               </a:ext>
             </a:extLst>
           </p:cNvPr>
@@ -6998,15 +6980,15 @@
           <a:p>
             <a:r>
               <a:rPr lang="en-US" sz="2200" dirty="0"/>
-              <a:t>You can deduce what it is using this term (</a:t>
-            </a:r>
-            <a:r>
-              <a:rPr lang="en-US" sz="2200" i="1" dirty="0"/>
-              <a:t>after</a:t>
+              <a:t>Remember that you can specify empty arguments to </a:t>
+            </a:r>
+            <a:r>
+              <a:rPr lang="en-US" sz="2200" dirty="0" err="1"/>
+              <a:t>Matlab</a:t>
             </a:r>
             <a:r>
               <a:rPr lang="en-US" sz="2200" dirty="0"/>
-              <a:t> you’ve adjusted the formula to be a min problem).  Which vector do we already know?</a:t>
+              <a:t> functions as [].</a:t>
             </a:r>
           </a:p>
         </p:txBody>
@@ -7014,20 +6996,13 @@
     </p:spTree>
     <p:extLst>
       <p:ext uri="{BB962C8B-B14F-4D97-AF65-F5344CB8AC3E}">
-        <p14:creationId xmlns:p14="http://schemas.microsoft.com/office/powerpoint/2010/main" val="3140946625"/>
+        <p14:creationId xmlns:p14="http://schemas.microsoft.com/office/powerpoint/2010/main" val="3199131838"/>
       </p:ext>
     </p:extLst>
   </p:cSld>
   <p:clrMapOvr>
     <a:masterClrMapping/>
   </p:clrMapOvr>
-  <p:timing>
-    <p:tnLst>
-      <p:par>
-        <p:cTn id="1" dur="indefinite" restart="never" nodeType="tmRoot"/>
-      </p:par>
-    </p:tnLst>
-  </p:timing>
 </p:sld>
 </file>
 
@@ -7053,7 +7028,7 @@
           <p:cNvPr id="2" name="TextBox 1">
             <a:extLst>
               <a:ext uri="{FF2B5EF4-FFF2-40B4-BE49-F238E27FC236}">
-                <a16:creationId xmlns:a16="http://schemas.microsoft.com/office/drawing/2014/main" xmlns="" id="{604FCC24-5774-4D19-AE3C-892BD5CB9036}"/>
+                <a16:creationId xmlns:a16="http://schemas.microsoft.com/office/drawing/2014/main" id="{604FCC24-5774-4D19-AE3C-892BD5CB9036}"/>
               </a:ext>
             </a:extLst>
           </p:cNvPr>
@@ -7081,39 +7056,7 @@
                   <a:srgbClr val="002060"/>
                 </a:solidFill>
               </a:rPr>
-              <a:t>Hint #5: The inputs </a:t>
-            </a:r>
-            <a:r>
-              <a:rPr lang="en-US" sz="2800" dirty="0" err="1">
-                <a:solidFill>
-                  <a:srgbClr val="002060"/>
-                </a:solidFill>
-              </a:rPr>
-              <a:t>Aeq</a:t>
-            </a:r>
-            <a:r>
-              <a:rPr lang="en-US" sz="2800" dirty="0">
-                <a:solidFill>
-                  <a:srgbClr val="002060"/>
-                </a:solidFill>
-              </a:rPr>
-              <a:t> and </a:t>
-            </a:r>
-            <a:r>
-              <a:rPr lang="en-US" sz="2800" dirty="0" err="1">
-                <a:solidFill>
-                  <a:srgbClr val="002060"/>
-                </a:solidFill>
-              </a:rPr>
-              <a:t>beq</a:t>
-            </a:r>
-            <a:r>
-              <a:rPr lang="en-US" sz="2800" dirty="0">
-                <a:solidFill>
-                  <a:srgbClr val="002060"/>
-                </a:solidFill>
-              </a:rPr>
-              <a:t>.</a:t>
+              <a:t>Hint #4: The input f.</a:t>
             </a:r>
           </a:p>
         </p:txBody>
@@ -7123,7 +7066,7 @@
           <p:cNvPr id="13" name="Picture 12" descr="Quadratic programming - MATLAB quadprog - Mozilla Firefox">
             <a:extLst>
               <a:ext uri="{FF2B5EF4-FFF2-40B4-BE49-F238E27FC236}">
-                <a16:creationId xmlns:a16="http://schemas.microsoft.com/office/drawing/2014/main" xmlns="" id="{DFCFCB19-8F6F-4E99-98F4-0CF452FB970F}"/>
+                <a16:creationId xmlns:a16="http://schemas.microsoft.com/office/drawing/2014/main" id="{DFCFCB19-8F6F-4E99-98F4-0CF452FB970F}"/>
               </a:ext>
             </a:extLst>
           </p:cNvPr>
@@ -7153,47 +7096,12 @@
           </a:prstGeom>
         </p:spPr>
       </p:pic>
-      <p:sp>
-        <p:nvSpPr>
-          <p:cNvPr id="7" name="TextBox 6">
+      <p:pic>
+        <p:nvPicPr>
+          <p:cNvPr id="14" name="Picture 13">
             <a:extLst>
               <a:ext uri="{FF2B5EF4-FFF2-40B4-BE49-F238E27FC236}">
-                <a16:creationId xmlns:a16="http://schemas.microsoft.com/office/drawing/2014/main" xmlns="" id="{A00ADC71-C3A6-48E4-90FB-3B178670E246}"/>
-              </a:ext>
-            </a:extLst>
-          </p:cNvPr>
-          <p:cNvSpPr txBox="1"/>
-          <p:nvPr/>
-        </p:nvSpPr>
-        <p:spPr>
-          <a:xfrm>
-            <a:off x="478363" y="1901952"/>
-            <a:ext cx="8010144" cy="430887"/>
-          </a:xfrm>
-          <a:prstGeom prst="rect">
-            <a:avLst/>
-          </a:prstGeom>
-          <a:noFill/>
-        </p:spPr>
-        <p:txBody>
-          <a:bodyPr wrap="square" rtlCol="0">
-            <a:spAutoFit/>
-          </a:bodyPr>
-          <a:lstStyle/>
-          <a:p>
-            <a:r>
-              <a:rPr lang="en-US" sz="2200" dirty="0"/>
-              <a:t>Remember our constraints:</a:t>
-            </a:r>
-          </a:p>
-        </p:txBody>
-      </p:sp>
-      <p:pic>
-        <p:nvPicPr>
-          <p:cNvPr id="8" name="Picture 7">
-            <a:extLst>
-              <a:ext uri="{FF2B5EF4-FFF2-40B4-BE49-F238E27FC236}">
-                <a16:creationId xmlns:a16="http://schemas.microsoft.com/office/drawing/2014/main" xmlns="" id="{25184AEF-5031-4B66-AA41-2EB73D5D70DA}"/>
+                <a16:creationId xmlns:a16="http://schemas.microsoft.com/office/drawing/2014/main" id="{B4690353-54B4-4EC6-8BA0-5757DA82DA17}"/>
               </a:ext>
             </a:extLst>
           </p:cNvPr>
@@ -7210,8 +7118,8 @@
         </p:blipFill>
         <p:spPr>
           <a:xfrm>
-            <a:off x="4111200" y="1901952"/>
-            <a:ext cx="1946700" cy="1197120"/>
+            <a:off x="351534" y="1752053"/>
+            <a:ext cx="7898041" cy="925680"/>
           </a:xfrm>
           <a:prstGeom prst="rect">
             <a:avLst/>
@@ -7223,7 +7131,7 @@
           <p:cNvPr id="6" name="Rectangle 5">
             <a:extLst>
               <a:ext uri="{FF2B5EF4-FFF2-40B4-BE49-F238E27FC236}">
-                <a16:creationId xmlns:a16="http://schemas.microsoft.com/office/drawing/2014/main" xmlns="" id="{3AD3B719-4624-40BC-B4D0-78DD46937BE5}"/>
+                <a16:creationId xmlns:a16="http://schemas.microsoft.com/office/drawing/2014/main" id="{3AD3B719-4624-40BC-B4D0-78DD46937BE5}"/>
               </a:ext>
             </a:extLst>
           </p:cNvPr>
@@ -7232,8 +7140,8 @@
         </p:nvSpPr>
         <p:spPr>
           <a:xfrm>
-            <a:off x="4111200" y="1742528"/>
-            <a:ext cx="1790109" cy="925680"/>
+            <a:off x="1560576" y="1752053"/>
+            <a:ext cx="1207008" cy="925680"/>
           </a:xfrm>
           <a:prstGeom prst="rect">
             <a:avLst/>
@@ -7266,23 +7174,59 @@
           </a:p>
         </p:txBody>
       </p:sp>
+      <p:sp>
+        <p:nvSpPr>
+          <p:cNvPr id="15" name="TextBox 14">
+            <a:extLst>
+              <a:ext uri="{FF2B5EF4-FFF2-40B4-BE49-F238E27FC236}">
+                <a16:creationId xmlns:a16="http://schemas.microsoft.com/office/drawing/2014/main" id="{F57B1E15-7CE9-457A-B1AE-F3D1C8092F40}"/>
+              </a:ext>
+            </a:extLst>
+          </p:cNvPr>
+          <p:cNvSpPr txBox="1"/>
+          <p:nvPr/>
+        </p:nvSpPr>
+        <p:spPr>
+          <a:xfrm>
+            <a:off x="478363" y="2845863"/>
+            <a:ext cx="8010144" cy="769441"/>
+          </a:xfrm>
+          <a:prstGeom prst="rect">
+            <a:avLst/>
+          </a:prstGeom>
+          <a:noFill/>
+        </p:spPr>
+        <p:txBody>
+          <a:bodyPr wrap="square" rtlCol="0">
+            <a:spAutoFit/>
+          </a:bodyPr>
+          <a:lstStyle/>
+          <a:p>
+            <a:r>
+              <a:rPr lang="en-US" sz="2200" dirty="0"/>
+              <a:t>You can deduce what it is using this term (</a:t>
+            </a:r>
+            <a:r>
+              <a:rPr lang="en-US" sz="2200" i="1" dirty="0"/>
+              <a:t>after</a:t>
+            </a:r>
+            <a:r>
+              <a:rPr lang="en-US" sz="2200" dirty="0"/>
+              <a:t> you’ve adjusted the formula to be a min problem).  Which vector do we already know?</a:t>
+            </a:r>
+          </a:p>
+        </p:txBody>
+      </p:sp>
     </p:spTree>
     <p:extLst>
       <p:ext uri="{BB962C8B-B14F-4D97-AF65-F5344CB8AC3E}">
-        <p14:creationId xmlns:p14="http://schemas.microsoft.com/office/powerpoint/2010/main" val="525481119"/>
+        <p14:creationId xmlns:p14="http://schemas.microsoft.com/office/powerpoint/2010/main" val="3140946625"/>
       </p:ext>
     </p:extLst>
   </p:cSld>
   <p:clrMapOvr>
     <a:masterClrMapping/>
   </p:clrMapOvr>
-  <p:timing>
-    <p:tnLst>
-      <p:par>
-        <p:cTn id="1" dur="indefinite" restart="never" nodeType="tmRoot"/>
-      </p:par>
-    </p:tnLst>
-  </p:timing>
 </p:sld>
 </file>
 
@@ -7308,7 +7252,7 @@
           <p:cNvPr id="2" name="TextBox 1">
             <a:extLst>
               <a:ext uri="{FF2B5EF4-FFF2-40B4-BE49-F238E27FC236}">
-                <a16:creationId xmlns:a16="http://schemas.microsoft.com/office/drawing/2014/main" xmlns="" id="{604FCC24-5774-4D19-AE3C-892BD5CB9036}"/>
+                <a16:creationId xmlns:a16="http://schemas.microsoft.com/office/drawing/2014/main" id="{604FCC24-5774-4D19-AE3C-892BD5CB9036}"/>
               </a:ext>
             </a:extLst>
           </p:cNvPr>
@@ -7336,26 +7280,18 @@
                   <a:srgbClr val="002060"/>
                 </a:solidFill>
               </a:rPr>
-              <a:t>Hint #6: The </a:t>
-            </a:r>
-            <a:r>
-              <a:rPr lang="en-US" sz="2800" dirty="0" smtClean="0">
+              <a:t>Hint #5: The inputs </a:t>
+            </a:r>
+            <a:r>
+              <a:rPr lang="en-US" sz="2800" dirty="0" err="1">
                 <a:solidFill>
                   <a:srgbClr val="002060"/>
                 </a:solidFill>
               </a:rPr>
-              <a:t>inputs </a:t>
-            </a:r>
-            <a:r>
-              <a:rPr lang="en-US" sz="2800" dirty="0" err="1" smtClean="0">
-                <a:solidFill>
-                  <a:srgbClr val="002060"/>
-                </a:solidFill>
-              </a:rPr>
-              <a:t>lb</a:t>
-            </a:r>
-            <a:r>
-              <a:rPr lang="en-US" sz="2800" dirty="0" smtClean="0">
+              <a:t>Aeq</a:t>
+            </a:r>
+            <a:r>
+              <a:rPr lang="en-US" sz="2800" dirty="0">
                 <a:solidFill>
                   <a:srgbClr val="002060"/>
                 </a:solidFill>
@@ -7363,26 +7299,21 @@
               <a:t> and </a:t>
             </a:r>
             <a:r>
-              <a:rPr lang="en-US" sz="2800" dirty="0" err="1" smtClean="0">
+              <a:rPr lang="en-US" sz="2800" dirty="0" err="1">
                 <a:solidFill>
                   <a:srgbClr val="002060"/>
                 </a:solidFill>
               </a:rPr>
-              <a:t>ub</a:t>
-            </a:r>
-            <a:r>
-              <a:rPr lang="en-US" sz="2800" dirty="0" smtClean="0">
+              <a:t>beq</a:t>
+            </a:r>
+            <a:r>
+              <a:rPr lang="en-US" sz="2800" dirty="0">
                 <a:solidFill>
                   <a:srgbClr val="002060"/>
                 </a:solidFill>
               </a:rPr>
-              <a:t> </a:t>
-            </a:r>
-            <a:endParaRPr lang="en-US" sz="2800" dirty="0">
-              <a:solidFill>
-                <a:srgbClr val="002060"/>
-              </a:solidFill>
-            </a:endParaRPr>
+              <a:t>.</a:t>
+            </a:r>
           </a:p>
         </p:txBody>
       </p:sp>
@@ -7391,7 +7322,7 @@
           <p:cNvPr id="13" name="Picture 12" descr="Quadratic programming - MATLAB quadprog - Mozilla Firefox">
             <a:extLst>
               <a:ext uri="{FF2B5EF4-FFF2-40B4-BE49-F238E27FC236}">
-                <a16:creationId xmlns:a16="http://schemas.microsoft.com/office/drawing/2014/main" xmlns="" id="{DFCFCB19-8F6F-4E99-98F4-0CF452FB970F}"/>
+                <a16:creationId xmlns:a16="http://schemas.microsoft.com/office/drawing/2014/main" id="{DFCFCB19-8F6F-4E99-98F4-0CF452FB970F}"/>
               </a:ext>
             </a:extLst>
           </p:cNvPr>
@@ -7413,7 +7344,7 @@
         </p:blipFill>
         <p:spPr>
           <a:xfrm>
-            <a:off x="231647" y="646176"/>
+            <a:off x="158495" y="633984"/>
             <a:ext cx="4718305" cy="1267968"/>
           </a:xfrm>
           <a:prstGeom prst="rect">
@@ -7426,7 +7357,7 @@
           <p:cNvPr id="7" name="TextBox 6">
             <a:extLst>
               <a:ext uri="{FF2B5EF4-FFF2-40B4-BE49-F238E27FC236}">
-                <a16:creationId xmlns:a16="http://schemas.microsoft.com/office/drawing/2014/main" xmlns="" id="{A00ADC71-C3A6-48E4-90FB-3B178670E246}"/>
+                <a16:creationId xmlns:a16="http://schemas.microsoft.com/office/drawing/2014/main" id="{A00ADC71-C3A6-48E4-90FB-3B178670E246}"/>
               </a:ext>
             </a:extLst>
           </p:cNvPr>
@@ -7435,8 +7366,8 @@
         </p:nvSpPr>
         <p:spPr>
           <a:xfrm>
-            <a:off x="551515" y="1914144"/>
-            <a:ext cx="8010144" cy="769441"/>
+            <a:off x="478363" y="1901952"/>
+            <a:ext cx="8010144" cy="430887"/>
           </a:xfrm>
           <a:prstGeom prst="rect">
             <a:avLst/>
@@ -7450,103 +7381,18 @@
           <a:lstStyle/>
           <a:p>
             <a:r>
-              <a:rPr lang="en-US" sz="2200" dirty="0" err="1"/>
-              <a:t>lb</a:t>
-            </a:r>
-            <a:r>
-              <a:rPr lang="en-US" sz="2200" dirty="0" smtClean="0"/>
-              <a:t>: again, refer to our set of constraints:</a:t>
-            </a:r>
-            <a:endParaRPr lang="en-US" sz="2200" dirty="0"/>
-          </a:p>
-          <a:p>
-            <a:endParaRPr lang="en-US" sz="2200" dirty="0"/>
-          </a:p>
-        </p:txBody>
-      </p:sp>
-      <p:sp>
-        <p:nvSpPr>
-          <p:cNvPr id="3" name="Rectangle 2"/>
-          <p:cNvSpPr/>
-          <p:nvPr/>
-        </p:nvSpPr>
-        <p:spPr>
-          <a:xfrm>
-            <a:off x="459915" y="3173349"/>
-            <a:ext cx="6921960" cy="1446550"/>
-          </a:xfrm>
-          <a:prstGeom prst="rect">
-            <a:avLst/>
-          </a:prstGeom>
-        </p:spPr>
-        <p:txBody>
-          <a:bodyPr wrap="square">
-            <a:spAutoFit/>
-          </a:bodyPr>
-          <a:lstStyle/>
-          <a:p>
-            <a:r>
-              <a:rPr lang="en-US" sz="2200" dirty="0" smtClean="0"/>
-              <a:t>Two options will be considered acceptable for </a:t>
-            </a:r>
-            <a:r>
-              <a:rPr lang="en-US" sz="2200" dirty="0" err="1" smtClean="0"/>
-              <a:t>ub</a:t>
-            </a:r>
-            <a:r>
-              <a:rPr lang="en-US" sz="2200" dirty="0" smtClean="0"/>
-              <a:t>: </a:t>
-            </a:r>
-          </a:p>
-          <a:p>
-            <a:r>
-              <a:rPr lang="en-US" sz="2200" dirty="0" smtClean="0"/>
-              <a:t>[ ] (leave it empty)</a:t>
-            </a:r>
-          </a:p>
-          <a:p>
-            <a:r>
-              <a:rPr lang="en-US" sz="2200" dirty="0" smtClean="0"/>
-              <a:t>C </a:t>
-            </a:r>
-            <a:r>
               <a:rPr lang="en-US" sz="2200" dirty="0"/>
-              <a:t>* ones(</a:t>
-            </a:r>
-            <a:r>
-              <a:rPr lang="en-US" sz="2200" dirty="0" err="1"/>
-              <a:t>num_train</a:t>
-            </a:r>
-            <a:r>
-              <a:rPr lang="en-US" sz="2200" dirty="0"/>
-              <a:t>, 1) </a:t>
-            </a:r>
-            <a:r>
-              <a:rPr lang="en-US" sz="2200" dirty="0" smtClean="0"/>
-              <a:t>  (vector consisting of the C value submitted to the </a:t>
-            </a:r>
-            <a:r>
-              <a:rPr lang="en-US" sz="2200" dirty="0"/>
-              <a:t>outer </a:t>
-            </a:r>
-            <a:r>
-              <a:rPr lang="en-US" sz="2200" dirty="0" err="1" smtClean="0"/>
-              <a:t>svm_quadprog</a:t>
-            </a:r>
-            <a:r>
-              <a:rPr lang="en-US" sz="2200" dirty="0" smtClean="0"/>
-              <a:t> function)</a:t>
-            </a:r>
-            <a:endParaRPr lang="en-US" sz="2200" dirty="0"/>
+              <a:t>Remember our constraints:</a:t>
+            </a:r>
           </a:p>
         </p:txBody>
       </p:sp>
       <p:pic>
         <p:nvPicPr>
-          <p:cNvPr id="6" name="Picture 5">
+          <p:cNvPr id="8" name="Picture 7">
             <a:extLst>
               <a:ext uri="{FF2B5EF4-FFF2-40B4-BE49-F238E27FC236}">
-                <a16:creationId xmlns:a16="http://schemas.microsoft.com/office/drawing/2014/main" xmlns="" id="{25184AEF-5031-4B66-AA41-2EB73D5D70DA}"/>
+                <a16:creationId xmlns:a16="http://schemas.microsoft.com/office/drawing/2014/main" id="{25184AEF-5031-4B66-AA41-2EB73D5D70DA}"/>
               </a:ext>
             </a:extLst>
           </p:cNvPr>
@@ -7563,7 +7409,7 @@
         </p:blipFill>
         <p:spPr>
           <a:xfrm>
-            <a:off x="5520900" y="1782425"/>
+            <a:off x="4111200" y="1901952"/>
             <a:ext cx="1946700" cy="1197120"/>
           </a:xfrm>
           <a:prstGeom prst="rect">
@@ -7573,10 +7419,10 @@
       </p:pic>
       <p:sp>
         <p:nvSpPr>
-          <p:cNvPr id="8" name="Rectangle 7">
+          <p:cNvPr id="6" name="Rectangle 5">
             <a:extLst>
               <a:ext uri="{FF2B5EF4-FFF2-40B4-BE49-F238E27FC236}">
-                <a16:creationId xmlns:a16="http://schemas.microsoft.com/office/drawing/2014/main" xmlns="" id="{3AD3B719-4624-40BC-B4D0-78DD46937BE5}"/>
+                <a16:creationId xmlns:a16="http://schemas.microsoft.com/office/drawing/2014/main" id="{3AD3B719-4624-40BC-B4D0-78DD46937BE5}"/>
               </a:ext>
             </a:extLst>
           </p:cNvPr>
@@ -7585,8 +7431,8 @@
         </p:nvSpPr>
         <p:spPr>
           <a:xfrm>
-            <a:off x="5677492" y="2543629"/>
-            <a:ext cx="1704384" cy="435916"/>
+            <a:off x="4111200" y="1742528"/>
+            <a:ext cx="1790109" cy="925680"/>
           </a:xfrm>
           <a:prstGeom prst="rect">
             <a:avLst/>
@@ -7622,20 +7468,13 @@
     </p:spTree>
     <p:extLst>
       <p:ext uri="{BB962C8B-B14F-4D97-AF65-F5344CB8AC3E}">
-        <p14:creationId xmlns:p14="http://schemas.microsoft.com/office/powerpoint/2010/main" val="4201306163"/>
+        <p14:creationId xmlns:p14="http://schemas.microsoft.com/office/powerpoint/2010/main" val="525481119"/>
       </p:ext>
     </p:extLst>
   </p:cSld>
   <p:clrMapOvr>
     <a:masterClrMapping/>
   </p:clrMapOvr>
-  <p:timing>
-    <p:tnLst>
-      <p:par>
-        <p:cTn id="1" dur="indefinite" restart="never" nodeType="tmRoot"/>
-      </p:par>
-    </p:tnLst>
-  </p:timing>
 </p:sld>
 </file>
 
@@ -7661,7 +7500,7 @@
           <p:cNvPr id="2" name="TextBox 1">
             <a:extLst>
               <a:ext uri="{FF2B5EF4-FFF2-40B4-BE49-F238E27FC236}">
-                <a16:creationId xmlns:a16="http://schemas.microsoft.com/office/drawing/2014/main" xmlns="" id="{604FCC24-5774-4D19-AE3C-892BD5CB9036}"/>
+                <a16:creationId xmlns:a16="http://schemas.microsoft.com/office/drawing/2014/main" id="{604FCC24-5774-4D19-AE3C-892BD5CB9036}"/>
               </a:ext>
             </a:extLst>
           </p:cNvPr>
@@ -7689,28 +7528,272 @@
                   <a:srgbClr val="002060"/>
                 </a:solidFill>
               </a:rPr>
-              <a:t>Moving on to kernels</a:t>
-            </a:r>
+              <a:t>Hint #6: The inputs </a:t>
+            </a:r>
+            <a:r>
+              <a:rPr lang="en-US" sz="2800" dirty="0" err="1">
+                <a:solidFill>
+                  <a:srgbClr val="002060"/>
+                </a:solidFill>
+              </a:rPr>
+              <a:t>lb</a:t>
+            </a:r>
+            <a:r>
+              <a:rPr lang="en-US" sz="2800" dirty="0">
+                <a:solidFill>
+                  <a:srgbClr val="002060"/>
+                </a:solidFill>
+              </a:rPr>
+              <a:t> and </a:t>
+            </a:r>
+            <a:r>
+              <a:rPr lang="en-US" sz="2800" dirty="0" err="1">
+                <a:solidFill>
+                  <a:srgbClr val="002060"/>
+                </a:solidFill>
+              </a:rPr>
+              <a:t>ub</a:t>
+            </a:r>
+            <a:r>
+              <a:rPr lang="en-US" sz="2800" dirty="0">
+                <a:solidFill>
+                  <a:srgbClr val="002060"/>
+                </a:solidFill>
+              </a:rPr>
+              <a:t> </a:t>
+            </a:r>
+          </a:p>
+        </p:txBody>
+      </p:sp>
+      <p:pic>
+        <p:nvPicPr>
+          <p:cNvPr id="13" name="Picture 12" descr="Quadratic programming - MATLAB quadprog - Mozilla Firefox">
+            <a:extLst>
+              <a:ext uri="{FF2B5EF4-FFF2-40B4-BE49-F238E27FC236}">
+                <a16:creationId xmlns:a16="http://schemas.microsoft.com/office/drawing/2014/main" id="{DFCFCB19-8F6F-4E99-98F4-0CF452FB970F}"/>
+              </a:ext>
+            </a:extLst>
+          </p:cNvPr>
+          <p:cNvPicPr>
+            <a:picLocks noChangeAspect="1"/>
+          </p:cNvPicPr>
+          <p:nvPr/>
+        </p:nvPicPr>
+        <p:blipFill rotWithShape="1">
+          <a:blip r:embed="rId3">
+            <a:extLst>
+              <a:ext uri="{28A0092B-C50C-407E-A947-70E740481C1C}">
+                <a14:useLocalDpi xmlns:a14="http://schemas.microsoft.com/office/drawing/2010/main" val="0"/>
+              </a:ext>
+            </a:extLst>
+          </a:blip>
+          <a:srcRect l="18042" t="40174" r="61039" b="49456"/>
+          <a:stretch/>
+        </p:blipFill>
+        <p:spPr>
+          <a:xfrm>
+            <a:off x="231647" y="646176"/>
+            <a:ext cx="4718305" cy="1267968"/>
+          </a:xfrm>
+          <a:prstGeom prst="rect">
+            <a:avLst/>
+          </a:prstGeom>
+        </p:spPr>
+      </p:pic>
+      <p:sp>
+        <p:nvSpPr>
+          <p:cNvPr id="7" name="TextBox 6">
+            <a:extLst>
+              <a:ext uri="{FF2B5EF4-FFF2-40B4-BE49-F238E27FC236}">
+                <a16:creationId xmlns:a16="http://schemas.microsoft.com/office/drawing/2014/main" id="{A00ADC71-C3A6-48E4-90FB-3B178670E246}"/>
+              </a:ext>
+            </a:extLst>
+          </p:cNvPr>
+          <p:cNvSpPr txBox="1"/>
+          <p:nvPr/>
+        </p:nvSpPr>
+        <p:spPr>
+          <a:xfrm>
+            <a:off x="551515" y="1914144"/>
+            <a:ext cx="8010144" cy="769441"/>
+          </a:xfrm>
+          <a:prstGeom prst="rect">
+            <a:avLst/>
+          </a:prstGeom>
+          <a:noFill/>
+        </p:spPr>
+        <p:txBody>
+          <a:bodyPr wrap="square" rtlCol="0">
+            <a:spAutoFit/>
+          </a:bodyPr>
+          <a:lstStyle/>
+          <a:p>
+            <a:r>
+              <a:rPr lang="en-US" sz="2200" dirty="0" err="1"/>
+              <a:t>lb</a:t>
+            </a:r>
+            <a:r>
+              <a:rPr lang="en-US" sz="2200" dirty="0"/>
+              <a:t>: again, refer to our set of constraints:</a:t>
+            </a:r>
+          </a:p>
+          <a:p>
+            <a:endParaRPr lang="en-US" sz="2200" dirty="0"/>
+          </a:p>
+        </p:txBody>
+      </p:sp>
+      <p:sp>
+        <p:nvSpPr>
+          <p:cNvPr id="3" name="Rectangle 2"/>
+          <p:cNvSpPr/>
+          <p:nvPr/>
+        </p:nvSpPr>
+        <p:spPr>
+          <a:xfrm>
+            <a:off x="459915" y="3173349"/>
+            <a:ext cx="6921960" cy="1446550"/>
+          </a:xfrm>
+          <a:prstGeom prst="rect">
+            <a:avLst/>
+          </a:prstGeom>
+        </p:spPr>
+        <p:txBody>
+          <a:bodyPr wrap="square">
+            <a:spAutoFit/>
+          </a:bodyPr>
+          <a:lstStyle/>
+          <a:p>
+            <a:r>
+              <a:rPr lang="en-US" sz="2200" dirty="0"/>
+              <a:t>Two options will be considered acceptable for </a:t>
+            </a:r>
+            <a:r>
+              <a:rPr lang="en-US" sz="2200" dirty="0" err="1"/>
+              <a:t>ub</a:t>
+            </a:r>
+            <a:r>
+              <a:rPr lang="en-US" sz="2200" dirty="0"/>
+              <a:t>: </a:t>
+            </a:r>
+          </a:p>
+          <a:p>
+            <a:r>
+              <a:rPr lang="en-US" sz="2200" dirty="0"/>
+              <a:t>[ ] (leave it empty)</a:t>
+            </a:r>
+          </a:p>
+          <a:p>
+            <a:r>
+              <a:rPr lang="en-US" sz="2200" dirty="0"/>
+              <a:t>C * ones(</a:t>
+            </a:r>
+            <a:r>
+              <a:rPr lang="en-US" sz="2200" dirty="0" err="1"/>
+              <a:t>num_train</a:t>
+            </a:r>
+            <a:r>
+              <a:rPr lang="en-US" sz="2200" dirty="0"/>
+              <a:t>, 1)   (vector consisting of the C value submitted to the outer </a:t>
+            </a:r>
+            <a:r>
+              <a:rPr lang="en-US" sz="2200" dirty="0" err="1"/>
+              <a:t>svm_quadprog</a:t>
+            </a:r>
+            <a:r>
+              <a:rPr lang="en-US" sz="2200" dirty="0"/>
+              <a:t> function)</a:t>
+            </a:r>
+          </a:p>
+        </p:txBody>
+      </p:sp>
+      <p:pic>
+        <p:nvPicPr>
+          <p:cNvPr id="6" name="Picture 5">
+            <a:extLst>
+              <a:ext uri="{FF2B5EF4-FFF2-40B4-BE49-F238E27FC236}">
+                <a16:creationId xmlns:a16="http://schemas.microsoft.com/office/drawing/2014/main" id="{25184AEF-5031-4B66-AA41-2EB73D5D70DA}"/>
+              </a:ext>
+            </a:extLst>
+          </p:cNvPr>
+          <p:cNvPicPr>
+            <a:picLocks noChangeAspect="1"/>
+          </p:cNvPicPr>
+          <p:nvPr/>
+        </p:nvPicPr>
+        <p:blipFill>
+          <a:blip r:embed="rId4"/>
+          <a:stretch>
+            <a:fillRect/>
+          </a:stretch>
+        </p:blipFill>
+        <p:spPr>
+          <a:xfrm>
+            <a:off x="5520900" y="1782425"/>
+            <a:ext cx="1946700" cy="1197120"/>
+          </a:xfrm>
+          <a:prstGeom prst="rect">
+            <a:avLst/>
+          </a:prstGeom>
+        </p:spPr>
+      </p:pic>
+      <p:sp>
+        <p:nvSpPr>
+          <p:cNvPr id="8" name="Rectangle 7">
+            <a:extLst>
+              <a:ext uri="{FF2B5EF4-FFF2-40B4-BE49-F238E27FC236}">
+                <a16:creationId xmlns:a16="http://schemas.microsoft.com/office/drawing/2014/main" id="{3AD3B719-4624-40BC-B4D0-78DD46937BE5}"/>
+              </a:ext>
+            </a:extLst>
+          </p:cNvPr>
+          <p:cNvSpPr/>
+          <p:nvPr/>
+        </p:nvSpPr>
+        <p:spPr>
+          <a:xfrm>
+            <a:off x="5677492" y="2543629"/>
+            <a:ext cx="1704384" cy="435916"/>
+          </a:xfrm>
+          <a:prstGeom prst="rect">
+            <a:avLst/>
+          </a:prstGeom>
+          <a:noFill/>
+          <a:ln w="38100"/>
+        </p:spPr>
+        <p:style>
+          <a:lnRef idx="2">
+            <a:schemeClr val="accent1">
+              <a:shade val="50000"/>
+            </a:schemeClr>
+          </a:lnRef>
+          <a:fillRef idx="1">
+            <a:schemeClr val="accent1"/>
+          </a:fillRef>
+          <a:effectRef idx="0">
+            <a:schemeClr val="accent1"/>
+          </a:effectRef>
+          <a:fontRef idx="minor">
+            <a:schemeClr val="lt1"/>
+          </a:fontRef>
+        </p:style>
+        <p:txBody>
+          <a:bodyPr rtlCol="0" anchor="ctr"/>
+          <a:lstStyle/>
+          <a:p>
+            <a:pPr algn="ctr"/>
+            <a:endParaRPr lang="en-US"/>
           </a:p>
         </p:txBody>
       </p:sp>
     </p:spTree>
     <p:extLst>
       <p:ext uri="{BB962C8B-B14F-4D97-AF65-F5344CB8AC3E}">
-        <p14:creationId xmlns:p14="http://schemas.microsoft.com/office/powerpoint/2010/main" val="4011581112"/>
+        <p14:creationId xmlns:p14="http://schemas.microsoft.com/office/powerpoint/2010/main" val="4201306163"/>
       </p:ext>
     </p:extLst>
   </p:cSld>
   <p:clrMapOvr>
     <a:masterClrMapping/>
   </p:clrMapOvr>
-  <p:timing>
-    <p:tnLst>
-      <p:par>
-        <p:cTn id="1" dur="indefinite" restart="never" nodeType="tmRoot"/>
-      </p:par>
-    </p:tnLst>
-  </p:timing>
 </p:sld>
 </file>
 
@@ -7733,21 +7816,27 @@
       </p:grpSpPr>
       <p:sp>
         <p:nvSpPr>
-          <p:cNvPr id="5" name="TextBox 4"/>
+          <p:cNvPr id="2" name="TextBox 1">
+            <a:extLst>
+              <a:ext uri="{FF2B5EF4-FFF2-40B4-BE49-F238E27FC236}">
+                <a16:creationId xmlns:a16="http://schemas.microsoft.com/office/drawing/2014/main" id="{604FCC24-5774-4D19-AE3C-892BD5CB9036}"/>
+              </a:ext>
+            </a:extLst>
+          </p:cNvPr>
           <p:cNvSpPr txBox="1"/>
           <p:nvPr/>
         </p:nvSpPr>
         <p:spPr>
           <a:xfrm>
             <a:off x="0" y="0"/>
-            <a:ext cx="8134066" cy="523220"/>
+            <a:ext cx="8966871" cy="523220"/>
           </a:xfrm>
           <a:prstGeom prst="rect">
             <a:avLst/>
           </a:prstGeom>
         </p:spPr>
         <p:txBody>
-          <a:bodyPr rtlCol="0">
+          <a:bodyPr wrap="square" rtlCol="0">
             <a:spAutoFit/>
           </a:bodyPr>
           <a:lstStyle/>
@@ -7758,173 +7847,21 @@
                   <a:srgbClr val="002060"/>
                 </a:solidFill>
               </a:rPr>
-              <a:t>Recap of lecture material on kernels</a:t>
-            </a:r>
-          </a:p>
-        </p:txBody>
-      </p:sp>
-      <p:sp>
-        <p:nvSpPr>
-          <p:cNvPr id="2" name="TextBox 1"/>
-          <p:cNvSpPr txBox="1"/>
-          <p:nvPr/>
-        </p:nvSpPr>
-        <p:spPr>
-          <a:xfrm>
-            <a:off x="123825" y="615345"/>
-            <a:ext cx="8258175" cy="1231106"/>
-          </a:xfrm>
-          <a:prstGeom prst="rect">
-            <a:avLst/>
-          </a:prstGeom>
-          <a:noFill/>
-        </p:spPr>
-        <p:txBody>
-          <a:bodyPr wrap="square" rtlCol="0">
-            <a:spAutoFit/>
-          </a:bodyPr>
-          <a:lstStyle/>
-          <a:p>
-            <a:r>
-              <a:rPr lang="en-US" dirty="0">
-                <a:solidFill>
-                  <a:srgbClr val="05308D"/>
-                </a:solidFill>
-              </a:rPr>
-              <a:t>Kernels are often brought up in the context of nonlinear SVMs.  Recall that SVMs attempt to place a decision boundary that separates two classes of decision points.  In the example below, the two classes are linearly separable only after each x</a:t>
-            </a:r>
-            <a:r>
-              <a:rPr lang="en-US" baseline="-25000" dirty="0">
-                <a:solidFill>
-                  <a:srgbClr val="05308D"/>
-                </a:solidFill>
-              </a:rPr>
-              <a:t>i </a:t>
-            </a:r>
-            <a:r>
-              <a:rPr lang="en-US" dirty="0">
-                <a:solidFill>
-                  <a:srgbClr val="05308D"/>
-                </a:solidFill>
-              </a:rPr>
-              <a:t>is transformed to a 2D vector such </a:t>
-            </a:r>
-            <a:r>
-              <a:rPr lang="el-GR" dirty="0">
-                <a:solidFill>
-                  <a:srgbClr val="05308D"/>
-                </a:solidFill>
-              </a:rPr>
-              <a:t>φ</a:t>
-            </a:r>
-            <a:r>
-              <a:rPr lang="en-US" dirty="0">
-                <a:solidFill>
-                  <a:srgbClr val="05308D"/>
-                </a:solidFill>
-              </a:rPr>
-              <a:t>(x</a:t>
-            </a:r>
-            <a:r>
-              <a:rPr lang="en-US" baseline="-25000" dirty="0">
-                <a:solidFill>
-                  <a:srgbClr val="05308D"/>
-                </a:solidFill>
-              </a:rPr>
-              <a:t>i</a:t>
-            </a:r>
-            <a:r>
-              <a:rPr lang="en-US" dirty="0">
-                <a:solidFill>
-                  <a:srgbClr val="05308D"/>
-                </a:solidFill>
-              </a:rPr>
-              <a:t>) = [x</a:t>
-            </a:r>
-            <a:r>
-              <a:rPr lang="en-US" baseline="-25000" dirty="0">
-                <a:solidFill>
-                  <a:srgbClr val="05308D"/>
-                </a:solidFill>
-              </a:rPr>
-              <a:t>i</a:t>
-            </a:r>
-            <a:r>
-              <a:rPr lang="en-US" dirty="0">
-                <a:solidFill>
-                  <a:srgbClr val="05308D"/>
-                </a:solidFill>
-              </a:rPr>
-              <a:t> , x</a:t>
-            </a:r>
-            <a:r>
-              <a:rPr lang="en-US" baseline="-25000" dirty="0">
-                <a:solidFill>
-                  <a:srgbClr val="05308D"/>
-                </a:solidFill>
-              </a:rPr>
-              <a:t>i</a:t>
-            </a:r>
-            <a:r>
-              <a:rPr lang="en-US" baseline="30000" dirty="0">
-                <a:solidFill>
-                  <a:srgbClr val="05308D"/>
-                </a:solidFill>
-              </a:rPr>
-              <a:t>2</a:t>
-            </a:r>
-            <a:r>
-              <a:rPr lang="en-US" dirty="0">
-                <a:solidFill>
-                  <a:srgbClr val="05308D"/>
-                </a:solidFill>
-              </a:rPr>
-              <a:t>].  </a:t>
-            </a:r>
-          </a:p>
-        </p:txBody>
-      </p:sp>
-      <p:pic>
-        <p:nvPicPr>
-          <p:cNvPr id="7" name="Picture 6"/>
-          <p:cNvPicPr>
-            <a:picLocks noChangeAspect="1"/>
-          </p:cNvPicPr>
-          <p:nvPr/>
-        </p:nvPicPr>
-        <p:blipFill>
-          <a:blip r:embed="rId3"/>
-          <a:stretch>
-            <a:fillRect/>
-          </a:stretch>
-        </p:blipFill>
-        <p:spPr>
-          <a:xfrm>
-            <a:off x="2388870" y="2005251"/>
-            <a:ext cx="6400800" cy="4200307"/>
-          </a:xfrm>
-          <a:prstGeom prst="rect">
-            <a:avLst/>
-          </a:prstGeom>
-        </p:spPr>
-      </p:pic>
+              <a:t>Moving on to kernels</a:t>
+            </a:r>
+          </a:p>
+        </p:txBody>
+      </p:sp>
     </p:spTree>
     <p:extLst>
       <p:ext uri="{BB962C8B-B14F-4D97-AF65-F5344CB8AC3E}">
-        <p14:creationId xmlns:p14="http://schemas.microsoft.com/office/powerpoint/2010/main" val="3804811070"/>
+        <p14:creationId xmlns:p14="http://schemas.microsoft.com/office/powerpoint/2010/main" val="4011581112"/>
       </p:ext>
     </p:extLst>
   </p:cSld>
   <p:clrMapOvr>
     <a:masterClrMapping/>
   </p:clrMapOvr>
-  <p:timing>
-    <p:tnLst>
-      <p:par>
-        <p:cTn id="1" dur="indefinite" restart="never" nodeType="tmRoot"/>
-      </p:par>
-    </p:tnLst>
-  </p:timing>
 </p:sld>
 </file>
 
@@ -7950,7 +7887,7 @@
           <p:cNvPr id="2" name="TextBox 1">
             <a:extLst>
               <a:ext uri="{FF2B5EF4-FFF2-40B4-BE49-F238E27FC236}">
-                <a16:creationId xmlns:a16="http://schemas.microsoft.com/office/drawing/2014/main" xmlns="" id="{604FCC24-5774-4D19-AE3C-892BD5CB9036}"/>
+                <a16:creationId xmlns:a16="http://schemas.microsoft.com/office/drawing/2014/main" id="{604FCC24-5774-4D19-AE3C-892BD5CB9036}"/>
               </a:ext>
             </a:extLst>
           </p:cNvPr>
@@ -7993,7 +7930,7 @@
           <p:cNvPr id="4" name="Picture 3">
             <a:extLst>
               <a:ext uri="{FF2B5EF4-FFF2-40B4-BE49-F238E27FC236}">
-                <a16:creationId xmlns:a16="http://schemas.microsoft.com/office/drawing/2014/main" xmlns="" id="{F0B874BC-5765-4579-8F6F-59B6BDF60DE7}"/>
+                <a16:creationId xmlns:a16="http://schemas.microsoft.com/office/drawing/2014/main" id="{F0B874BC-5765-4579-8F6F-59B6BDF60DE7}"/>
               </a:ext>
             </a:extLst>
           </p:cNvPr>
@@ -8022,7 +7959,7 @@
           <p:cNvPr id="5" name="TextBox 4">
             <a:extLst>
               <a:ext uri="{FF2B5EF4-FFF2-40B4-BE49-F238E27FC236}">
-                <a16:creationId xmlns:a16="http://schemas.microsoft.com/office/drawing/2014/main" xmlns="" id="{DFC2E9E1-A3F6-4AA8-8C9A-9F3695FBB261}"/>
+                <a16:creationId xmlns:a16="http://schemas.microsoft.com/office/drawing/2014/main" id="{DFC2E9E1-A3F6-4AA8-8C9A-9F3695FBB261}"/>
               </a:ext>
             </a:extLst>
           </p:cNvPr>
@@ -8067,7 +8004,7 @@
           <p:cNvPr id="31" name="TextBox 30">
             <a:extLst>
               <a:ext uri="{FF2B5EF4-FFF2-40B4-BE49-F238E27FC236}">
-                <a16:creationId xmlns:a16="http://schemas.microsoft.com/office/drawing/2014/main" xmlns="" id="{07A69552-D889-4FE7-A940-160B95A6EBFB}"/>
+                <a16:creationId xmlns:a16="http://schemas.microsoft.com/office/drawing/2014/main" id="{07A69552-D889-4FE7-A940-160B95A6EBFB}"/>
               </a:ext>
             </a:extLst>
           </p:cNvPr>
@@ -8139,13 +8076,6 @@
   <p:clrMapOvr>
     <a:masterClrMapping/>
   </p:clrMapOvr>
-  <p:timing>
-    <p:tnLst>
-      <p:par>
-        <p:cTn id="1" dur="indefinite" restart="never" nodeType="tmRoot"/>
-      </p:par>
-    </p:tnLst>
-  </p:timing>
 </p:sld>
 </file>
 
@@ -8206,8 +8136,8 @@
         </p:nvSpPr>
         <p:spPr>
           <a:xfrm>
-            <a:off x="140208" y="523220"/>
-            <a:ext cx="8649462" cy="1538883"/>
+            <a:off x="123825" y="615345"/>
+            <a:ext cx="8258175" cy="1231106"/>
           </a:xfrm>
           <a:prstGeom prst="rect">
             <a:avLst/>
@@ -8220,38 +8150,21 @@
           </a:bodyPr>
           <a:lstStyle/>
           <a:p>
-            <a:r>
-              <a:rPr lang="en-US" u="sng" dirty="0">
-                <a:solidFill>
-                  <a:srgbClr val="05308D"/>
-                </a:solidFill>
-              </a:rPr>
-              <a:t>Concern</a:t>
-            </a:r>
             <a:r>
               <a:rPr lang="en-US" dirty="0">
                 <a:solidFill>
                   <a:srgbClr val="05308D"/>
                 </a:solidFill>
               </a:rPr>
-              <a:t>: Transforming all the datapoints might be computationally expensive.</a:t>
-            </a:r>
-          </a:p>
-          <a:p>
-            <a:endParaRPr lang="en-US" sz="400" dirty="0">
-              <a:solidFill>
-                <a:srgbClr val="05308D"/>
-              </a:solidFill>
-            </a:endParaRPr>
-          </a:p>
-          <a:p>
-            <a:r>
-              <a:rPr lang="en-US" u="sng" dirty="0">
+              <a:t>Kernels are often brought up in the context of nonlinear SVMs.  Recall that SVMs attempt to place a decision boundary that separates two classes of decision points.  In the example below, the two classes are linearly separable only after each x</a:t>
+            </a:r>
+            <a:r>
+              <a:rPr lang="en-US" baseline="-25000" dirty="0">
                 <a:solidFill>
                   <a:srgbClr val="05308D"/>
                 </a:solidFill>
               </a:rPr>
-              <a:t>Kernel functions</a:t>
+              <a:t>i </a:t>
             </a:r>
             <a:r>
               <a:rPr lang="en-US" dirty="0">
@@ -8259,7 +8172,7 @@
                   <a:srgbClr val="05308D"/>
                 </a:solidFill>
               </a:rPr>
-              <a:t> help address this issue by providing a formula for the dot product of </a:t>
+              <a:t>is transformed to a 2D vector such </a:t>
             </a:r>
             <a:r>
               <a:rPr lang="el-GR" dirty="0">
@@ -8291,15 +8204,15 @@
                   <a:srgbClr val="05308D"/>
                 </a:solidFill>
               </a:rPr>
-              <a:t>),</a:t>
-            </a:r>
-            <a:r>
-              <a:rPr lang="el-GR" dirty="0">
+              <a:t>) = [x</a:t>
+            </a:r>
+            <a:r>
+              <a:rPr lang="en-US" baseline="-25000" dirty="0">
                 <a:solidFill>
                   <a:srgbClr val="05308D"/>
                 </a:solidFill>
               </a:rPr>
-              <a:t> φ</a:t>
+              <a:t>i</a:t>
             </a:r>
             <a:r>
               <a:rPr lang="en-US" dirty="0">
@@ -8307,23 +8220,23 @@
                   <a:srgbClr val="05308D"/>
                 </a:solidFill>
               </a:rPr>
-              <a:t>(</a:t>
-            </a:r>
-            <a:r>
-              <a:rPr lang="en-US" dirty="0" err="1">
+              <a:t> , x</a:t>
+            </a:r>
+            <a:r>
+              <a:rPr lang="en-US" baseline="-25000" dirty="0">
                 <a:solidFill>
                   <a:srgbClr val="05308D"/>
                 </a:solidFill>
               </a:rPr>
-              <a:t>x</a:t>
-            </a:r>
-            <a:r>
-              <a:rPr lang="en-US" baseline="-25000" dirty="0" err="1">
+              <a:t>i</a:t>
+            </a:r>
+            <a:r>
+              <a:rPr lang="en-US" baseline="30000" dirty="0">
                 <a:solidFill>
                   <a:srgbClr val="05308D"/>
                 </a:solidFill>
               </a:rPr>
-              <a:t>j</a:t>
+              <a:t>2</a:t>
             </a:r>
             <a:r>
               <a:rPr lang="en-US" dirty="0">
@@ -8331,29 +8244,8 @@
                   <a:srgbClr val="05308D"/>
                 </a:solidFill>
               </a:rPr>
-              <a:t>) that may eliminate the need to actually implement the transformation defined by </a:t>
-            </a:r>
-            <a:r>
-              <a:rPr lang="el-GR" dirty="0">
-                <a:solidFill>
-                  <a:srgbClr val="05308D"/>
-                </a:solidFill>
-              </a:rPr>
-              <a:t>φ</a:t>
-            </a:r>
-            <a:r>
-              <a:rPr lang="en-US" dirty="0">
-                <a:solidFill>
-                  <a:srgbClr val="05308D"/>
-                </a:solidFill>
-              </a:rPr>
-              <a:t>.   This is helpful for nonlinear SVMs, which require the computation of dot products between data points during both training and test.</a:t>
-            </a:r>
-            <a:endParaRPr lang="en-US" u="sng" dirty="0">
-              <a:solidFill>
-                <a:srgbClr val="05308D"/>
-              </a:solidFill>
-            </a:endParaRPr>
+              <a:t>].  </a:t>
+            </a:r>
           </a:p>
         </p:txBody>
       </p:sp>
@@ -8384,20 +8276,13 @@
     </p:spTree>
     <p:extLst>
       <p:ext uri="{BB962C8B-B14F-4D97-AF65-F5344CB8AC3E}">
-        <p14:creationId xmlns:p14="http://schemas.microsoft.com/office/powerpoint/2010/main" val="1870519452"/>
+        <p14:creationId xmlns:p14="http://schemas.microsoft.com/office/powerpoint/2010/main" val="3804811070"/>
       </p:ext>
     </p:extLst>
   </p:cSld>
   <p:clrMapOvr>
     <a:masterClrMapping/>
   </p:clrMapOvr>
-  <p:timing>
-    <p:tnLst>
-      <p:par>
-        <p:cTn id="1" dur="indefinite" restart="never" nodeType="tmRoot"/>
-      </p:par>
-    </p:tnLst>
-  </p:timing>
 </p:sld>
 </file>
 
@@ -8445,7 +8330,7 @@
                   <a:srgbClr val="002060"/>
                 </a:solidFill>
               </a:rPr>
-              <a:t>Use of kernel functions</a:t>
+              <a:t>Recap of lecture material on kernels</a:t>
             </a:r>
           </a:p>
         </p:txBody>
@@ -8459,7 +8344,7 @@
         <p:spPr>
           <a:xfrm>
             <a:off x="140208" y="523220"/>
-            <a:ext cx="8258175" cy="1785104"/>
+            <a:ext cx="8649462" cy="1538883"/>
           </a:xfrm>
           <a:prstGeom prst="rect">
             <a:avLst/>
@@ -8473,15 +8358,96 @@
           <a:lstStyle/>
           <a:p>
             <a:r>
-              <a:rPr lang="en-US" sz="2200" dirty="0">
+              <a:rPr lang="en-US" u="sng" dirty="0">
                 <a:solidFill>
                   <a:srgbClr val="05308D"/>
                 </a:solidFill>
               </a:rPr>
-              <a:t>If we have identified a kernel function k(</a:t>
-            </a:r>
-            <a:r>
-              <a:rPr lang="en-US" sz="2200" dirty="0" err="1">
+              <a:t>Concern</a:t>
+            </a:r>
+            <a:r>
+              <a:rPr lang="en-US" dirty="0">
+                <a:solidFill>
+                  <a:srgbClr val="05308D"/>
+                </a:solidFill>
+              </a:rPr>
+              <a:t>: Transforming all the datapoints might be computationally expensive.</a:t>
+            </a:r>
+          </a:p>
+          <a:p>
+            <a:endParaRPr lang="en-US" sz="400" dirty="0">
+              <a:solidFill>
+                <a:srgbClr val="05308D"/>
+              </a:solidFill>
+            </a:endParaRPr>
+          </a:p>
+          <a:p>
+            <a:r>
+              <a:rPr lang="en-US" u="sng" dirty="0">
+                <a:solidFill>
+                  <a:srgbClr val="05308D"/>
+                </a:solidFill>
+              </a:rPr>
+              <a:t>Kernel functions</a:t>
+            </a:r>
+            <a:r>
+              <a:rPr lang="en-US" dirty="0">
+                <a:solidFill>
+                  <a:srgbClr val="05308D"/>
+                </a:solidFill>
+              </a:rPr>
+              <a:t> help address this issue by providing a formula for the dot product of </a:t>
+            </a:r>
+            <a:r>
+              <a:rPr lang="el-GR" dirty="0">
+                <a:solidFill>
+                  <a:srgbClr val="05308D"/>
+                </a:solidFill>
+              </a:rPr>
+              <a:t>φ</a:t>
+            </a:r>
+            <a:r>
+              <a:rPr lang="en-US" dirty="0">
+                <a:solidFill>
+                  <a:srgbClr val="05308D"/>
+                </a:solidFill>
+              </a:rPr>
+              <a:t>(x</a:t>
+            </a:r>
+            <a:r>
+              <a:rPr lang="en-US" baseline="-25000" dirty="0">
+                <a:solidFill>
+                  <a:srgbClr val="05308D"/>
+                </a:solidFill>
+              </a:rPr>
+              <a:t>i</a:t>
+            </a:r>
+            <a:r>
+              <a:rPr lang="en-US" dirty="0">
+                <a:solidFill>
+                  <a:srgbClr val="05308D"/>
+                </a:solidFill>
+              </a:rPr>
+              <a:t>),</a:t>
+            </a:r>
+            <a:r>
+              <a:rPr lang="el-GR" dirty="0">
+                <a:solidFill>
+                  <a:srgbClr val="05308D"/>
+                </a:solidFill>
+              </a:rPr>
+              <a:t> φ</a:t>
+            </a:r>
+            <a:r>
+              <a:rPr lang="en-US" dirty="0">
+                <a:solidFill>
+                  <a:srgbClr val="05308D"/>
+                </a:solidFill>
+              </a:rPr>
+              <a:t>(</a:t>
+            </a:r>
+            <a:r>
+              <a:rPr lang="en-US" dirty="0" err="1">
                 <a:solidFill>
                   <a:srgbClr val="05308D"/>
                 </a:solidFill>
@@ -8489,23 +8455,7 @@
               <a:t>x</a:t>
             </a:r>
             <a:r>
-              <a:rPr lang="en-US" sz="2200" baseline="-25000" dirty="0" err="1">
-                <a:solidFill>
-                  <a:srgbClr val="05308D"/>
-                </a:solidFill>
-              </a:rPr>
-              <a:t>i</a:t>
-            </a:r>
-            <a:r>
-              <a:rPr lang="en-US" sz="2200" dirty="0" err="1">
-                <a:solidFill>
-                  <a:srgbClr val="05308D"/>
-                </a:solidFill>
-              </a:rPr>
-              <a:t>,x</a:t>
-            </a:r>
-            <a:r>
-              <a:rPr lang="en-US" sz="2200" baseline="-25000" dirty="0" err="1">
+              <a:rPr lang="en-US" baseline="-25000" dirty="0" err="1">
                 <a:solidFill>
                   <a:srgbClr val="05308D"/>
                 </a:solidFill>
@@ -8513,55 +8463,15 @@
               <a:t>j</a:t>
             </a:r>
             <a:r>
-              <a:rPr lang="en-US" sz="2200" dirty="0">
+              <a:rPr lang="en-US" dirty="0">
                 <a:solidFill>
                   <a:srgbClr val="05308D"/>
                 </a:solidFill>
               </a:rPr>
-              <a:t>) = dot(</a:t>
-            </a:r>
-            <a:r>
-              <a:rPr lang="el-GR" sz="2200" dirty="0">
-                <a:solidFill>
-                  <a:srgbClr val="05308D"/>
-                </a:solidFill>
-              </a:rPr>
-              <a:t>φ(</a:t>
-            </a:r>
-            <a:r>
-              <a:rPr lang="en-US" sz="2200" dirty="0">
-                <a:solidFill>
-                  <a:srgbClr val="05308D"/>
-                </a:solidFill>
-              </a:rPr>
-              <a:t>xi), </a:t>
-            </a:r>
-            <a:r>
-              <a:rPr lang="el-GR" sz="2200" dirty="0">
-                <a:solidFill>
-                  <a:srgbClr val="05308D"/>
-                </a:solidFill>
-              </a:rPr>
-              <a:t>φ(</a:t>
-            </a:r>
-            <a:r>
-              <a:rPr lang="en-US" sz="2200" dirty="0" err="1">
-                <a:solidFill>
-                  <a:srgbClr val="05308D"/>
-                </a:solidFill>
-              </a:rPr>
-              <a:t>xj</a:t>
-            </a:r>
-            <a:r>
-              <a:rPr lang="en-US" sz="2200" dirty="0">
-                <a:solidFill>
-                  <a:srgbClr val="05308D"/>
-                </a:solidFill>
-              </a:rPr>
-              <a:t>)) for the transform </a:t>
-            </a:r>
-            <a:r>
-              <a:rPr lang="el-GR" sz="2200" dirty="0">
+              <a:t>) that may eliminate the need to actually implement the transformation defined by </a:t>
+            </a:r>
+            <a:r>
+              <a:rPr lang="el-GR" dirty="0">
                 <a:solidFill>
                   <a:srgbClr val="05308D"/>
                 </a:solidFill>
@@ -8569,136 +8479,24 @@
               <a:t>φ</a:t>
             </a:r>
             <a:r>
-              <a:rPr lang="en-US" sz="2200" dirty="0">
+              <a:rPr lang="en-US" dirty="0">
                 <a:solidFill>
                   <a:srgbClr val="05308D"/>
                 </a:solidFill>
               </a:rPr>
-              <a:t> that we wish to perform on the data that we are classifying, we can replace the dot products in the classification algorithm with k(</a:t>
-            </a:r>
-            <a:r>
-              <a:rPr lang="en-US" sz="2200" dirty="0" err="1">
-                <a:solidFill>
-                  <a:srgbClr val="05308D"/>
-                </a:solidFill>
-              </a:rPr>
-              <a:t>x</a:t>
-            </a:r>
-            <a:r>
-              <a:rPr lang="en-US" sz="2200" baseline="-25000" dirty="0" err="1">
-                <a:solidFill>
-                  <a:srgbClr val="05308D"/>
-                </a:solidFill>
-              </a:rPr>
-              <a:t>i</a:t>
-            </a:r>
-            <a:r>
-              <a:rPr lang="en-US" sz="2200" dirty="0" err="1">
-                <a:solidFill>
-                  <a:srgbClr val="05308D"/>
-                </a:solidFill>
-              </a:rPr>
-              <a:t>,x</a:t>
-            </a:r>
-            <a:r>
-              <a:rPr lang="en-US" sz="2200" baseline="-25000" dirty="0" err="1">
-                <a:solidFill>
-                  <a:srgbClr val="05308D"/>
-                </a:solidFill>
-              </a:rPr>
-              <a:t>j</a:t>
-            </a:r>
-            <a:r>
-              <a:rPr lang="en-US" sz="2200" dirty="0">
-                <a:solidFill>
-                  <a:srgbClr val="05308D"/>
-                </a:solidFill>
-              </a:rPr>
-              <a:t>), instead of having to actually perform the transformation on the data points.</a:t>
-            </a:r>
-          </a:p>
-        </p:txBody>
-      </p:sp>
-      <p:sp>
-        <p:nvSpPr>
-          <p:cNvPr id="6" name="TextBox 5">
-            <a:extLst>
-              <a:ext uri="{FF2B5EF4-FFF2-40B4-BE49-F238E27FC236}">
-                <a16:creationId xmlns:a16="http://schemas.microsoft.com/office/drawing/2014/main" xmlns="" id="{748FAB66-ED3A-4A55-BF7B-7C60EBE78440}"/>
-              </a:ext>
-            </a:extLst>
-          </p:cNvPr>
-          <p:cNvSpPr txBox="1"/>
-          <p:nvPr/>
-        </p:nvSpPr>
-        <p:spPr>
-          <a:xfrm>
-            <a:off x="4676634" y="4676684"/>
-            <a:ext cx="2870215" cy="430887"/>
-          </a:xfrm>
-          <a:prstGeom prst="rect">
-            <a:avLst/>
-          </a:prstGeom>
-          <a:noFill/>
-        </p:spPr>
-        <p:txBody>
-          <a:bodyPr wrap="square" rtlCol="0">
-            <a:spAutoFit/>
-          </a:bodyPr>
-          <a:lstStyle/>
-          <a:p>
-            <a:r>
-              <a:rPr lang="en-US" sz="2200" dirty="0">
-                <a:solidFill>
-                  <a:srgbClr val="007041"/>
-                </a:solidFill>
-              </a:rPr>
-              <a:t>Replace with k(</a:t>
-            </a:r>
-            <a:r>
-              <a:rPr lang="en-US" sz="2200" dirty="0" err="1">
-                <a:solidFill>
-                  <a:srgbClr val="007041"/>
-                </a:solidFill>
-              </a:rPr>
-              <a:t>x</a:t>
-            </a:r>
-            <a:r>
-              <a:rPr lang="en-US" sz="2200" baseline="-25000" dirty="0" err="1">
-                <a:solidFill>
-                  <a:srgbClr val="007041"/>
-                </a:solidFill>
-              </a:rPr>
-              <a:t>i</a:t>
-            </a:r>
-            <a:r>
-              <a:rPr lang="en-US" sz="2200" dirty="0" err="1">
-                <a:solidFill>
-                  <a:srgbClr val="007041"/>
-                </a:solidFill>
-              </a:rPr>
-              <a:t>,x</a:t>
-            </a:r>
-            <a:r>
-              <a:rPr lang="en-US" sz="2200" dirty="0">
-                <a:solidFill>
-                  <a:srgbClr val="007041"/>
-                </a:solidFill>
-              </a:rPr>
-              <a:t>)</a:t>
-            </a:r>
+              <a:t>.   This is helpful for nonlinear SVMs, which require the computation of dot products between data points during both training and test.</a:t>
+            </a:r>
+            <a:endParaRPr lang="en-US" u="sng" dirty="0">
+              <a:solidFill>
+                <a:srgbClr val="05308D"/>
+              </a:solidFill>
+            </a:endParaRPr>
           </a:p>
         </p:txBody>
       </p:sp>
       <p:pic>
         <p:nvPicPr>
-          <p:cNvPr id="3" name="Picture 2">
-            <a:extLst>
-              <a:ext uri="{FF2B5EF4-FFF2-40B4-BE49-F238E27FC236}">
-                <a16:creationId xmlns:a16="http://schemas.microsoft.com/office/drawing/2014/main" xmlns="" id="{3CA9F015-9E25-47EA-A011-CE1DB4BB0528}"/>
-              </a:ext>
-            </a:extLst>
-          </p:cNvPr>
+          <p:cNvPr id="7" name="Picture 6"/>
           <p:cNvPicPr>
             <a:picLocks noChangeAspect="1"/>
           </p:cNvPicPr>
@@ -8712,116 +8510,24 @@
         </p:blipFill>
         <p:spPr>
           <a:xfrm>
-            <a:off x="807858" y="2925003"/>
-            <a:ext cx="4811130" cy="1343280"/>
+            <a:off x="2388870" y="2005251"/>
+            <a:ext cx="6400800" cy="4200307"/>
           </a:xfrm>
           <a:prstGeom prst="rect">
             <a:avLst/>
           </a:prstGeom>
         </p:spPr>
       </p:pic>
-      <p:cxnSp>
-        <p:nvCxnSpPr>
-          <p:cNvPr id="8" name="Straight Arrow Connector 7">
-            <a:extLst>
-              <a:ext uri="{FF2B5EF4-FFF2-40B4-BE49-F238E27FC236}">
-                <a16:creationId xmlns:a16="http://schemas.microsoft.com/office/drawing/2014/main" xmlns="" id="{A4D1B72C-0E2C-410E-B2A7-AA2002CEDCF1}"/>
-              </a:ext>
-            </a:extLst>
-          </p:cNvPr>
-          <p:cNvCxnSpPr>
-            <a:cxnSpLocks/>
-          </p:cNvCxnSpPr>
-          <p:nvPr/>
-        </p:nvCxnSpPr>
-        <p:spPr>
-          <a:xfrm flipH="1" flipV="1">
-            <a:off x="4676634" y="4268283"/>
-            <a:ext cx="1114566" cy="394308"/>
-          </a:xfrm>
-          <a:prstGeom prst="straightConnector1">
-            <a:avLst/>
-          </a:prstGeom>
-          <a:ln w="38100">
-            <a:solidFill>
-              <a:schemeClr val="bg1">
-                <a:lumMod val="50000"/>
-              </a:schemeClr>
-            </a:solidFill>
-            <a:tailEnd type="triangle"/>
-          </a:ln>
-        </p:spPr>
-        <p:style>
-          <a:lnRef idx="1">
-            <a:schemeClr val="accent1"/>
-          </a:lnRef>
-          <a:fillRef idx="0">
-            <a:schemeClr val="accent1"/>
-          </a:fillRef>
-          <a:effectRef idx="0">
-            <a:schemeClr val="accent1"/>
-          </a:effectRef>
-          <a:fontRef idx="minor">
-            <a:schemeClr val="tx1"/>
-          </a:fontRef>
-        </p:style>
-      </p:cxnSp>
-      <p:sp>
-        <p:nvSpPr>
-          <p:cNvPr id="11" name="TextBox 10">
-            <a:extLst>
-              <a:ext uri="{FF2B5EF4-FFF2-40B4-BE49-F238E27FC236}">
-                <a16:creationId xmlns:a16="http://schemas.microsoft.com/office/drawing/2014/main" xmlns="" id="{C59FCB0E-7FA6-457A-BBE6-FDC74FD05722}"/>
-              </a:ext>
-            </a:extLst>
-          </p:cNvPr>
-          <p:cNvSpPr txBox="1"/>
-          <p:nvPr/>
-        </p:nvSpPr>
-        <p:spPr>
-          <a:xfrm>
-            <a:off x="292607" y="2460724"/>
-            <a:ext cx="8258175" cy="430887"/>
-          </a:xfrm>
-          <a:prstGeom prst="rect">
-            <a:avLst/>
-          </a:prstGeom>
-          <a:noFill/>
-        </p:spPr>
-        <p:txBody>
-          <a:bodyPr wrap="square" rtlCol="0">
-            <a:spAutoFit/>
-          </a:bodyPr>
-          <a:lstStyle/>
-          <a:p>
-            <a:r>
-              <a:rPr lang="en-US" sz="2200" dirty="0">
-                <a:solidFill>
-                  <a:srgbClr val="007041"/>
-                </a:solidFill>
-              </a:rPr>
-              <a:t>Example: Using a trained SVM to classify a test point:</a:t>
-            </a:r>
-          </a:p>
-        </p:txBody>
-      </p:sp>
     </p:spTree>
     <p:extLst>
       <p:ext uri="{BB962C8B-B14F-4D97-AF65-F5344CB8AC3E}">
-        <p14:creationId xmlns:p14="http://schemas.microsoft.com/office/powerpoint/2010/main" val="810535949"/>
+        <p14:creationId xmlns:p14="http://schemas.microsoft.com/office/powerpoint/2010/main" val="1870519452"/>
       </p:ext>
     </p:extLst>
   </p:cSld>
   <p:clrMapOvr>
     <a:masterClrMapping/>
   </p:clrMapOvr>
-  <p:timing>
-    <p:tnLst>
-      <p:par>
-        <p:cTn id="1" dur="indefinite" restart="never" nodeType="tmRoot"/>
-      </p:par>
-    </p:tnLst>
-  </p:timing>
 </p:sld>
 </file>
 
@@ -8864,6 +8570,423 @@
           <a:lstStyle/>
           <a:p>
             <a:r>
+              <a:rPr lang="en-US" sz="2800" dirty="0">
+                <a:solidFill>
+                  <a:srgbClr val="002060"/>
+                </a:solidFill>
+              </a:rPr>
+              <a:t>Use of kernel functions</a:t>
+            </a:r>
+          </a:p>
+        </p:txBody>
+      </p:sp>
+      <p:sp>
+        <p:nvSpPr>
+          <p:cNvPr id="2" name="TextBox 1"/>
+          <p:cNvSpPr txBox="1"/>
+          <p:nvPr/>
+        </p:nvSpPr>
+        <p:spPr>
+          <a:xfrm>
+            <a:off x="140208" y="523220"/>
+            <a:ext cx="8258175" cy="1785104"/>
+          </a:xfrm>
+          <a:prstGeom prst="rect">
+            <a:avLst/>
+          </a:prstGeom>
+          <a:noFill/>
+        </p:spPr>
+        <p:txBody>
+          <a:bodyPr wrap="square" rtlCol="0">
+            <a:spAutoFit/>
+          </a:bodyPr>
+          <a:lstStyle/>
+          <a:p>
+            <a:r>
+              <a:rPr lang="en-US" sz="2200" dirty="0">
+                <a:solidFill>
+                  <a:srgbClr val="05308D"/>
+                </a:solidFill>
+              </a:rPr>
+              <a:t>If we have identified a kernel function k(</a:t>
+            </a:r>
+            <a:r>
+              <a:rPr lang="en-US" sz="2200" dirty="0" err="1">
+                <a:solidFill>
+                  <a:srgbClr val="05308D"/>
+                </a:solidFill>
+              </a:rPr>
+              <a:t>x</a:t>
+            </a:r>
+            <a:r>
+              <a:rPr lang="en-US" sz="2200" baseline="-25000" dirty="0" err="1">
+                <a:solidFill>
+                  <a:srgbClr val="05308D"/>
+                </a:solidFill>
+              </a:rPr>
+              <a:t>i</a:t>
+            </a:r>
+            <a:r>
+              <a:rPr lang="en-US" sz="2200" dirty="0" err="1">
+                <a:solidFill>
+                  <a:srgbClr val="05308D"/>
+                </a:solidFill>
+              </a:rPr>
+              <a:t>,x</a:t>
+            </a:r>
+            <a:r>
+              <a:rPr lang="en-US" sz="2200" baseline="-25000" dirty="0" err="1">
+                <a:solidFill>
+                  <a:srgbClr val="05308D"/>
+                </a:solidFill>
+              </a:rPr>
+              <a:t>j</a:t>
+            </a:r>
+            <a:r>
+              <a:rPr lang="en-US" sz="2200" dirty="0">
+                <a:solidFill>
+                  <a:srgbClr val="05308D"/>
+                </a:solidFill>
+              </a:rPr>
+              <a:t>) = dot(</a:t>
+            </a:r>
+            <a:r>
+              <a:rPr lang="el-GR" sz="2200" dirty="0">
+                <a:solidFill>
+                  <a:srgbClr val="05308D"/>
+                </a:solidFill>
+              </a:rPr>
+              <a:t>φ(</a:t>
+            </a:r>
+            <a:r>
+              <a:rPr lang="en-US" sz="2200" dirty="0">
+                <a:solidFill>
+                  <a:srgbClr val="05308D"/>
+                </a:solidFill>
+              </a:rPr>
+              <a:t>xi), </a:t>
+            </a:r>
+            <a:r>
+              <a:rPr lang="el-GR" sz="2200" dirty="0">
+                <a:solidFill>
+                  <a:srgbClr val="05308D"/>
+                </a:solidFill>
+              </a:rPr>
+              <a:t>φ(</a:t>
+            </a:r>
+            <a:r>
+              <a:rPr lang="en-US" sz="2200" dirty="0" err="1">
+                <a:solidFill>
+                  <a:srgbClr val="05308D"/>
+                </a:solidFill>
+              </a:rPr>
+              <a:t>xj</a:t>
+            </a:r>
+            <a:r>
+              <a:rPr lang="en-US" sz="2200" dirty="0">
+                <a:solidFill>
+                  <a:srgbClr val="05308D"/>
+                </a:solidFill>
+              </a:rPr>
+              <a:t>)) for the transform </a:t>
+            </a:r>
+            <a:r>
+              <a:rPr lang="el-GR" sz="2200" dirty="0">
+                <a:solidFill>
+                  <a:srgbClr val="05308D"/>
+                </a:solidFill>
+              </a:rPr>
+              <a:t>φ</a:t>
+            </a:r>
+            <a:r>
+              <a:rPr lang="en-US" sz="2200" dirty="0">
+                <a:solidFill>
+                  <a:srgbClr val="05308D"/>
+                </a:solidFill>
+              </a:rPr>
+              <a:t> that we wish to perform on the data that we are classifying, we can replace the dot products in the classification algorithm with k(</a:t>
+            </a:r>
+            <a:r>
+              <a:rPr lang="en-US" sz="2200" dirty="0" err="1">
+                <a:solidFill>
+                  <a:srgbClr val="05308D"/>
+                </a:solidFill>
+              </a:rPr>
+              <a:t>x</a:t>
+            </a:r>
+            <a:r>
+              <a:rPr lang="en-US" sz="2200" baseline="-25000" dirty="0" err="1">
+                <a:solidFill>
+                  <a:srgbClr val="05308D"/>
+                </a:solidFill>
+              </a:rPr>
+              <a:t>i</a:t>
+            </a:r>
+            <a:r>
+              <a:rPr lang="en-US" sz="2200" dirty="0" err="1">
+                <a:solidFill>
+                  <a:srgbClr val="05308D"/>
+                </a:solidFill>
+              </a:rPr>
+              <a:t>,x</a:t>
+            </a:r>
+            <a:r>
+              <a:rPr lang="en-US" sz="2200" baseline="-25000" dirty="0" err="1">
+                <a:solidFill>
+                  <a:srgbClr val="05308D"/>
+                </a:solidFill>
+              </a:rPr>
+              <a:t>j</a:t>
+            </a:r>
+            <a:r>
+              <a:rPr lang="en-US" sz="2200" dirty="0">
+                <a:solidFill>
+                  <a:srgbClr val="05308D"/>
+                </a:solidFill>
+              </a:rPr>
+              <a:t>), instead of having to actually perform the transformation on the data points.</a:t>
+            </a:r>
+          </a:p>
+        </p:txBody>
+      </p:sp>
+      <p:sp>
+        <p:nvSpPr>
+          <p:cNvPr id="6" name="TextBox 5">
+            <a:extLst>
+              <a:ext uri="{FF2B5EF4-FFF2-40B4-BE49-F238E27FC236}">
+                <a16:creationId xmlns:a16="http://schemas.microsoft.com/office/drawing/2014/main" id="{748FAB66-ED3A-4A55-BF7B-7C60EBE78440}"/>
+              </a:ext>
+            </a:extLst>
+          </p:cNvPr>
+          <p:cNvSpPr txBox="1"/>
+          <p:nvPr/>
+        </p:nvSpPr>
+        <p:spPr>
+          <a:xfrm>
+            <a:off x="4676634" y="4676684"/>
+            <a:ext cx="2870215" cy="430887"/>
+          </a:xfrm>
+          <a:prstGeom prst="rect">
+            <a:avLst/>
+          </a:prstGeom>
+          <a:noFill/>
+        </p:spPr>
+        <p:txBody>
+          <a:bodyPr wrap="square" rtlCol="0">
+            <a:spAutoFit/>
+          </a:bodyPr>
+          <a:lstStyle/>
+          <a:p>
+            <a:r>
+              <a:rPr lang="en-US" sz="2200" dirty="0">
+                <a:solidFill>
+                  <a:srgbClr val="007041"/>
+                </a:solidFill>
+              </a:rPr>
+              <a:t>Replace with k(</a:t>
+            </a:r>
+            <a:r>
+              <a:rPr lang="en-US" sz="2200" dirty="0" err="1">
+                <a:solidFill>
+                  <a:srgbClr val="007041"/>
+                </a:solidFill>
+              </a:rPr>
+              <a:t>x</a:t>
+            </a:r>
+            <a:r>
+              <a:rPr lang="en-US" sz="2200" baseline="-25000" dirty="0" err="1">
+                <a:solidFill>
+                  <a:srgbClr val="007041"/>
+                </a:solidFill>
+              </a:rPr>
+              <a:t>i</a:t>
+            </a:r>
+            <a:r>
+              <a:rPr lang="en-US" sz="2200" dirty="0" err="1">
+                <a:solidFill>
+                  <a:srgbClr val="007041"/>
+                </a:solidFill>
+              </a:rPr>
+              <a:t>,x</a:t>
+            </a:r>
+            <a:r>
+              <a:rPr lang="en-US" sz="2200" dirty="0">
+                <a:solidFill>
+                  <a:srgbClr val="007041"/>
+                </a:solidFill>
+              </a:rPr>
+              <a:t>)</a:t>
+            </a:r>
+          </a:p>
+        </p:txBody>
+      </p:sp>
+      <p:pic>
+        <p:nvPicPr>
+          <p:cNvPr id="3" name="Picture 2">
+            <a:extLst>
+              <a:ext uri="{FF2B5EF4-FFF2-40B4-BE49-F238E27FC236}">
+                <a16:creationId xmlns:a16="http://schemas.microsoft.com/office/drawing/2014/main" id="{3CA9F015-9E25-47EA-A011-CE1DB4BB0528}"/>
+              </a:ext>
+            </a:extLst>
+          </p:cNvPr>
+          <p:cNvPicPr>
+            <a:picLocks noChangeAspect="1"/>
+          </p:cNvPicPr>
+          <p:nvPr/>
+        </p:nvPicPr>
+        <p:blipFill>
+          <a:blip r:embed="rId3"/>
+          <a:stretch>
+            <a:fillRect/>
+          </a:stretch>
+        </p:blipFill>
+        <p:spPr>
+          <a:xfrm>
+            <a:off x="807858" y="2925003"/>
+            <a:ext cx="4811130" cy="1343280"/>
+          </a:xfrm>
+          <a:prstGeom prst="rect">
+            <a:avLst/>
+          </a:prstGeom>
+        </p:spPr>
+      </p:pic>
+      <p:cxnSp>
+        <p:nvCxnSpPr>
+          <p:cNvPr id="8" name="Straight Arrow Connector 7">
+            <a:extLst>
+              <a:ext uri="{FF2B5EF4-FFF2-40B4-BE49-F238E27FC236}">
+                <a16:creationId xmlns:a16="http://schemas.microsoft.com/office/drawing/2014/main" id="{A4D1B72C-0E2C-410E-B2A7-AA2002CEDCF1}"/>
+              </a:ext>
+            </a:extLst>
+          </p:cNvPr>
+          <p:cNvCxnSpPr>
+            <a:cxnSpLocks/>
+          </p:cNvCxnSpPr>
+          <p:nvPr/>
+        </p:nvCxnSpPr>
+        <p:spPr>
+          <a:xfrm flipH="1" flipV="1">
+            <a:off x="4676634" y="4268283"/>
+            <a:ext cx="1114566" cy="394308"/>
+          </a:xfrm>
+          <a:prstGeom prst="straightConnector1">
+            <a:avLst/>
+          </a:prstGeom>
+          <a:ln w="38100">
+            <a:solidFill>
+              <a:schemeClr val="bg1">
+                <a:lumMod val="50000"/>
+              </a:schemeClr>
+            </a:solidFill>
+            <a:tailEnd type="triangle"/>
+          </a:ln>
+        </p:spPr>
+        <p:style>
+          <a:lnRef idx="1">
+            <a:schemeClr val="accent1"/>
+          </a:lnRef>
+          <a:fillRef idx="0">
+            <a:schemeClr val="accent1"/>
+          </a:fillRef>
+          <a:effectRef idx="0">
+            <a:schemeClr val="accent1"/>
+          </a:effectRef>
+          <a:fontRef idx="minor">
+            <a:schemeClr val="tx1"/>
+          </a:fontRef>
+        </p:style>
+      </p:cxnSp>
+      <p:sp>
+        <p:nvSpPr>
+          <p:cNvPr id="11" name="TextBox 10">
+            <a:extLst>
+              <a:ext uri="{FF2B5EF4-FFF2-40B4-BE49-F238E27FC236}">
+                <a16:creationId xmlns:a16="http://schemas.microsoft.com/office/drawing/2014/main" id="{C59FCB0E-7FA6-457A-BBE6-FDC74FD05722}"/>
+              </a:ext>
+            </a:extLst>
+          </p:cNvPr>
+          <p:cNvSpPr txBox="1"/>
+          <p:nvPr/>
+        </p:nvSpPr>
+        <p:spPr>
+          <a:xfrm>
+            <a:off x="292607" y="2460724"/>
+            <a:ext cx="8258175" cy="430887"/>
+          </a:xfrm>
+          <a:prstGeom prst="rect">
+            <a:avLst/>
+          </a:prstGeom>
+          <a:noFill/>
+        </p:spPr>
+        <p:txBody>
+          <a:bodyPr wrap="square" rtlCol="0">
+            <a:spAutoFit/>
+          </a:bodyPr>
+          <a:lstStyle/>
+          <a:p>
+            <a:r>
+              <a:rPr lang="en-US" sz="2200" dirty="0">
+                <a:solidFill>
+                  <a:srgbClr val="007041"/>
+                </a:solidFill>
+              </a:rPr>
+              <a:t>Example: Using a trained SVM to classify a test point:</a:t>
+            </a:r>
+          </a:p>
+        </p:txBody>
+      </p:sp>
+    </p:spTree>
+    <p:extLst>
+      <p:ext uri="{BB962C8B-B14F-4D97-AF65-F5344CB8AC3E}">
+        <p14:creationId xmlns:p14="http://schemas.microsoft.com/office/powerpoint/2010/main" val="810535949"/>
+      </p:ext>
+    </p:extLst>
+  </p:cSld>
+  <p:clrMapOvr>
+    <a:masterClrMapping/>
+  </p:clrMapOvr>
+</p:sld>
+</file>
+
+<file path=ppt/slides/slide23.xml><?xml version="1.0" encoding="utf-8"?>
+<p:sld xmlns:a="http://schemas.openxmlformats.org/drawingml/2006/main" xmlns:r="http://schemas.openxmlformats.org/officeDocument/2006/relationships" xmlns:p="http://schemas.openxmlformats.org/presentationml/2006/main">
+  <p:cSld>
+    <p:spTree>
+      <p:nvGrpSpPr>
+        <p:cNvPr id="1" name=""/>
+        <p:cNvGrpSpPr/>
+        <p:nvPr/>
+      </p:nvGrpSpPr>
+      <p:grpSpPr>
+        <a:xfrm>
+          <a:off x="0" y="0"/>
+          <a:ext cx="0" cy="0"/>
+          <a:chOff x="0" y="0"/>
+          <a:chExt cx="0" cy="0"/>
+        </a:xfrm>
+      </p:grpSpPr>
+      <p:sp>
+        <p:nvSpPr>
+          <p:cNvPr id="5" name="TextBox 4"/>
+          <p:cNvSpPr txBox="1"/>
+          <p:nvPr/>
+        </p:nvSpPr>
+        <p:spPr>
+          <a:xfrm>
+            <a:off x="0" y="0"/>
+            <a:ext cx="8134066" cy="523220"/>
+          </a:xfrm>
+          <a:prstGeom prst="rect">
+            <a:avLst/>
+          </a:prstGeom>
+        </p:spPr>
+        <p:txBody>
+          <a:bodyPr rtlCol="0">
+            <a:spAutoFit/>
+          </a:bodyPr>
+          <a:lstStyle/>
+          <a:p>
+            <a:r>
               <a:rPr lang="en-US" sz="2800" dirty="0"/>
               <a:t>Bishop Exercise 6.3</a:t>
             </a:r>
@@ -8975,7 +9098,7 @@
               <p:cNvPr id="3" name="TextBox 2">
                 <a:extLst>
                   <a:ext uri="{FF2B5EF4-FFF2-40B4-BE49-F238E27FC236}">
-                    <a16:creationId xmlns:a16="http://schemas.microsoft.com/office/drawing/2014/main" xmlns="" id="{AC698642-D6AB-4E7C-A95E-881923E569CB}"/>
+                    <a16:creationId xmlns:a16="http://schemas.microsoft.com/office/drawing/2014/main" id="{AC698642-D6AB-4E7C-A95E-881923E569CB}"/>
                   </a:ext>
                 </a:extLst>
               </p:cNvPr>
@@ -9313,7 +9436,7 @@
           <p:cNvPr id="12" name="Group 11">
             <a:extLst>
               <a:ext uri="{FF2B5EF4-FFF2-40B4-BE49-F238E27FC236}">
-                <a16:creationId xmlns:a16="http://schemas.microsoft.com/office/drawing/2014/main" xmlns="" id="{F537BC08-70E9-4CE3-A62E-D8C4D185496A}"/>
+                <a16:creationId xmlns:a16="http://schemas.microsoft.com/office/drawing/2014/main" id="{F537BC08-70E9-4CE3-A62E-D8C4D185496A}"/>
               </a:ext>
             </a:extLst>
           </p:cNvPr>
@@ -9333,7 +9456,7 @@
             <p:cNvPr id="7" name="TextBox 6">
               <a:extLst>
                 <a:ext uri="{FF2B5EF4-FFF2-40B4-BE49-F238E27FC236}">
-                  <a16:creationId xmlns:a16="http://schemas.microsoft.com/office/drawing/2014/main" xmlns="" id="{7F6615D4-082B-4EA2-9581-47FCA3E54193}"/>
+                  <a16:creationId xmlns:a16="http://schemas.microsoft.com/office/drawing/2014/main" id="{7F6615D4-082B-4EA2-9581-47FCA3E54193}"/>
                 </a:ext>
               </a:extLst>
             </p:cNvPr>
@@ -9375,7 +9498,7 @@
             <p:cNvPr id="6" name="TextBox 5">
               <a:extLst>
                 <a:ext uri="{FF2B5EF4-FFF2-40B4-BE49-F238E27FC236}">
-                  <a16:creationId xmlns:a16="http://schemas.microsoft.com/office/drawing/2014/main" xmlns="" id="{0F34E14E-C3AD-4C36-92CA-633E97AD2DBE}"/>
+                  <a16:creationId xmlns:a16="http://schemas.microsoft.com/office/drawing/2014/main" id="{0F34E14E-C3AD-4C36-92CA-633E97AD2DBE}"/>
                 </a:ext>
               </a:extLst>
             </p:cNvPr>
@@ -9458,7 +9581,7 @@
             <p:cNvPr id="11" name="Picture 10" descr="Transpose - Wikipedia - Mozilla Firefox">
               <a:extLst>
                 <a:ext uri="{FF2B5EF4-FFF2-40B4-BE49-F238E27FC236}">
-                  <a16:creationId xmlns:a16="http://schemas.microsoft.com/office/drawing/2014/main" xmlns="" id="{9FDD314E-8DB3-4D86-9BF5-8DDD5ED2FE61}"/>
+                  <a16:creationId xmlns:a16="http://schemas.microsoft.com/office/drawing/2014/main" id="{9FDD314E-8DB3-4D86-9BF5-8DDD5ED2FE61}"/>
                 </a:ext>
               </a:extLst>
             </p:cNvPr>
@@ -9625,75 +9748,6 @@
 </p:sld>
 </file>
 
-<file path=ppt/slides/slide23.xml><?xml version="1.0" encoding="utf-8"?>
-<p:sld xmlns:a="http://schemas.openxmlformats.org/drawingml/2006/main" xmlns:r="http://schemas.openxmlformats.org/officeDocument/2006/relationships" xmlns:p="http://schemas.openxmlformats.org/presentationml/2006/main">
-  <p:cSld>
-    <p:spTree>
-      <p:nvGrpSpPr>
-        <p:cNvPr id="1" name=""/>
-        <p:cNvGrpSpPr/>
-        <p:nvPr/>
-      </p:nvGrpSpPr>
-      <p:grpSpPr>
-        <a:xfrm>
-          <a:off x="0" y="0"/>
-          <a:ext cx="0" cy="0"/>
-          <a:chOff x="0" y="0"/>
-          <a:chExt cx="0" cy="0"/>
-        </a:xfrm>
-      </p:grpSpPr>
-      <p:sp>
-        <p:nvSpPr>
-          <p:cNvPr id="5" name="TextBox 4"/>
-          <p:cNvSpPr txBox="1"/>
-          <p:nvPr/>
-        </p:nvSpPr>
-        <p:spPr>
-          <a:xfrm>
-            <a:off x="0" y="0"/>
-            <a:ext cx="8134066" cy="523220"/>
-          </a:xfrm>
-          <a:prstGeom prst="rect">
-            <a:avLst/>
-          </a:prstGeom>
-        </p:spPr>
-        <p:txBody>
-          <a:bodyPr rtlCol="0">
-            <a:spAutoFit/>
-          </a:bodyPr>
-          <a:lstStyle/>
-          <a:p>
-            <a:r>
-              <a:rPr lang="en-US" sz="2800" dirty="0">
-                <a:solidFill>
-                  <a:srgbClr val="002060"/>
-                </a:solidFill>
-              </a:rPr>
-              <a:t>Solution - next slide</a:t>
-            </a:r>
-          </a:p>
-        </p:txBody>
-      </p:sp>
-    </p:spTree>
-    <p:extLst>
-      <p:ext uri="{BB962C8B-B14F-4D97-AF65-F5344CB8AC3E}">
-        <p14:creationId xmlns:p14="http://schemas.microsoft.com/office/powerpoint/2010/main" val="3171291119"/>
-      </p:ext>
-    </p:extLst>
-  </p:cSld>
-  <p:clrMapOvr>
-    <a:masterClrMapping/>
-  </p:clrMapOvr>
-  <p:timing>
-    <p:tnLst>
-      <p:par>
-        <p:cTn id="1" dur="indefinite" restart="never" nodeType="tmRoot"/>
-      </p:par>
-    </p:tnLst>
-  </p:timing>
-</p:sld>
-</file>
-
 <file path=ppt/slides/slide24.xml><?xml version="1.0" encoding="utf-8"?>
 <p:sld xmlns:a="http://schemas.openxmlformats.org/drawingml/2006/main" xmlns:r="http://schemas.openxmlformats.org/officeDocument/2006/relationships" xmlns:p="http://schemas.openxmlformats.org/presentationml/2006/main">
   <p:cSld>
@@ -9738,6 +9792,68 @@
                   <a:srgbClr val="002060"/>
                 </a:solidFill>
               </a:rPr>
+              <a:t>Solution - next slide</a:t>
+            </a:r>
+          </a:p>
+        </p:txBody>
+      </p:sp>
+    </p:spTree>
+    <p:extLst>
+      <p:ext uri="{BB962C8B-B14F-4D97-AF65-F5344CB8AC3E}">
+        <p14:creationId xmlns:p14="http://schemas.microsoft.com/office/powerpoint/2010/main" val="3171291119"/>
+      </p:ext>
+    </p:extLst>
+  </p:cSld>
+  <p:clrMapOvr>
+    <a:masterClrMapping/>
+  </p:clrMapOvr>
+</p:sld>
+</file>
+
+<file path=ppt/slides/slide25.xml><?xml version="1.0" encoding="utf-8"?>
+<p:sld xmlns:a="http://schemas.openxmlformats.org/drawingml/2006/main" xmlns:r="http://schemas.openxmlformats.org/officeDocument/2006/relationships" xmlns:p="http://schemas.openxmlformats.org/presentationml/2006/main">
+  <p:cSld>
+    <p:spTree>
+      <p:nvGrpSpPr>
+        <p:cNvPr id="1" name=""/>
+        <p:cNvGrpSpPr/>
+        <p:nvPr/>
+      </p:nvGrpSpPr>
+      <p:grpSpPr>
+        <a:xfrm>
+          <a:off x="0" y="0"/>
+          <a:ext cx="0" cy="0"/>
+          <a:chOff x="0" y="0"/>
+          <a:chExt cx="0" cy="0"/>
+        </a:xfrm>
+      </p:grpSpPr>
+      <p:sp>
+        <p:nvSpPr>
+          <p:cNvPr id="5" name="TextBox 4"/>
+          <p:cNvSpPr txBox="1"/>
+          <p:nvPr/>
+        </p:nvSpPr>
+        <p:spPr>
+          <a:xfrm>
+            <a:off x="0" y="0"/>
+            <a:ext cx="8134066" cy="523220"/>
+          </a:xfrm>
+          <a:prstGeom prst="rect">
+            <a:avLst/>
+          </a:prstGeom>
+        </p:spPr>
+        <p:txBody>
+          <a:bodyPr rtlCol="0">
+            <a:spAutoFit/>
+          </a:bodyPr>
+          <a:lstStyle/>
+          <a:p>
+            <a:r>
+              <a:rPr lang="en-US" sz="2800" dirty="0">
+                <a:solidFill>
+                  <a:srgbClr val="002060"/>
+                </a:solidFill>
+              </a:rPr>
               <a:t>Solution</a:t>
             </a:r>
           </a:p>
@@ -9748,7 +9864,7 @@
           <p:cNvPr id="2" name="Picture 1">
             <a:extLst>
               <a:ext uri="{FF2B5EF4-FFF2-40B4-BE49-F238E27FC236}">
-                <a16:creationId xmlns:a16="http://schemas.microsoft.com/office/drawing/2014/main" xmlns="" id="{EABDA5A3-2103-42B6-85A9-FCB2F1AA100A}"/>
+                <a16:creationId xmlns:a16="http://schemas.microsoft.com/office/drawing/2014/main" id="{EABDA5A3-2103-42B6-85A9-FCB2F1AA100A}"/>
               </a:ext>
             </a:extLst>
           </p:cNvPr>
@@ -9783,13 +9899,6 @@
   <p:clrMapOvr>
     <a:masterClrMapping/>
   </p:clrMapOvr>
-  <p:timing>
-    <p:tnLst>
-      <p:par>
-        <p:cTn id="1" dur="indefinite" restart="never" nodeType="tmRoot"/>
-      </p:par>
-    </p:tnLst>
-  </p:timing>
 </p:sld>
 </file>
 
@@ -9815,7 +9924,7 @@
           <p:cNvPr id="2" name="TextBox 1">
             <a:extLst>
               <a:ext uri="{FF2B5EF4-FFF2-40B4-BE49-F238E27FC236}">
-                <a16:creationId xmlns:a16="http://schemas.microsoft.com/office/drawing/2014/main" xmlns="" id="{604FCC24-5774-4D19-AE3C-892BD5CB9036}"/>
+                <a16:creationId xmlns:a16="http://schemas.microsoft.com/office/drawing/2014/main" id="{604FCC24-5774-4D19-AE3C-892BD5CB9036}"/>
               </a:ext>
             </a:extLst>
           </p:cNvPr>
@@ -9866,7 +9975,7 @@
           <p:cNvPr id="3" name="Group 2">
             <a:extLst>
               <a:ext uri="{FF2B5EF4-FFF2-40B4-BE49-F238E27FC236}">
-                <a16:creationId xmlns:a16="http://schemas.microsoft.com/office/drawing/2014/main" xmlns="" id="{CE464BD9-5310-42F6-A7C4-93F1F61D4D24}"/>
+                <a16:creationId xmlns:a16="http://schemas.microsoft.com/office/drawing/2014/main" id="{CE464BD9-5310-42F6-A7C4-93F1F61D4D24}"/>
               </a:ext>
             </a:extLst>
           </p:cNvPr>
@@ -9886,7 +9995,7 @@
             <p:cNvPr id="21" name="TextBox 20">
               <a:extLst>
                 <a:ext uri="{FF2B5EF4-FFF2-40B4-BE49-F238E27FC236}">
-                  <a16:creationId xmlns:a16="http://schemas.microsoft.com/office/drawing/2014/main" xmlns="" id="{21423D16-E797-416E-8FCF-A743D2F430FE}"/>
+                  <a16:creationId xmlns:a16="http://schemas.microsoft.com/office/drawing/2014/main" id="{21423D16-E797-416E-8FCF-A743D2F430FE}"/>
                 </a:ext>
               </a:extLst>
             </p:cNvPr>
@@ -9922,7 +10031,7 @@
             <p:cNvPr id="31" name="Picture 30">
               <a:extLst>
                 <a:ext uri="{FF2B5EF4-FFF2-40B4-BE49-F238E27FC236}">
-                  <a16:creationId xmlns:a16="http://schemas.microsoft.com/office/drawing/2014/main" xmlns="" id="{541970E9-3BD4-4077-B6F0-CBCE53AD616B}"/>
+                  <a16:creationId xmlns:a16="http://schemas.microsoft.com/office/drawing/2014/main" id="{541970E9-3BD4-4077-B6F0-CBCE53AD616B}"/>
                 </a:ext>
               </a:extLst>
             </p:cNvPr>
@@ -9952,7 +10061,7 @@
           <p:cNvPr id="13" name="Group 12">
             <a:extLst>
               <a:ext uri="{FF2B5EF4-FFF2-40B4-BE49-F238E27FC236}">
-                <a16:creationId xmlns:a16="http://schemas.microsoft.com/office/drawing/2014/main" xmlns="" id="{625C22DD-32D6-405A-BF71-7BFA483AA6D8}"/>
+                <a16:creationId xmlns:a16="http://schemas.microsoft.com/office/drawing/2014/main" id="{625C22DD-32D6-405A-BF71-7BFA483AA6D8}"/>
               </a:ext>
             </a:extLst>
           </p:cNvPr>
@@ -9972,7 +10081,7 @@
             <p:cNvPr id="32" name="TextBox 31">
               <a:extLst>
                 <a:ext uri="{FF2B5EF4-FFF2-40B4-BE49-F238E27FC236}">
-                  <a16:creationId xmlns:a16="http://schemas.microsoft.com/office/drawing/2014/main" xmlns="" id="{AD525247-3C34-442D-86FE-62B6EC5F7910}"/>
+                  <a16:creationId xmlns:a16="http://schemas.microsoft.com/office/drawing/2014/main" id="{AD525247-3C34-442D-86FE-62B6EC5F7910}"/>
                 </a:ext>
               </a:extLst>
             </p:cNvPr>
@@ -10015,7 +10124,7 @@
             <p:cNvPr id="10" name="Picture 9">
               <a:extLst>
                 <a:ext uri="{FF2B5EF4-FFF2-40B4-BE49-F238E27FC236}">
-                  <a16:creationId xmlns:a16="http://schemas.microsoft.com/office/drawing/2014/main" xmlns="" id="{AD2927ED-FCF9-42EC-9C97-CE6279117E5D}"/>
+                  <a16:creationId xmlns:a16="http://schemas.microsoft.com/office/drawing/2014/main" id="{AD2927ED-FCF9-42EC-9C97-CE6279117E5D}"/>
                 </a:ext>
               </a:extLst>
             </p:cNvPr>
@@ -10045,7 +10154,7 @@
             <p:cNvPr id="34" name="TextBox 33">
               <a:extLst>
                 <a:ext uri="{FF2B5EF4-FFF2-40B4-BE49-F238E27FC236}">
-                  <a16:creationId xmlns:a16="http://schemas.microsoft.com/office/drawing/2014/main" xmlns="" id="{F90E9CCD-200A-4788-B473-BF521CAF4376}"/>
+                  <a16:creationId xmlns:a16="http://schemas.microsoft.com/office/drawing/2014/main" id="{F90E9CCD-200A-4788-B473-BF521CAF4376}"/>
                 </a:ext>
               </a:extLst>
             </p:cNvPr>
@@ -10098,13 +10207,6 @@
   <p:clrMapOvr>
     <a:masterClrMapping/>
   </p:clrMapOvr>
-  <p:timing>
-    <p:tnLst>
-      <p:par>
-        <p:cTn id="1" dur="indefinite" restart="never" nodeType="tmRoot"/>
-      </p:par>
-    </p:tnLst>
-  </p:timing>
 </p:sld>
 </file>
 
@@ -10130,7 +10232,7 @@
           <p:cNvPr id="2" name="TextBox 1">
             <a:extLst>
               <a:ext uri="{FF2B5EF4-FFF2-40B4-BE49-F238E27FC236}">
-                <a16:creationId xmlns:a16="http://schemas.microsoft.com/office/drawing/2014/main" xmlns="" id="{604FCC24-5774-4D19-AE3C-892BD5CB9036}"/>
+                <a16:creationId xmlns:a16="http://schemas.microsoft.com/office/drawing/2014/main" id="{604FCC24-5774-4D19-AE3C-892BD5CB9036}"/>
               </a:ext>
             </a:extLst>
           </p:cNvPr>
@@ -10181,7 +10283,7 @@
           <p:cNvPr id="21" name="TextBox 20">
             <a:extLst>
               <a:ext uri="{FF2B5EF4-FFF2-40B4-BE49-F238E27FC236}">
-                <a16:creationId xmlns:a16="http://schemas.microsoft.com/office/drawing/2014/main" xmlns="" id="{21423D16-E797-416E-8FCF-A743D2F430FE}"/>
+                <a16:creationId xmlns:a16="http://schemas.microsoft.com/office/drawing/2014/main" id="{21423D16-E797-416E-8FCF-A743D2F430FE}"/>
               </a:ext>
             </a:extLst>
           </p:cNvPr>
@@ -10236,7 +10338,7 @@
           <p:cNvPr id="14" name="Picture 13">
             <a:extLst>
               <a:ext uri="{FF2B5EF4-FFF2-40B4-BE49-F238E27FC236}">
-                <a16:creationId xmlns:a16="http://schemas.microsoft.com/office/drawing/2014/main" xmlns="" id="{6865E7EA-1CAA-4E0B-B74B-8DD7180059AA}"/>
+                <a16:creationId xmlns:a16="http://schemas.microsoft.com/office/drawing/2014/main" id="{6865E7EA-1CAA-4E0B-B74B-8DD7180059AA}"/>
               </a:ext>
             </a:extLst>
           </p:cNvPr>
@@ -10266,7 +10368,7 @@
           <p:cNvPr id="39" name="TextBox 38">
             <a:extLst>
               <a:ext uri="{FF2B5EF4-FFF2-40B4-BE49-F238E27FC236}">
-                <a16:creationId xmlns:a16="http://schemas.microsoft.com/office/drawing/2014/main" xmlns="" id="{67703E7E-0B5D-403C-8879-194AEB50582B}"/>
+                <a16:creationId xmlns:a16="http://schemas.microsoft.com/office/drawing/2014/main" id="{67703E7E-0B5D-403C-8879-194AEB50582B}"/>
               </a:ext>
             </a:extLst>
           </p:cNvPr>
@@ -10321,7 +10423,7 @@
           <p:cNvPr id="15" name="Picture 14">
             <a:extLst>
               <a:ext uri="{FF2B5EF4-FFF2-40B4-BE49-F238E27FC236}">
-                <a16:creationId xmlns:a16="http://schemas.microsoft.com/office/drawing/2014/main" xmlns="" id="{4EEB0CA1-9B6B-405D-B2D6-43C6A3A6EE92}"/>
+                <a16:creationId xmlns:a16="http://schemas.microsoft.com/office/drawing/2014/main" id="{4EEB0CA1-9B6B-405D-B2D6-43C6A3A6EE92}"/>
               </a:ext>
             </a:extLst>
           </p:cNvPr>
@@ -10351,7 +10453,7 @@
           <p:cNvPr id="40" name="TextBox 39">
             <a:extLst>
               <a:ext uri="{FF2B5EF4-FFF2-40B4-BE49-F238E27FC236}">
-                <a16:creationId xmlns:a16="http://schemas.microsoft.com/office/drawing/2014/main" xmlns="" id="{3CEF73B0-1F11-42A7-98E4-35611286079B}"/>
+                <a16:creationId xmlns:a16="http://schemas.microsoft.com/office/drawing/2014/main" id="{3CEF73B0-1F11-42A7-98E4-35611286079B}"/>
               </a:ext>
             </a:extLst>
           </p:cNvPr>
@@ -10391,13 +10493,6 @@
   <p:clrMapOvr>
     <a:masterClrMapping/>
   </p:clrMapOvr>
-  <p:timing>
-    <p:tnLst>
-      <p:par>
-        <p:cTn id="1" dur="indefinite" restart="never" nodeType="tmRoot"/>
-      </p:par>
-    </p:tnLst>
-  </p:timing>
 </p:sld>
 </file>
 
@@ -10423,7 +10518,7 @@
           <p:cNvPr id="2" name="TextBox 1">
             <a:extLst>
               <a:ext uri="{FF2B5EF4-FFF2-40B4-BE49-F238E27FC236}">
-                <a16:creationId xmlns:a16="http://schemas.microsoft.com/office/drawing/2014/main" xmlns="" id="{604FCC24-5774-4D19-AE3C-892BD5CB9036}"/>
+                <a16:creationId xmlns:a16="http://schemas.microsoft.com/office/drawing/2014/main" id="{604FCC24-5774-4D19-AE3C-892BD5CB9036}"/>
               </a:ext>
             </a:extLst>
           </p:cNvPr>
@@ -10474,7 +10569,7 @@
           <p:cNvPr id="15" name="Picture 14">
             <a:extLst>
               <a:ext uri="{FF2B5EF4-FFF2-40B4-BE49-F238E27FC236}">
-                <a16:creationId xmlns:a16="http://schemas.microsoft.com/office/drawing/2014/main" xmlns="" id="{4EEB0CA1-9B6B-405D-B2D6-43C6A3A6EE92}"/>
+                <a16:creationId xmlns:a16="http://schemas.microsoft.com/office/drawing/2014/main" id="{4EEB0CA1-9B6B-405D-B2D6-43C6A3A6EE92}"/>
               </a:ext>
             </a:extLst>
           </p:cNvPr>
@@ -10504,7 +10599,7 @@
           <p:cNvPr id="8" name="Picture 7">
             <a:extLst>
               <a:ext uri="{FF2B5EF4-FFF2-40B4-BE49-F238E27FC236}">
-                <a16:creationId xmlns:a16="http://schemas.microsoft.com/office/drawing/2014/main" xmlns="" id="{4471E72E-AA64-4FEA-B7B8-131BD38222C3}"/>
+                <a16:creationId xmlns:a16="http://schemas.microsoft.com/office/drawing/2014/main" id="{4471E72E-AA64-4FEA-B7B8-131BD38222C3}"/>
               </a:ext>
             </a:extLst>
           </p:cNvPr>
@@ -10534,7 +10629,7 @@
           <p:cNvPr id="9" name="TextBox 8">
             <a:extLst>
               <a:ext uri="{FF2B5EF4-FFF2-40B4-BE49-F238E27FC236}">
-                <a16:creationId xmlns:a16="http://schemas.microsoft.com/office/drawing/2014/main" xmlns="" id="{268C0CA2-DBC5-46F6-B369-3F4A7AFD726C}"/>
+                <a16:creationId xmlns:a16="http://schemas.microsoft.com/office/drawing/2014/main" id="{268C0CA2-DBC5-46F6-B369-3F4A7AFD726C}"/>
               </a:ext>
             </a:extLst>
           </p:cNvPr>
@@ -10637,7 +10732,7 @@
           <p:cNvPr id="5" name="Group 4">
             <a:extLst>
               <a:ext uri="{FF2B5EF4-FFF2-40B4-BE49-F238E27FC236}">
-                <a16:creationId xmlns:a16="http://schemas.microsoft.com/office/drawing/2014/main" xmlns="" id="{47B4446F-5EEA-4339-8514-43F1C9C8906A}"/>
+                <a16:creationId xmlns:a16="http://schemas.microsoft.com/office/drawing/2014/main" id="{47B4446F-5EEA-4339-8514-43F1C9C8906A}"/>
               </a:ext>
             </a:extLst>
           </p:cNvPr>
@@ -10659,7 +10754,7 @@
             <p:cNvPr id="3" name="Picture 2">
               <a:extLst>
                 <a:ext uri="{FF2B5EF4-FFF2-40B4-BE49-F238E27FC236}">
-                  <a16:creationId xmlns:a16="http://schemas.microsoft.com/office/drawing/2014/main" xmlns="" id="{0F07178B-F3A9-42FB-9911-50B8F4DB7B14}"/>
+                  <a16:creationId xmlns:a16="http://schemas.microsoft.com/office/drawing/2014/main" id="{0F07178B-F3A9-42FB-9911-50B8F4DB7B14}"/>
                 </a:ext>
               </a:extLst>
             </p:cNvPr>
@@ -10689,7 +10784,7 @@
             <p:cNvPr id="4" name="Rectangle 3">
               <a:extLst>
                 <a:ext uri="{FF2B5EF4-FFF2-40B4-BE49-F238E27FC236}">
-                  <a16:creationId xmlns:a16="http://schemas.microsoft.com/office/drawing/2014/main" xmlns="" id="{ECD314BF-9124-4216-8DAC-32FEE28B4F84}"/>
+                  <a16:creationId xmlns:a16="http://schemas.microsoft.com/office/drawing/2014/main" id="{ECD314BF-9124-4216-8DAC-32FEE28B4F84}"/>
                 </a:ext>
               </a:extLst>
             </p:cNvPr>
@@ -10742,7 +10837,7 @@
           <p:cNvPr id="13" name="TextBox 12">
             <a:extLst>
               <a:ext uri="{FF2B5EF4-FFF2-40B4-BE49-F238E27FC236}">
-                <a16:creationId xmlns:a16="http://schemas.microsoft.com/office/drawing/2014/main" xmlns="" id="{D5B9C70C-F2EE-4A2A-B793-B475508C7A86}"/>
+                <a16:creationId xmlns:a16="http://schemas.microsoft.com/office/drawing/2014/main" id="{D5B9C70C-F2EE-4A2A-B793-B475508C7A86}"/>
               </a:ext>
             </a:extLst>
           </p:cNvPr>
@@ -10782,13 +10877,6 @@
   <p:clrMapOvr>
     <a:masterClrMapping/>
   </p:clrMapOvr>
-  <p:timing>
-    <p:tnLst>
-      <p:par>
-        <p:cTn id="1" dur="indefinite" restart="never" nodeType="tmRoot"/>
-      </p:par>
-    </p:tnLst>
-  </p:timing>
 </p:sld>
 </file>
 
@@ -10814,7 +10902,7 @@
           <p:cNvPr id="2" name="TextBox 1">
             <a:extLst>
               <a:ext uri="{FF2B5EF4-FFF2-40B4-BE49-F238E27FC236}">
-                <a16:creationId xmlns:a16="http://schemas.microsoft.com/office/drawing/2014/main" xmlns="" id="{604FCC24-5774-4D19-AE3C-892BD5CB9036}"/>
+                <a16:creationId xmlns:a16="http://schemas.microsoft.com/office/drawing/2014/main" id="{604FCC24-5774-4D19-AE3C-892BD5CB9036}"/>
               </a:ext>
             </a:extLst>
           </p:cNvPr>
@@ -10865,7 +10953,7 @@
           <p:cNvPr id="15" name="Picture 14">
             <a:extLst>
               <a:ext uri="{FF2B5EF4-FFF2-40B4-BE49-F238E27FC236}">
-                <a16:creationId xmlns:a16="http://schemas.microsoft.com/office/drawing/2014/main" xmlns="" id="{4EEB0CA1-9B6B-405D-B2D6-43C6A3A6EE92}"/>
+                <a16:creationId xmlns:a16="http://schemas.microsoft.com/office/drawing/2014/main" id="{4EEB0CA1-9B6B-405D-B2D6-43C6A3A6EE92}"/>
               </a:ext>
             </a:extLst>
           </p:cNvPr>
@@ -10895,7 +10983,7 @@
           <p:cNvPr id="8" name="Picture 7">
             <a:extLst>
               <a:ext uri="{FF2B5EF4-FFF2-40B4-BE49-F238E27FC236}">
-                <a16:creationId xmlns:a16="http://schemas.microsoft.com/office/drawing/2014/main" xmlns="" id="{4471E72E-AA64-4FEA-B7B8-131BD38222C3}"/>
+                <a16:creationId xmlns:a16="http://schemas.microsoft.com/office/drawing/2014/main" id="{4471E72E-AA64-4FEA-B7B8-131BD38222C3}"/>
               </a:ext>
             </a:extLst>
           </p:cNvPr>
@@ -10925,7 +11013,7 @@
           <p:cNvPr id="9" name="TextBox 8">
             <a:extLst>
               <a:ext uri="{FF2B5EF4-FFF2-40B4-BE49-F238E27FC236}">
-                <a16:creationId xmlns:a16="http://schemas.microsoft.com/office/drawing/2014/main" xmlns="" id="{268C0CA2-DBC5-46F6-B369-3F4A7AFD726C}"/>
+                <a16:creationId xmlns:a16="http://schemas.microsoft.com/office/drawing/2014/main" id="{268C0CA2-DBC5-46F6-B369-3F4A7AFD726C}"/>
               </a:ext>
             </a:extLst>
           </p:cNvPr>
@@ -10969,7 +11057,7 @@
           <p:cNvPr id="5" name="Group 4">
             <a:extLst>
               <a:ext uri="{FF2B5EF4-FFF2-40B4-BE49-F238E27FC236}">
-                <a16:creationId xmlns:a16="http://schemas.microsoft.com/office/drawing/2014/main" xmlns="" id="{47B4446F-5EEA-4339-8514-43F1C9C8906A}"/>
+                <a16:creationId xmlns:a16="http://schemas.microsoft.com/office/drawing/2014/main" id="{47B4446F-5EEA-4339-8514-43F1C9C8906A}"/>
               </a:ext>
             </a:extLst>
           </p:cNvPr>
@@ -10991,7 +11079,7 @@
             <p:cNvPr id="3" name="Picture 2">
               <a:extLst>
                 <a:ext uri="{FF2B5EF4-FFF2-40B4-BE49-F238E27FC236}">
-                  <a16:creationId xmlns:a16="http://schemas.microsoft.com/office/drawing/2014/main" xmlns="" id="{0F07178B-F3A9-42FB-9911-50B8F4DB7B14}"/>
+                  <a16:creationId xmlns:a16="http://schemas.microsoft.com/office/drawing/2014/main" id="{0F07178B-F3A9-42FB-9911-50B8F4DB7B14}"/>
                 </a:ext>
               </a:extLst>
             </p:cNvPr>
@@ -11021,7 +11109,7 @@
             <p:cNvPr id="4" name="Rectangle 3">
               <a:extLst>
                 <a:ext uri="{FF2B5EF4-FFF2-40B4-BE49-F238E27FC236}">
-                  <a16:creationId xmlns:a16="http://schemas.microsoft.com/office/drawing/2014/main" xmlns="" id="{ECD314BF-9124-4216-8DAC-32FEE28B4F84}"/>
+                  <a16:creationId xmlns:a16="http://schemas.microsoft.com/office/drawing/2014/main" id="{ECD314BF-9124-4216-8DAC-32FEE28B4F84}"/>
                 </a:ext>
               </a:extLst>
             </p:cNvPr>
@@ -11074,7 +11162,7 @@
           <p:cNvPr id="13" name="TextBox 12">
             <a:extLst>
               <a:ext uri="{FF2B5EF4-FFF2-40B4-BE49-F238E27FC236}">
-                <a16:creationId xmlns:a16="http://schemas.microsoft.com/office/drawing/2014/main" xmlns="" id="{D5B9C70C-F2EE-4A2A-B793-B475508C7A86}"/>
+                <a16:creationId xmlns:a16="http://schemas.microsoft.com/office/drawing/2014/main" id="{D5B9C70C-F2EE-4A2A-B793-B475508C7A86}"/>
               </a:ext>
             </a:extLst>
           </p:cNvPr>
@@ -11109,7 +11197,7 @@
           <p:cNvPr id="10" name="Group 9">
             <a:extLst>
               <a:ext uri="{FF2B5EF4-FFF2-40B4-BE49-F238E27FC236}">
-                <a16:creationId xmlns:a16="http://schemas.microsoft.com/office/drawing/2014/main" xmlns="" id="{EFB049B6-51F5-403F-9B69-766F461727ED}"/>
+                <a16:creationId xmlns:a16="http://schemas.microsoft.com/office/drawing/2014/main" id="{EFB049B6-51F5-403F-9B69-766F461727ED}"/>
               </a:ext>
             </a:extLst>
           </p:cNvPr>
@@ -11129,7 +11217,7 @@
             <p:cNvPr id="6" name="Picture 5">
               <a:extLst>
                 <a:ext uri="{FF2B5EF4-FFF2-40B4-BE49-F238E27FC236}">
-                  <a16:creationId xmlns:a16="http://schemas.microsoft.com/office/drawing/2014/main" xmlns="" id="{9D9AD99E-6D86-4F20-A939-BF170F986784}"/>
+                  <a16:creationId xmlns:a16="http://schemas.microsoft.com/office/drawing/2014/main" id="{9D9AD99E-6D86-4F20-A939-BF170F986784}"/>
                 </a:ext>
               </a:extLst>
             </p:cNvPr>
@@ -11159,7 +11247,7 @@
             <p:cNvPr id="7" name="Rectangle 6">
               <a:extLst>
                 <a:ext uri="{FF2B5EF4-FFF2-40B4-BE49-F238E27FC236}">
-                  <a16:creationId xmlns:a16="http://schemas.microsoft.com/office/drawing/2014/main" xmlns="" id="{C0F4D97C-18AB-4370-B57D-754BAEADB717}"/>
+                  <a16:creationId xmlns:a16="http://schemas.microsoft.com/office/drawing/2014/main" id="{C0F4D97C-18AB-4370-B57D-754BAEADB717}"/>
                 </a:ext>
               </a:extLst>
             </p:cNvPr>
@@ -11212,7 +11300,7 @@
           <p:cNvPr id="14" name="TextBox 13">
             <a:extLst>
               <a:ext uri="{FF2B5EF4-FFF2-40B4-BE49-F238E27FC236}">
-                <a16:creationId xmlns:a16="http://schemas.microsoft.com/office/drawing/2014/main" xmlns="" id="{D9FC6622-F2B7-44F3-9F5D-79C3858E58EB}"/>
+                <a16:creationId xmlns:a16="http://schemas.microsoft.com/office/drawing/2014/main" id="{D9FC6622-F2B7-44F3-9F5D-79C3858E58EB}"/>
               </a:ext>
             </a:extLst>
           </p:cNvPr>
@@ -11357,13 +11445,6 @@
   <p:clrMapOvr>
     <a:masterClrMapping/>
   </p:clrMapOvr>
-  <p:timing>
-    <p:tnLst>
-      <p:par>
-        <p:cTn id="1" dur="indefinite" restart="never" nodeType="tmRoot"/>
-      </p:par>
-    </p:tnLst>
-  </p:timing>
 </p:sld>
 </file>
 
@@ -11389,7 +11470,7 @@
           <p:cNvPr id="2" name="TextBox 1">
             <a:extLst>
               <a:ext uri="{FF2B5EF4-FFF2-40B4-BE49-F238E27FC236}">
-                <a16:creationId xmlns:a16="http://schemas.microsoft.com/office/drawing/2014/main" xmlns="" id="{604FCC24-5774-4D19-AE3C-892BD5CB9036}"/>
+                <a16:creationId xmlns:a16="http://schemas.microsoft.com/office/drawing/2014/main" id="{604FCC24-5774-4D19-AE3C-892BD5CB9036}"/>
               </a:ext>
             </a:extLst>
           </p:cNvPr>
@@ -11440,7 +11521,7 @@
           <p:cNvPr id="15" name="Picture 14">
             <a:extLst>
               <a:ext uri="{FF2B5EF4-FFF2-40B4-BE49-F238E27FC236}">
-                <a16:creationId xmlns:a16="http://schemas.microsoft.com/office/drawing/2014/main" xmlns="" id="{4EEB0CA1-9B6B-405D-B2D6-43C6A3A6EE92}"/>
+                <a16:creationId xmlns:a16="http://schemas.microsoft.com/office/drawing/2014/main" id="{4EEB0CA1-9B6B-405D-B2D6-43C6A3A6EE92}"/>
               </a:ext>
             </a:extLst>
           </p:cNvPr>
@@ -11470,7 +11551,7 @@
           <p:cNvPr id="8" name="Picture 7">
             <a:extLst>
               <a:ext uri="{FF2B5EF4-FFF2-40B4-BE49-F238E27FC236}">
-                <a16:creationId xmlns:a16="http://schemas.microsoft.com/office/drawing/2014/main" xmlns="" id="{4471E72E-AA64-4FEA-B7B8-131BD38222C3}"/>
+                <a16:creationId xmlns:a16="http://schemas.microsoft.com/office/drawing/2014/main" id="{4471E72E-AA64-4FEA-B7B8-131BD38222C3}"/>
               </a:ext>
             </a:extLst>
           </p:cNvPr>
@@ -11500,7 +11581,7 @@
           <p:cNvPr id="9" name="TextBox 8">
             <a:extLst>
               <a:ext uri="{FF2B5EF4-FFF2-40B4-BE49-F238E27FC236}">
-                <a16:creationId xmlns:a16="http://schemas.microsoft.com/office/drawing/2014/main" xmlns="" id="{268C0CA2-DBC5-46F6-B369-3F4A7AFD726C}"/>
+                <a16:creationId xmlns:a16="http://schemas.microsoft.com/office/drawing/2014/main" id="{268C0CA2-DBC5-46F6-B369-3F4A7AFD726C}"/>
               </a:ext>
             </a:extLst>
           </p:cNvPr>
@@ -11544,7 +11625,7 @@
           <p:cNvPr id="5" name="Group 4">
             <a:extLst>
               <a:ext uri="{FF2B5EF4-FFF2-40B4-BE49-F238E27FC236}">
-                <a16:creationId xmlns:a16="http://schemas.microsoft.com/office/drawing/2014/main" xmlns="" id="{47B4446F-5EEA-4339-8514-43F1C9C8906A}"/>
+                <a16:creationId xmlns:a16="http://schemas.microsoft.com/office/drawing/2014/main" id="{47B4446F-5EEA-4339-8514-43F1C9C8906A}"/>
               </a:ext>
             </a:extLst>
           </p:cNvPr>
@@ -11566,7 +11647,7 @@
             <p:cNvPr id="3" name="Picture 2">
               <a:extLst>
                 <a:ext uri="{FF2B5EF4-FFF2-40B4-BE49-F238E27FC236}">
-                  <a16:creationId xmlns:a16="http://schemas.microsoft.com/office/drawing/2014/main" xmlns="" id="{0F07178B-F3A9-42FB-9911-50B8F4DB7B14}"/>
+                  <a16:creationId xmlns:a16="http://schemas.microsoft.com/office/drawing/2014/main" id="{0F07178B-F3A9-42FB-9911-50B8F4DB7B14}"/>
                 </a:ext>
               </a:extLst>
             </p:cNvPr>
@@ -11596,7 +11677,7 @@
             <p:cNvPr id="4" name="Rectangle 3">
               <a:extLst>
                 <a:ext uri="{FF2B5EF4-FFF2-40B4-BE49-F238E27FC236}">
-                  <a16:creationId xmlns:a16="http://schemas.microsoft.com/office/drawing/2014/main" xmlns="" id="{ECD314BF-9124-4216-8DAC-32FEE28B4F84}"/>
+                  <a16:creationId xmlns:a16="http://schemas.microsoft.com/office/drawing/2014/main" id="{ECD314BF-9124-4216-8DAC-32FEE28B4F84}"/>
                 </a:ext>
               </a:extLst>
             </p:cNvPr>
@@ -11649,7 +11730,7 @@
           <p:cNvPr id="13" name="TextBox 12">
             <a:extLst>
               <a:ext uri="{FF2B5EF4-FFF2-40B4-BE49-F238E27FC236}">
-                <a16:creationId xmlns:a16="http://schemas.microsoft.com/office/drawing/2014/main" xmlns="" id="{D5B9C70C-F2EE-4A2A-B793-B475508C7A86}"/>
+                <a16:creationId xmlns:a16="http://schemas.microsoft.com/office/drawing/2014/main" id="{D5B9C70C-F2EE-4A2A-B793-B475508C7A86}"/>
               </a:ext>
             </a:extLst>
           </p:cNvPr>
@@ -11684,7 +11765,7 @@
           <p:cNvPr id="10" name="Group 9">
             <a:extLst>
               <a:ext uri="{FF2B5EF4-FFF2-40B4-BE49-F238E27FC236}">
-                <a16:creationId xmlns:a16="http://schemas.microsoft.com/office/drawing/2014/main" xmlns="" id="{EFB049B6-51F5-403F-9B69-766F461727ED}"/>
+                <a16:creationId xmlns:a16="http://schemas.microsoft.com/office/drawing/2014/main" id="{EFB049B6-51F5-403F-9B69-766F461727ED}"/>
               </a:ext>
             </a:extLst>
           </p:cNvPr>
@@ -11704,7 +11785,7 @@
             <p:cNvPr id="6" name="Picture 5">
               <a:extLst>
                 <a:ext uri="{FF2B5EF4-FFF2-40B4-BE49-F238E27FC236}">
-                  <a16:creationId xmlns:a16="http://schemas.microsoft.com/office/drawing/2014/main" xmlns="" id="{9D9AD99E-6D86-4F20-A939-BF170F986784}"/>
+                  <a16:creationId xmlns:a16="http://schemas.microsoft.com/office/drawing/2014/main" id="{9D9AD99E-6D86-4F20-A939-BF170F986784}"/>
                 </a:ext>
               </a:extLst>
             </p:cNvPr>
@@ -11734,7 +11815,7 @@
             <p:cNvPr id="7" name="Rectangle 6">
               <a:extLst>
                 <a:ext uri="{FF2B5EF4-FFF2-40B4-BE49-F238E27FC236}">
-                  <a16:creationId xmlns:a16="http://schemas.microsoft.com/office/drawing/2014/main" xmlns="" id="{C0F4D97C-18AB-4370-B57D-754BAEADB717}"/>
+                  <a16:creationId xmlns:a16="http://schemas.microsoft.com/office/drawing/2014/main" id="{C0F4D97C-18AB-4370-B57D-754BAEADB717}"/>
                 </a:ext>
               </a:extLst>
             </p:cNvPr>
@@ -11787,7 +11868,7 @@
           <p:cNvPr id="14" name="TextBox 13">
             <a:extLst>
               <a:ext uri="{FF2B5EF4-FFF2-40B4-BE49-F238E27FC236}">
-                <a16:creationId xmlns:a16="http://schemas.microsoft.com/office/drawing/2014/main" xmlns="" id="{D9FC6622-F2B7-44F3-9F5D-79C3858E58EB}"/>
+                <a16:creationId xmlns:a16="http://schemas.microsoft.com/office/drawing/2014/main" id="{D9FC6622-F2B7-44F3-9F5D-79C3858E58EB}"/>
               </a:ext>
             </a:extLst>
           </p:cNvPr>
@@ -11831,13 +11912,6 @@
   <p:clrMapOvr>
     <a:masterClrMapping/>
   </p:clrMapOvr>
-  <p:timing>
-    <p:tnLst>
-      <p:par>
-        <p:cTn id="1" dur="indefinite" restart="never" nodeType="tmRoot"/>
-      </p:par>
-    </p:tnLst>
-  </p:timing>
 </p:sld>
 </file>
 
@@ -11863,7 +11937,7 @@
           <p:cNvPr id="2" name="TextBox 1">
             <a:extLst>
               <a:ext uri="{FF2B5EF4-FFF2-40B4-BE49-F238E27FC236}">
-                <a16:creationId xmlns:a16="http://schemas.microsoft.com/office/drawing/2014/main" xmlns="" id="{604FCC24-5774-4D19-AE3C-892BD5CB9036}"/>
+                <a16:creationId xmlns:a16="http://schemas.microsoft.com/office/drawing/2014/main" id="{604FCC24-5774-4D19-AE3C-892BD5CB9036}"/>
               </a:ext>
             </a:extLst>
           </p:cNvPr>
@@ -11901,7 +11975,7 @@
           <p:cNvPr id="8" name="Group 7">
             <a:extLst>
               <a:ext uri="{FF2B5EF4-FFF2-40B4-BE49-F238E27FC236}">
-                <a16:creationId xmlns:a16="http://schemas.microsoft.com/office/drawing/2014/main" xmlns="" id="{01E02375-F4DA-4A99-B8F7-8F1708ECDA85}"/>
+                <a16:creationId xmlns:a16="http://schemas.microsoft.com/office/drawing/2014/main" id="{01E02375-F4DA-4A99-B8F7-8F1708ECDA85}"/>
               </a:ext>
             </a:extLst>
           </p:cNvPr>
@@ -11921,7 +11995,7 @@
             <p:cNvPr id="9" name="TextBox 8">
               <a:extLst>
                 <a:ext uri="{FF2B5EF4-FFF2-40B4-BE49-F238E27FC236}">
-                  <a16:creationId xmlns:a16="http://schemas.microsoft.com/office/drawing/2014/main" xmlns="" id="{A66282AF-7EDE-475D-8B4B-A5254CE01677}"/>
+                  <a16:creationId xmlns:a16="http://schemas.microsoft.com/office/drawing/2014/main" id="{A66282AF-7EDE-475D-8B4B-A5254CE01677}"/>
                 </a:ext>
               </a:extLst>
             </p:cNvPr>
@@ -11956,7 +12030,7 @@
             <p:cNvPr id="10" name="Picture 9">
               <a:extLst>
                 <a:ext uri="{FF2B5EF4-FFF2-40B4-BE49-F238E27FC236}">
-                  <a16:creationId xmlns:a16="http://schemas.microsoft.com/office/drawing/2014/main" xmlns="" id="{36FE8736-1BB8-485B-8E2F-6269E1482D99}"/>
+                  <a16:creationId xmlns:a16="http://schemas.microsoft.com/office/drawing/2014/main" id="{36FE8736-1BB8-485B-8E2F-6269E1482D99}"/>
                 </a:ext>
               </a:extLst>
             </p:cNvPr>
@@ -11987,7 +12061,7 @@
           <p:cNvPr id="11" name="Group 10">
             <a:extLst>
               <a:ext uri="{FF2B5EF4-FFF2-40B4-BE49-F238E27FC236}">
-                <a16:creationId xmlns:a16="http://schemas.microsoft.com/office/drawing/2014/main" xmlns="" id="{FEA8DE0C-DCDD-48F3-863F-A340EC92189C}"/>
+                <a16:creationId xmlns:a16="http://schemas.microsoft.com/office/drawing/2014/main" id="{FEA8DE0C-DCDD-48F3-863F-A340EC92189C}"/>
               </a:ext>
             </a:extLst>
           </p:cNvPr>
@@ -12007,7 +12081,7 @@
             <p:cNvPr id="12" name="Group 11">
               <a:extLst>
                 <a:ext uri="{FF2B5EF4-FFF2-40B4-BE49-F238E27FC236}">
-                  <a16:creationId xmlns:a16="http://schemas.microsoft.com/office/drawing/2014/main" xmlns="" id="{ED235553-BA2E-4151-AF57-6971B7C121EF}"/>
+                  <a16:creationId xmlns:a16="http://schemas.microsoft.com/office/drawing/2014/main" id="{ED235553-BA2E-4151-AF57-6971B7C121EF}"/>
                 </a:ext>
               </a:extLst>
             </p:cNvPr>
@@ -12027,7 +12101,7 @@
               <p:cNvPr id="18" name="TextBox 17">
                 <a:extLst>
                   <a:ext uri="{FF2B5EF4-FFF2-40B4-BE49-F238E27FC236}">
-                    <a16:creationId xmlns:a16="http://schemas.microsoft.com/office/drawing/2014/main" xmlns="" id="{04DB8D4D-38B0-4F62-A5C6-377A602BB7AF}"/>
+                    <a16:creationId xmlns:a16="http://schemas.microsoft.com/office/drawing/2014/main" id="{04DB8D4D-38B0-4F62-A5C6-377A602BB7AF}"/>
                   </a:ext>
                 </a:extLst>
               </p:cNvPr>
@@ -12062,7 +12136,7 @@
               <p:cNvPr id="19" name="Picture 18">
                 <a:extLst>
                   <a:ext uri="{FF2B5EF4-FFF2-40B4-BE49-F238E27FC236}">
-                    <a16:creationId xmlns:a16="http://schemas.microsoft.com/office/drawing/2014/main" xmlns="" id="{30AE7D7E-B1EE-4A5D-8BE8-38777325CD4A}"/>
+                    <a16:creationId xmlns:a16="http://schemas.microsoft.com/office/drawing/2014/main" id="{30AE7D7E-B1EE-4A5D-8BE8-38777325CD4A}"/>
                   </a:ext>
                 </a:extLst>
               </p:cNvPr>
@@ -12093,7 +12167,7 @@
             <p:cNvPr id="13" name="Straight Arrow Connector 12">
               <a:extLst>
                 <a:ext uri="{FF2B5EF4-FFF2-40B4-BE49-F238E27FC236}">
-                  <a16:creationId xmlns:a16="http://schemas.microsoft.com/office/drawing/2014/main" xmlns="" id="{E75C1CB4-FA46-468B-8FD2-57159DD6A69E}"/>
+                  <a16:creationId xmlns:a16="http://schemas.microsoft.com/office/drawing/2014/main" id="{E75C1CB4-FA46-468B-8FD2-57159DD6A69E}"/>
                 </a:ext>
               </a:extLst>
             </p:cNvPr>
@@ -12134,7 +12208,7 @@
             <p:cNvPr id="16" name="TextBox 15">
               <a:extLst>
                 <a:ext uri="{FF2B5EF4-FFF2-40B4-BE49-F238E27FC236}">
-                  <a16:creationId xmlns:a16="http://schemas.microsoft.com/office/drawing/2014/main" xmlns="" id="{1B23C4DF-503E-459A-AC8C-C9ED2F674302}"/>
+                  <a16:creationId xmlns:a16="http://schemas.microsoft.com/office/drawing/2014/main" id="{1B23C4DF-503E-459A-AC8C-C9ED2F674302}"/>
                 </a:ext>
               </a:extLst>
             </p:cNvPr>
@@ -12197,7 +12271,7 @@
             <p:cNvPr id="17" name="TextBox 16">
               <a:extLst>
                 <a:ext uri="{FF2B5EF4-FFF2-40B4-BE49-F238E27FC236}">
-                  <a16:creationId xmlns:a16="http://schemas.microsoft.com/office/drawing/2014/main" xmlns="" id="{0162580E-FD51-417B-94A6-A6588798624E}"/>
+                  <a16:creationId xmlns:a16="http://schemas.microsoft.com/office/drawing/2014/main" id="{0162580E-FD51-417B-94A6-A6588798624E}"/>
                 </a:ext>
               </a:extLst>
             </p:cNvPr>
@@ -12237,7 +12311,7 @@
           <p:cNvPr id="20" name="Group 19">
             <a:extLst>
               <a:ext uri="{FF2B5EF4-FFF2-40B4-BE49-F238E27FC236}">
-                <a16:creationId xmlns:a16="http://schemas.microsoft.com/office/drawing/2014/main" xmlns="" id="{C7C23E10-70FA-46C8-8FE2-78B698EAB06C}"/>
+                <a16:creationId xmlns:a16="http://schemas.microsoft.com/office/drawing/2014/main" id="{C7C23E10-70FA-46C8-8FE2-78B698EAB06C}"/>
               </a:ext>
             </a:extLst>
           </p:cNvPr>
@@ -12257,7 +12331,7 @@
             <p:cNvPr id="22" name="TextBox 21">
               <a:extLst>
                 <a:ext uri="{FF2B5EF4-FFF2-40B4-BE49-F238E27FC236}">
-                  <a16:creationId xmlns:a16="http://schemas.microsoft.com/office/drawing/2014/main" xmlns="" id="{E34EC561-D996-4A77-AAC2-8FB8394E2E96}"/>
+                  <a16:creationId xmlns:a16="http://schemas.microsoft.com/office/drawing/2014/main" id="{E34EC561-D996-4A77-AAC2-8FB8394E2E96}"/>
                 </a:ext>
               </a:extLst>
             </p:cNvPr>
@@ -12292,7 +12366,7 @@
             <p:cNvPr id="23" name="Picture 22">
               <a:extLst>
                 <a:ext uri="{FF2B5EF4-FFF2-40B4-BE49-F238E27FC236}">
-                  <a16:creationId xmlns:a16="http://schemas.microsoft.com/office/drawing/2014/main" xmlns="" id="{71AAD538-57CB-4289-8AB4-975F45E3E288}"/>
+                  <a16:creationId xmlns:a16="http://schemas.microsoft.com/office/drawing/2014/main" id="{71AAD538-57CB-4289-8AB4-975F45E3E288}"/>
                 </a:ext>
               </a:extLst>
             </p:cNvPr>
@@ -12323,7 +12397,7 @@
           <p:cNvPr id="25" name="TextBox 24">
             <a:extLst>
               <a:ext uri="{FF2B5EF4-FFF2-40B4-BE49-F238E27FC236}">
-                <a16:creationId xmlns:a16="http://schemas.microsoft.com/office/drawing/2014/main" xmlns="" id="{4E5B84F2-4C86-4903-AC34-DA61859F92CD}"/>
+                <a16:creationId xmlns:a16="http://schemas.microsoft.com/office/drawing/2014/main" id="{4E5B84F2-4C86-4903-AC34-DA61859F92CD}"/>
               </a:ext>
             </a:extLst>
           </p:cNvPr>
@@ -12366,7 +12440,7 @@
           <p:cNvPr id="3" name="Picture 2">
             <a:extLst>
               <a:ext uri="{FF2B5EF4-FFF2-40B4-BE49-F238E27FC236}">
-                <a16:creationId xmlns:a16="http://schemas.microsoft.com/office/drawing/2014/main" xmlns="" id="{D898E28B-526B-42AC-B135-877ABC7CDF7D}"/>
+                <a16:creationId xmlns:a16="http://schemas.microsoft.com/office/drawing/2014/main" id="{D898E28B-526B-42AC-B135-877ABC7CDF7D}"/>
               </a:ext>
             </a:extLst>
           </p:cNvPr>
@@ -12401,13 +12475,6 @@
   <p:clrMapOvr>
     <a:masterClrMapping/>
   </p:clrMapOvr>
-  <p:timing>
-    <p:tnLst>
-      <p:par>
-        <p:cTn id="1" dur="indefinite" restart="never" nodeType="tmRoot"/>
-      </p:par>
-    </p:tnLst>
-  </p:timing>
 </p:sld>
 </file>
 
@@ -12433,7 +12500,7 @@
           <p:cNvPr id="2" name="TextBox 1">
             <a:extLst>
               <a:ext uri="{FF2B5EF4-FFF2-40B4-BE49-F238E27FC236}">
-                <a16:creationId xmlns:a16="http://schemas.microsoft.com/office/drawing/2014/main" xmlns="" id="{604FCC24-5774-4D19-AE3C-892BD5CB9036}"/>
+                <a16:creationId xmlns:a16="http://schemas.microsoft.com/office/drawing/2014/main" id="{604FCC24-5774-4D19-AE3C-892BD5CB9036}"/>
               </a:ext>
             </a:extLst>
           </p:cNvPr>
@@ -12471,7 +12538,7 @@
           <p:cNvPr id="25" name="TextBox 24">
             <a:extLst>
               <a:ext uri="{FF2B5EF4-FFF2-40B4-BE49-F238E27FC236}">
-                <a16:creationId xmlns:a16="http://schemas.microsoft.com/office/drawing/2014/main" xmlns="" id="{4E5B84F2-4C86-4903-AC34-DA61859F92CD}"/>
+                <a16:creationId xmlns:a16="http://schemas.microsoft.com/office/drawing/2014/main" id="{4E5B84F2-4C86-4903-AC34-DA61859F92CD}"/>
               </a:ext>
             </a:extLst>
           </p:cNvPr>
@@ -12510,7 +12577,7 @@
           <p:cNvPr id="3" name="Picture 2">
             <a:extLst>
               <a:ext uri="{FF2B5EF4-FFF2-40B4-BE49-F238E27FC236}">
-                <a16:creationId xmlns:a16="http://schemas.microsoft.com/office/drawing/2014/main" xmlns="" id="{D898E28B-526B-42AC-B135-877ABC7CDF7D}"/>
+                <a16:creationId xmlns:a16="http://schemas.microsoft.com/office/drawing/2014/main" id="{D898E28B-526B-42AC-B135-877ABC7CDF7D}"/>
               </a:ext>
             </a:extLst>
           </p:cNvPr>
@@ -12540,7 +12607,7 @@
           <p:cNvPr id="29" name="TextBox 28">
             <a:extLst>
               <a:ext uri="{FF2B5EF4-FFF2-40B4-BE49-F238E27FC236}">
-                <a16:creationId xmlns:a16="http://schemas.microsoft.com/office/drawing/2014/main" xmlns="" id="{EB9D7308-152C-4813-94C3-D7E9991FDAA7}"/>
+                <a16:creationId xmlns:a16="http://schemas.microsoft.com/office/drawing/2014/main" id="{EB9D7308-152C-4813-94C3-D7E9991FDAA7}"/>
               </a:ext>
             </a:extLst>
           </p:cNvPr>
@@ -12607,7 +12674,7 @@
           <p:cNvPr id="5" name="Picture 4">
             <a:extLst>
               <a:ext uri="{FF2B5EF4-FFF2-40B4-BE49-F238E27FC236}">
-                <a16:creationId xmlns:a16="http://schemas.microsoft.com/office/drawing/2014/main" xmlns="" id="{1D1EE1A2-11DF-4098-AA5D-805602CD903D}"/>
+                <a16:creationId xmlns:a16="http://schemas.microsoft.com/office/drawing/2014/main" id="{1D1EE1A2-11DF-4098-AA5D-805602CD903D}"/>
               </a:ext>
             </a:extLst>
           </p:cNvPr>
@@ -12637,7 +12704,7 @@
           <p:cNvPr id="6" name="Rectangle 5">
             <a:extLst>
               <a:ext uri="{FF2B5EF4-FFF2-40B4-BE49-F238E27FC236}">
-                <a16:creationId xmlns:a16="http://schemas.microsoft.com/office/drawing/2014/main" xmlns="" id="{B22691BE-7797-44EA-A764-26D2E8EA2C58}"/>
+                <a16:creationId xmlns:a16="http://schemas.microsoft.com/office/drawing/2014/main" id="{B22691BE-7797-44EA-A764-26D2E8EA2C58}"/>
               </a:ext>
             </a:extLst>
           </p:cNvPr>
@@ -12694,13 +12761,6 @@
   <p:clrMapOvr>
     <a:masterClrMapping/>
   </p:clrMapOvr>
-  <p:timing>
-    <p:tnLst>
-      <p:par>
-        <p:cTn id="1" dur="indefinite" restart="never" nodeType="tmRoot"/>
-      </p:par>
-    </p:tnLst>
-  </p:timing>
 </p:sld>
 </file>
 
